--- a/01_doc/TinyDisplay.pptx
+++ b/01_doc/TinyDisplay.pptx
@@ -6,6 +6,8 @@
   </p:sldMasterIdLst>
   <p:sldIdLst>
     <p:sldId id="257" r:id="rId2"/>
+    <p:sldId id="258" r:id="rId3"/>
+    <p:sldId id="259" r:id="rId4"/>
   </p:sldIdLst>
   <p:sldSz cx="12192000" cy="6858000"/>
   <p:notesSz cx="6858000" cy="9144000"/>
@@ -104,6 +106,11 @@
       </a:defRPr>
     </a:lvl9pPr>
   </p:defaultTextStyle>
+  <p:extLst>
+    <p:ext uri="{EFAFB233-063F-42B5-8137-9DF3F51BA10A}">
+      <p15:sldGuideLst xmlns:p15="http://schemas.microsoft.com/office/powerpoint/2012/main"/>
+    </p:ext>
+  </p:extLst>
 </p:presentation>
 </file>
 
@@ -238,7 +245,7 @@
           <a:p>
             <a:fld id="{2DD5872B-7991-4A00-95ED-06D285747B9C}" type="datetimeFigureOut">
               <a:rPr lang="en-CA" smtClean="0"/>
-              <a:t>2016-03-05</a:t>
+              <a:t>2016-03-06</a:t>
             </a:fld>
             <a:endParaRPr lang="en-CA"/>
           </a:p>
@@ -408,7 +415,7 @@
           <a:p>
             <a:fld id="{2DD5872B-7991-4A00-95ED-06D285747B9C}" type="datetimeFigureOut">
               <a:rPr lang="en-CA" smtClean="0"/>
-              <a:t>2016-03-05</a:t>
+              <a:t>2016-03-06</a:t>
             </a:fld>
             <a:endParaRPr lang="en-CA"/>
           </a:p>
@@ -588,7 +595,7 @@
           <a:p>
             <a:fld id="{2DD5872B-7991-4A00-95ED-06D285747B9C}" type="datetimeFigureOut">
               <a:rPr lang="en-CA" smtClean="0"/>
-              <a:t>2016-03-05</a:t>
+              <a:t>2016-03-06</a:t>
             </a:fld>
             <a:endParaRPr lang="en-CA"/>
           </a:p>
@@ -758,7 +765,7 @@
           <a:p>
             <a:fld id="{2DD5872B-7991-4A00-95ED-06D285747B9C}" type="datetimeFigureOut">
               <a:rPr lang="en-CA" smtClean="0"/>
-              <a:t>2016-03-05</a:t>
+              <a:t>2016-03-06</a:t>
             </a:fld>
             <a:endParaRPr lang="en-CA"/>
           </a:p>
@@ -1004,7 +1011,7 @@
           <a:p>
             <a:fld id="{2DD5872B-7991-4A00-95ED-06D285747B9C}" type="datetimeFigureOut">
               <a:rPr lang="en-CA" smtClean="0"/>
-              <a:t>2016-03-05</a:t>
+              <a:t>2016-03-06</a:t>
             </a:fld>
             <a:endParaRPr lang="en-CA"/>
           </a:p>
@@ -1236,7 +1243,7 @@
           <a:p>
             <a:fld id="{2DD5872B-7991-4A00-95ED-06D285747B9C}" type="datetimeFigureOut">
               <a:rPr lang="en-CA" smtClean="0"/>
-              <a:t>2016-03-05</a:t>
+              <a:t>2016-03-06</a:t>
             </a:fld>
             <a:endParaRPr lang="en-CA"/>
           </a:p>
@@ -1603,7 +1610,7 @@
           <a:p>
             <a:fld id="{2DD5872B-7991-4A00-95ED-06D285747B9C}" type="datetimeFigureOut">
               <a:rPr lang="en-CA" smtClean="0"/>
-              <a:t>2016-03-05</a:t>
+              <a:t>2016-03-06</a:t>
             </a:fld>
             <a:endParaRPr lang="en-CA"/>
           </a:p>
@@ -1721,7 +1728,7 @@
           <a:p>
             <a:fld id="{2DD5872B-7991-4A00-95ED-06D285747B9C}" type="datetimeFigureOut">
               <a:rPr lang="en-CA" smtClean="0"/>
-              <a:t>2016-03-05</a:t>
+              <a:t>2016-03-06</a:t>
             </a:fld>
             <a:endParaRPr lang="en-CA"/>
           </a:p>
@@ -1816,7 +1823,7 @@
           <a:p>
             <a:fld id="{2DD5872B-7991-4A00-95ED-06D285747B9C}" type="datetimeFigureOut">
               <a:rPr lang="en-CA" smtClean="0"/>
-              <a:t>2016-03-05</a:t>
+              <a:t>2016-03-06</a:t>
             </a:fld>
             <a:endParaRPr lang="en-CA"/>
           </a:p>
@@ -2093,7 +2100,7 @@
           <a:p>
             <a:fld id="{2DD5872B-7991-4A00-95ED-06D285747B9C}" type="datetimeFigureOut">
               <a:rPr lang="en-CA" smtClean="0"/>
-              <a:t>2016-03-05</a:t>
+              <a:t>2016-03-06</a:t>
             </a:fld>
             <a:endParaRPr lang="en-CA"/>
           </a:p>
@@ -2346,7 +2353,7 @@
           <a:p>
             <a:fld id="{2DD5872B-7991-4A00-95ED-06D285747B9C}" type="datetimeFigureOut">
               <a:rPr lang="en-CA" smtClean="0"/>
-              <a:t>2016-03-05</a:t>
+              <a:t>2016-03-06</a:t>
             </a:fld>
             <a:endParaRPr lang="en-CA"/>
           </a:p>
@@ -2559,7 +2566,7 @@
           <a:p>
             <a:fld id="{2DD5872B-7991-4A00-95ED-06D285747B9C}" type="datetimeFigureOut">
               <a:rPr lang="en-CA" smtClean="0"/>
-              <a:t>2016-03-05</a:t>
+              <a:t>2016-03-06</a:t>
             </a:fld>
             <a:endParaRPr lang="en-CA"/>
           </a:p>
@@ -3913,6 +3920,4492 @@
 </p:sld>
 </file>
 
+<file path=ppt/slides/slide2.xml><?xml version="1.0" encoding="utf-8"?>
+<p:sld xmlns:a="http://schemas.openxmlformats.org/drawingml/2006/main" xmlns:r="http://schemas.openxmlformats.org/officeDocument/2006/relationships" xmlns:p="http://schemas.openxmlformats.org/presentationml/2006/main">
+  <p:cSld>
+    <p:spTree>
+      <p:nvGrpSpPr>
+        <p:cNvPr id="1" name=""/>
+        <p:cNvGrpSpPr/>
+        <p:nvPr/>
+      </p:nvGrpSpPr>
+      <p:grpSpPr>
+        <a:xfrm>
+          <a:off x="0" y="0"/>
+          <a:ext cx="0" cy="0"/>
+          <a:chOff x="0" y="0"/>
+          <a:chExt cx="0" cy="0"/>
+        </a:xfrm>
+      </p:grpSpPr>
+      <p:sp>
+        <p:nvSpPr>
+          <p:cNvPr id="64" name="Rectangle 63"/>
+          <p:cNvSpPr/>
+          <p:nvPr/>
+        </p:nvSpPr>
+        <p:spPr>
+          <a:xfrm>
+            <a:off x="9337656" y="2687206"/>
+            <a:ext cx="2818965" cy="1908071"/>
+          </a:xfrm>
+          <a:prstGeom prst="rect">
+            <a:avLst/>
+          </a:prstGeom>
+          <a:solidFill>
+            <a:schemeClr val="accent4">
+              <a:lumMod val="20000"/>
+              <a:lumOff val="80000"/>
+            </a:schemeClr>
+          </a:solidFill>
+          <a:ln>
+            <a:solidFill>
+              <a:schemeClr val="tx1"/>
+            </a:solidFill>
+          </a:ln>
+        </p:spPr>
+        <p:style>
+          <a:lnRef idx="2">
+            <a:schemeClr val="accent1">
+              <a:shade val="50000"/>
+            </a:schemeClr>
+          </a:lnRef>
+          <a:fillRef idx="1">
+            <a:schemeClr val="accent1"/>
+          </a:fillRef>
+          <a:effectRef idx="0">
+            <a:schemeClr val="accent1"/>
+          </a:effectRef>
+          <a:fontRef idx="minor">
+            <a:schemeClr val="lt1"/>
+          </a:fontRef>
+        </p:style>
+        <p:txBody>
+          <a:bodyPr rtlCol="0" anchor="t" anchorCtr="0"/>
+          <a:lstStyle/>
+          <a:p>
+            <a:endParaRPr lang="en-CA" dirty="0">
+              <a:solidFill>
+                <a:schemeClr val="tx1"/>
+              </a:solidFill>
+            </a:endParaRPr>
+          </a:p>
+        </p:txBody>
+      </p:sp>
+      <p:sp>
+        <p:nvSpPr>
+          <p:cNvPr id="6" name="Rectangle 5"/>
+          <p:cNvSpPr/>
+          <p:nvPr/>
+        </p:nvSpPr>
+        <p:spPr>
+          <a:xfrm>
+            <a:off x="1790309" y="2687206"/>
+            <a:ext cx="7027190" cy="1908071"/>
+          </a:xfrm>
+          <a:prstGeom prst="rect">
+            <a:avLst/>
+          </a:prstGeom>
+          <a:solidFill>
+            <a:schemeClr val="accent4">
+              <a:lumMod val="20000"/>
+              <a:lumOff val="80000"/>
+            </a:schemeClr>
+          </a:solidFill>
+          <a:ln>
+            <a:solidFill>
+              <a:schemeClr val="tx1"/>
+            </a:solidFill>
+          </a:ln>
+        </p:spPr>
+        <p:style>
+          <a:lnRef idx="2">
+            <a:schemeClr val="accent1">
+              <a:shade val="50000"/>
+            </a:schemeClr>
+          </a:lnRef>
+          <a:fillRef idx="1">
+            <a:schemeClr val="accent1"/>
+          </a:fillRef>
+          <a:effectRef idx="0">
+            <a:schemeClr val="accent1"/>
+          </a:effectRef>
+          <a:fontRef idx="minor">
+            <a:schemeClr val="lt1"/>
+          </a:fontRef>
+        </p:style>
+        <p:txBody>
+          <a:bodyPr rtlCol="0" anchor="t" anchorCtr="0"/>
+          <a:lstStyle/>
+          <a:p>
+            <a:endParaRPr lang="en-CA" dirty="0">
+              <a:solidFill>
+                <a:schemeClr val="tx1"/>
+              </a:solidFill>
+            </a:endParaRPr>
+          </a:p>
+        </p:txBody>
+      </p:sp>
+      <p:sp>
+        <p:nvSpPr>
+          <p:cNvPr id="8" name="Rectangle 7"/>
+          <p:cNvSpPr/>
+          <p:nvPr/>
+        </p:nvSpPr>
+        <p:spPr>
+          <a:xfrm>
+            <a:off x="942990" y="2248494"/>
+            <a:ext cx="1663148" cy="461665"/>
+          </a:xfrm>
+          <a:prstGeom prst="rect">
+            <a:avLst/>
+          </a:prstGeom>
+        </p:spPr>
+        <p:txBody>
+          <a:bodyPr wrap="none">
+            <a:spAutoFit/>
+          </a:bodyPr>
+          <a:lstStyle/>
+          <a:p>
+            <a:r>
+              <a:rPr lang="en-US" sz="2400" b="1" dirty="0" err="1" smtClean="0">
+                <a:solidFill>
+                  <a:schemeClr val="accent1">
+                    <a:lumMod val="50000"/>
+                  </a:schemeClr>
+                </a:solidFill>
+              </a:rPr>
+              <a:t>myLibraries</a:t>
+            </a:r>
+            <a:endParaRPr lang="en-CA" sz="2400" b="1" dirty="0">
+              <a:solidFill>
+                <a:schemeClr val="accent1">
+                  <a:lumMod val="50000"/>
+                </a:schemeClr>
+              </a:solidFill>
+            </a:endParaRPr>
+          </a:p>
+        </p:txBody>
+      </p:sp>
+      <p:sp>
+        <p:nvSpPr>
+          <p:cNvPr id="9" name="Rectangle 8"/>
+          <p:cNvSpPr/>
+          <p:nvPr/>
+        </p:nvSpPr>
+        <p:spPr>
+          <a:xfrm>
+            <a:off x="2092461" y="2951863"/>
+            <a:ext cx="1392804" cy="1248356"/>
+          </a:xfrm>
+          <a:prstGeom prst="rect">
+            <a:avLst/>
+          </a:prstGeom>
+          <a:solidFill>
+            <a:schemeClr val="accent2">
+              <a:lumMod val="40000"/>
+              <a:lumOff val="60000"/>
+            </a:schemeClr>
+          </a:solidFill>
+          <a:ln>
+            <a:solidFill>
+              <a:schemeClr val="tx1"/>
+            </a:solidFill>
+          </a:ln>
+        </p:spPr>
+        <p:style>
+          <a:lnRef idx="2">
+            <a:schemeClr val="accent1">
+              <a:shade val="50000"/>
+            </a:schemeClr>
+          </a:lnRef>
+          <a:fillRef idx="1">
+            <a:schemeClr val="accent1"/>
+          </a:fillRef>
+          <a:effectRef idx="0">
+            <a:schemeClr val="accent1"/>
+          </a:effectRef>
+          <a:fontRef idx="minor">
+            <a:schemeClr val="lt1"/>
+          </a:fontRef>
+        </p:style>
+        <p:txBody>
+          <a:bodyPr rtlCol="0" anchor="t" anchorCtr="0"/>
+          <a:lstStyle/>
+          <a:p>
+            <a:r>
+              <a:rPr lang="en-US" dirty="0" err="1" smtClean="0">
+                <a:solidFill>
+                  <a:schemeClr val="tx1"/>
+                </a:solidFill>
+              </a:rPr>
+              <a:t>myStdio</a:t>
+            </a:r>
+            <a:endParaRPr lang="en-US" dirty="0" smtClean="0">
+              <a:solidFill>
+                <a:schemeClr val="tx1"/>
+              </a:solidFill>
+            </a:endParaRPr>
+          </a:p>
+          <a:p>
+            <a:r>
+              <a:rPr lang="en-US" dirty="0">
+                <a:solidFill>
+                  <a:schemeClr val="tx1"/>
+                </a:solidFill>
+              </a:rPr>
+              <a:t> </a:t>
+            </a:r>
+            <a:r>
+              <a:rPr lang="en-US" dirty="0" smtClean="0">
+                <a:solidFill>
+                  <a:schemeClr val="tx1"/>
+                </a:solidFill>
+              </a:rPr>
+              <a:t>- print</a:t>
+            </a:r>
+          </a:p>
+          <a:p>
+            <a:r>
+              <a:rPr lang="en-US" dirty="0">
+                <a:solidFill>
+                  <a:schemeClr val="tx1"/>
+                </a:solidFill>
+              </a:rPr>
+              <a:t> </a:t>
+            </a:r>
+            <a:r>
+              <a:rPr lang="en-US" dirty="0" smtClean="0">
+                <a:solidFill>
+                  <a:schemeClr val="tx1"/>
+                </a:solidFill>
+              </a:rPr>
+              <a:t>- </a:t>
+            </a:r>
+            <a:r>
+              <a:rPr lang="en-US" dirty="0" err="1" smtClean="0">
+                <a:solidFill>
+                  <a:schemeClr val="tx1"/>
+                </a:solidFill>
+              </a:rPr>
+              <a:t>getchar</a:t>
+            </a:r>
+            <a:endParaRPr lang="en-US" dirty="0" smtClean="0">
+              <a:solidFill>
+                <a:schemeClr val="tx1"/>
+              </a:solidFill>
+            </a:endParaRPr>
+          </a:p>
+          <a:p>
+            <a:r>
+              <a:rPr lang="en-US" dirty="0">
+                <a:solidFill>
+                  <a:schemeClr val="tx1"/>
+                </a:solidFill>
+              </a:rPr>
+              <a:t> </a:t>
+            </a:r>
+            <a:r>
+              <a:rPr lang="en-US" dirty="0" smtClean="0">
+                <a:solidFill>
+                  <a:schemeClr val="tx1"/>
+                </a:solidFill>
+              </a:rPr>
+              <a:t>-etc.</a:t>
+            </a:r>
+            <a:endParaRPr lang="en-CA" dirty="0">
+              <a:solidFill>
+                <a:schemeClr val="tx1"/>
+              </a:solidFill>
+            </a:endParaRPr>
+          </a:p>
+        </p:txBody>
+      </p:sp>
+      <p:sp>
+        <p:nvSpPr>
+          <p:cNvPr id="10" name="Rectangle 9"/>
+          <p:cNvSpPr/>
+          <p:nvPr/>
+        </p:nvSpPr>
+        <p:spPr>
+          <a:xfrm>
+            <a:off x="6837178" y="2951863"/>
+            <a:ext cx="1606164" cy="1248356"/>
+          </a:xfrm>
+          <a:prstGeom prst="rect">
+            <a:avLst/>
+          </a:prstGeom>
+          <a:solidFill>
+            <a:schemeClr val="accent2">
+              <a:lumMod val="40000"/>
+              <a:lumOff val="60000"/>
+            </a:schemeClr>
+          </a:solidFill>
+          <a:ln>
+            <a:solidFill>
+              <a:schemeClr val="tx1"/>
+            </a:solidFill>
+          </a:ln>
+        </p:spPr>
+        <p:style>
+          <a:lnRef idx="2">
+            <a:schemeClr val="accent1">
+              <a:shade val="50000"/>
+            </a:schemeClr>
+          </a:lnRef>
+          <a:fillRef idx="1">
+            <a:schemeClr val="accent1"/>
+          </a:fillRef>
+          <a:effectRef idx="0">
+            <a:schemeClr val="accent1"/>
+          </a:effectRef>
+          <a:fontRef idx="minor">
+            <a:schemeClr val="lt1"/>
+          </a:fontRef>
+        </p:style>
+        <p:txBody>
+          <a:bodyPr rtlCol="0" anchor="t" anchorCtr="0"/>
+          <a:lstStyle/>
+          <a:p>
+            <a:r>
+              <a:rPr lang="en-US" dirty="0" err="1" smtClean="0">
+                <a:solidFill>
+                  <a:schemeClr val="tx1"/>
+                </a:solidFill>
+              </a:rPr>
+              <a:t>myTimer</a:t>
+            </a:r>
+            <a:endParaRPr lang="en-US" dirty="0" smtClean="0">
+              <a:solidFill>
+                <a:schemeClr val="tx1"/>
+              </a:solidFill>
+            </a:endParaRPr>
+          </a:p>
+          <a:p>
+            <a:r>
+              <a:rPr lang="en-US" dirty="0">
+                <a:solidFill>
+                  <a:schemeClr val="tx1"/>
+                </a:solidFill>
+              </a:rPr>
+              <a:t> </a:t>
+            </a:r>
+            <a:r>
+              <a:rPr lang="en-US" dirty="0" smtClean="0">
+                <a:solidFill>
+                  <a:schemeClr val="tx1"/>
+                </a:solidFill>
+              </a:rPr>
+              <a:t>- </a:t>
+            </a:r>
+            <a:r>
+              <a:rPr lang="en-US" dirty="0" err="1" smtClean="0">
+                <a:solidFill>
+                  <a:schemeClr val="tx1"/>
+                </a:solidFill>
+              </a:rPr>
+              <a:t>getTimerMS</a:t>
+            </a:r>
+            <a:endParaRPr lang="en-US" dirty="0" smtClean="0">
+              <a:solidFill>
+                <a:schemeClr val="tx1"/>
+              </a:solidFill>
+            </a:endParaRPr>
+          </a:p>
+          <a:p>
+            <a:r>
+              <a:rPr lang="en-US" dirty="0">
+                <a:solidFill>
+                  <a:schemeClr val="tx1"/>
+                </a:solidFill>
+              </a:rPr>
+              <a:t> </a:t>
+            </a:r>
+            <a:r>
+              <a:rPr lang="en-US" dirty="0" smtClean="0">
+                <a:solidFill>
+                  <a:schemeClr val="tx1"/>
+                </a:solidFill>
+              </a:rPr>
+              <a:t>- etc.</a:t>
+            </a:r>
+            <a:endParaRPr lang="en-CA" dirty="0">
+              <a:solidFill>
+                <a:schemeClr val="tx1"/>
+              </a:solidFill>
+            </a:endParaRPr>
+          </a:p>
+        </p:txBody>
+      </p:sp>
+      <p:sp>
+        <p:nvSpPr>
+          <p:cNvPr id="11" name="Rectangle 10"/>
+          <p:cNvSpPr/>
+          <p:nvPr/>
+        </p:nvSpPr>
+        <p:spPr>
+          <a:xfrm>
+            <a:off x="4230479" y="2943910"/>
+            <a:ext cx="1886670" cy="1256309"/>
+          </a:xfrm>
+          <a:prstGeom prst="rect">
+            <a:avLst/>
+          </a:prstGeom>
+          <a:solidFill>
+            <a:schemeClr val="accent2">
+              <a:lumMod val="40000"/>
+              <a:lumOff val="60000"/>
+            </a:schemeClr>
+          </a:solidFill>
+          <a:ln>
+            <a:solidFill>
+              <a:schemeClr val="tx1"/>
+            </a:solidFill>
+          </a:ln>
+        </p:spPr>
+        <p:style>
+          <a:lnRef idx="2">
+            <a:schemeClr val="accent1">
+              <a:shade val="50000"/>
+            </a:schemeClr>
+          </a:lnRef>
+          <a:fillRef idx="1">
+            <a:schemeClr val="accent1"/>
+          </a:fillRef>
+          <a:effectRef idx="0">
+            <a:schemeClr val="accent1"/>
+          </a:effectRef>
+          <a:fontRef idx="minor">
+            <a:schemeClr val="lt1"/>
+          </a:fontRef>
+        </p:style>
+        <p:txBody>
+          <a:bodyPr rtlCol="0" anchor="t" anchorCtr="0"/>
+          <a:lstStyle/>
+          <a:p>
+            <a:r>
+              <a:rPr lang="en-US" dirty="0" err="1" smtClean="0">
+                <a:solidFill>
+                  <a:schemeClr val="tx1"/>
+                </a:solidFill>
+              </a:rPr>
+              <a:t>myVideo</a:t>
+            </a:r>
+            <a:endParaRPr lang="en-US" dirty="0" smtClean="0">
+              <a:solidFill>
+                <a:schemeClr val="tx1"/>
+              </a:solidFill>
+            </a:endParaRPr>
+          </a:p>
+          <a:p>
+            <a:r>
+              <a:rPr lang="en-US" dirty="0">
+                <a:solidFill>
+                  <a:schemeClr val="tx1"/>
+                </a:solidFill>
+              </a:rPr>
+              <a:t> </a:t>
+            </a:r>
+            <a:r>
+              <a:rPr lang="en-US" dirty="0" smtClean="0">
+                <a:solidFill>
+                  <a:schemeClr val="tx1"/>
+                </a:solidFill>
+              </a:rPr>
+              <a:t>- </a:t>
+            </a:r>
+            <a:r>
+              <a:rPr lang="en-US" dirty="0" err="1" smtClean="0">
+                <a:solidFill>
+                  <a:schemeClr val="tx1"/>
+                </a:solidFill>
+              </a:rPr>
+              <a:t>drawPixel</a:t>
+            </a:r>
+            <a:endParaRPr lang="en-US" dirty="0" smtClean="0">
+              <a:solidFill>
+                <a:schemeClr val="tx1"/>
+              </a:solidFill>
+            </a:endParaRPr>
+          </a:p>
+          <a:p>
+            <a:r>
+              <a:rPr lang="en-US" dirty="0">
+                <a:solidFill>
+                  <a:schemeClr val="tx1"/>
+                </a:solidFill>
+              </a:rPr>
+              <a:t> </a:t>
+            </a:r>
+            <a:r>
+              <a:rPr lang="en-US" dirty="0" smtClean="0">
+                <a:solidFill>
+                  <a:schemeClr val="tx1"/>
+                </a:solidFill>
+              </a:rPr>
+              <a:t>- </a:t>
+            </a:r>
+            <a:r>
+              <a:rPr lang="en-US" dirty="0" err="1" smtClean="0">
+                <a:solidFill>
+                  <a:schemeClr val="tx1"/>
+                </a:solidFill>
+              </a:rPr>
+              <a:t>drawLineBuffer</a:t>
+            </a:r>
+            <a:endParaRPr lang="en-US" dirty="0" smtClean="0">
+              <a:solidFill>
+                <a:schemeClr val="tx1"/>
+              </a:solidFill>
+            </a:endParaRPr>
+          </a:p>
+          <a:p>
+            <a:r>
+              <a:rPr lang="en-US" dirty="0">
+                <a:solidFill>
+                  <a:schemeClr val="tx1"/>
+                </a:solidFill>
+              </a:rPr>
+              <a:t> </a:t>
+            </a:r>
+            <a:r>
+              <a:rPr lang="en-US" dirty="0" smtClean="0">
+                <a:solidFill>
+                  <a:schemeClr val="tx1"/>
+                </a:solidFill>
+              </a:rPr>
+              <a:t>- etc.</a:t>
+            </a:r>
+            <a:endParaRPr lang="en-CA" dirty="0">
+              <a:solidFill>
+                <a:schemeClr val="tx1"/>
+              </a:solidFill>
+            </a:endParaRPr>
+          </a:p>
+        </p:txBody>
+      </p:sp>
+      <p:sp>
+        <p:nvSpPr>
+          <p:cNvPr id="12" name="Rectangle 11"/>
+          <p:cNvSpPr/>
+          <p:nvPr/>
+        </p:nvSpPr>
+        <p:spPr>
+          <a:xfrm>
+            <a:off x="966974" y="5576597"/>
+            <a:ext cx="1171715" cy="392550"/>
+          </a:xfrm>
+          <a:prstGeom prst="rect">
+            <a:avLst/>
+          </a:prstGeom>
+          <a:solidFill>
+            <a:schemeClr val="bg1">
+              <a:lumMod val="65000"/>
+            </a:schemeClr>
+          </a:solidFill>
+          <a:ln>
+            <a:solidFill>
+              <a:schemeClr val="tx1"/>
+            </a:solidFill>
+          </a:ln>
+        </p:spPr>
+        <p:style>
+          <a:lnRef idx="2">
+            <a:schemeClr val="accent1">
+              <a:shade val="50000"/>
+            </a:schemeClr>
+          </a:lnRef>
+          <a:fillRef idx="1">
+            <a:schemeClr val="accent1"/>
+          </a:fillRef>
+          <a:effectRef idx="0">
+            <a:schemeClr val="accent1"/>
+          </a:effectRef>
+          <a:fontRef idx="minor">
+            <a:schemeClr val="lt1"/>
+          </a:fontRef>
+        </p:style>
+        <p:txBody>
+          <a:bodyPr rtlCol="0" anchor="t" anchorCtr="0"/>
+          <a:lstStyle/>
+          <a:p>
+            <a:r>
+              <a:rPr lang="en-US" dirty="0" err="1" smtClean="0">
+                <a:solidFill>
+                  <a:schemeClr val="tx1"/>
+                </a:solidFill>
+              </a:rPr>
+              <a:t>charLcd</a:t>
+            </a:r>
+            <a:endParaRPr lang="en-CA" dirty="0">
+              <a:solidFill>
+                <a:schemeClr val="tx1"/>
+              </a:solidFill>
+            </a:endParaRPr>
+          </a:p>
+        </p:txBody>
+      </p:sp>
+      <p:sp>
+        <p:nvSpPr>
+          <p:cNvPr id="13" name="Rectangle 12"/>
+          <p:cNvSpPr/>
+          <p:nvPr/>
+        </p:nvSpPr>
+        <p:spPr>
+          <a:xfrm>
+            <a:off x="3733530" y="5568646"/>
+            <a:ext cx="1736755" cy="392550"/>
+          </a:xfrm>
+          <a:prstGeom prst="rect">
+            <a:avLst/>
+          </a:prstGeom>
+          <a:solidFill>
+            <a:schemeClr val="accent2">
+              <a:lumMod val="40000"/>
+              <a:lumOff val="60000"/>
+            </a:schemeClr>
+          </a:solidFill>
+          <a:ln>
+            <a:solidFill>
+              <a:schemeClr val="tx1"/>
+            </a:solidFill>
+          </a:ln>
+        </p:spPr>
+        <p:style>
+          <a:lnRef idx="2">
+            <a:schemeClr val="accent1">
+              <a:shade val="50000"/>
+            </a:schemeClr>
+          </a:lnRef>
+          <a:fillRef idx="1">
+            <a:schemeClr val="accent1"/>
+          </a:fillRef>
+          <a:effectRef idx="0">
+            <a:schemeClr val="accent1"/>
+          </a:effectRef>
+          <a:fontRef idx="minor">
+            <a:schemeClr val="lt1"/>
+          </a:fontRef>
+        </p:style>
+        <p:txBody>
+          <a:bodyPr rtlCol="0" anchor="t" anchorCtr="0"/>
+          <a:lstStyle/>
+          <a:p>
+            <a:r>
+              <a:rPr lang="en-US" dirty="0" smtClean="0">
+                <a:solidFill>
+                  <a:schemeClr val="tx1"/>
+                </a:solidFill>
+              </a:rPr>
+              <a:t>lcdST7735R_SPI</a:t>
+            </a:r>
+            <a:endParaRPr lang="en-CA" dirty="0">
+              <a:solidFill>
+                <a:schemeClr val="tx1"/>
+              </a:solidFill>
+            </a:endParaRPr>
+          </a:p>
+        </p:txBody>
+      </p:sp>
+      <p:sp>
+        <p:nvSpPr>
+          <p:cNvPr id="15" name="Rectangle 14"/>
+          <p:cNvSpPr/>
+          <p:nvPr/>
+        </p:nvSpPr>
+        <p:spPr>
+          <a:xfrm>
+            <a:off x="7066758" y="5568646"/>
+            <a:ext cx="1708044" cy="392550"/>
+          </a:xfrm>
+          <a:prstGeom prst="rect">
+            <a:avLst/>
+          </a:prstGeom>
+          <a:solidFill>
+            <a:schemeClr val="accent2">
+              <a:lumMod val="40000"/>
+              <a:lumOff val="60000"/>
+            </a:schemeClr>
+          </a:solidFill>
+          <a:ln>
+            <a:solidFill>
+              <a:schemeClr val="tx1"/>
+            </a:solidFill>
+          </a:ln>
+        </p:spPr>
+        <p:style>
+          <a:lnRef idx="2">
+            <a:schemeClr val="accent1">
+              <a:shade val="50000"/>
+            </a:schemeClr>
+          </a:lnRef>
+          <a:fillRef idx="1">
+            <a:schemeClr val="accent1"/>
+          </a:fillRef>
+          <a:effectRef idx="0">
+            <a:schemeClr val="accent1"/>
+          </a:effectRef>
+          <a:fontRef idx="minor">
+            <a:schemeClr val="lt1"/>
+          </a:fontRef>
+        </p:style>
+        <p:txBody>
+          <a:bodyPr rtlCol="0" anchor="t" anchorCtr="0"/>
+          <a:lstStyle/>
+          <a:p>
+            <a:r>
+              <a:rPr lang="en-US" dirty="0" smtClean="0">
+                <a:solidFill>
+                  <a:schemeClr val="tx1"/>
+                </a:solidFill>
+              </a:rPr>
+              <a:t>timer0System</a:t>
+            </a:r>
+            <a:endParaRPr lang="en-CA" dirty="0">
+              <a:solidFill>
+                <a:schemeClr val="tx1"/>
+              </a:solidFill>
+            </a:endParaRPr>
+          </a:p>
+        </p:txBody>
+      </p:sp>
+      <p:sp>
+        <p:nvSpPr>
+          <p:cNvPr id="16" name="Rectangle 15"/>
+          <p:cNvSpPr/>
+          <p:nvPr/>
+        </p:nvSpPr>
+        <p:spPr>
+          <a:xfrm>
+            <a:off x="2515572" y="5584548"/>
+            <a:ext cx="795666" cy="392550"/>
+          </a:xfrm>
+          <a:prstGeom prst="rect">
+            <a:avLst/>
+          </a:prstGeom>
+          <a:solidFill>
+            <a:schemeClr val="accent2">
+              <a:lumMod val="40000"/>
+              <a:lumOff val="60000"/>
+            </a:schemeClr>
+          </a:solidFill>
+          <a:ln>
+            <a:solidFill>
+              <a:schemeClr val="tx1"/>
+            </a:solidFill>
+          </a:ln>
+        </p:spPr>
+        <p:style>
+          <a:lnRef idx="2">
+            <a:schemeClr val="accent1">
+              <a:shade val="50000"/>
+            </a:schemeClr>
+          </a:lnRef>
+          <a:fillRef idx="1">
+            <a:schemeClr val="accent1"/>
+          </a:fillRef>
+          <a:effectRef idx="0">
+            <a:schemeClr val="accent1"/>
+          </a:effectRef>
+          <a:fontRef idx="minor">
+            <a:schemeClr val="lt1"/>
+          </a:fontRef>
+        </p:style>
+        <p:txBody>
+          <a:bodyPr rtlCol="0" anchor="t" anchorCtr="0"/>
+          <a:lstStyle/>
+          <a:p>
+            <a:r>
+              <a:rPr lang="en-US" dirty="0" smtClean="0">
+                <a:solidFill>
+                  <a:schemeClr val="tx1"/>
+                </a:solidFill>
+              </a:rPr>
+              <a:t>uart0</a:t>
+            </a:r>
+            <a:endParaRPr lang="en-CA" dirty="0">
+              <a:solidFill>
+                <a:schemeClr val="tx1"/>
+              </a:solidFill>
+            </a:endParaRPr>
+          </a:p>
+        </p:txBody>
+      </p:sp>
+      <p:sp>
+        <p:nvSpPr>
+          <p:cNvPr id="17" name="Rectangle 16"/>
+          <p:cNvSpPr/>
+          <p:nvPr/>
+        </p:nvSpPr>
+        <p:spPr>
+          <a:xfrm>
+            <a:off x="8248132" y="6335666"/>
+            <a:ext cx="878912" cy="392550"/>
+          </a:xfrm>
+          <a:prstGeom prst="rect">
+            <a:avLst/>
+          </a:prstGeom>
+          <a:solidFill>
+            <a:schemeClr val="accent2">
+              <a:lumMod val="40000"/>
+              <a:lumOff val="60000"/>
+            </a:schemeClr>
+          </a:solidFill>
+          <a:ln>
+            <a:solidFill>
+              <a:schemeClr val="tx1"/>
+            </a:solidFill>
+          </a:ln>
+        </p:spPr>
+        <p:style>
+          <a:lnRef idx="2">
+            <a:schemeClr val="accent1">
+              <a:shade val="50000"/>
+            </a:schemeClr>
+          </a:lnRef>
+          <a:fillRef idx="1">
+            <a:schemeClr val="accent1"/>
+          </a:fillRef>
+          <a:effectRef idx="0">
+            <a:schemeClr val="accent1"/>
+          </a:effectRef>
+          <a:fontRef idx="minor">
+            <a:schemeClr val="lt1"/>
+          </a:fontRef>
+        </p:style>
+        <p:txBody>
+          <a:bodyPr rtlCol="0" anchor="t" anchorCtr="0"/>
+          <a:lstStyle/>
+          <a:p>
+            <a:r>
+              <a:rPr lang="en-US" dirty="0" err="1" smtClean="0">
+                <a:solidFill>
+                  <a:schemeClr val="tx1"/>
+                </a:solidFill>
+              </a:rPr>
+              <a:t>spi</a:t>
+            </a:r>
+            <a:endParaRPr lang="en-CA" dirty="0">
+              <a:solidFill>
+                <a:schemeClr val="tx1"/>
+              </a:solidFill>
+            </a:endParaRPr>
+          </a:p>
+        </p:txBody>
+      </p:sp>
+      <p:sp>
+        <p:nvSpPr>
+          <p:cNvPr id="18" name="Rectangle 17"/>
+          <p:cNvSpPr/>
+          <p:nvPr/>
+        </p:nvSpPr>
+        <p:spPr>
+          <a:xfrm>
+            <a:off x="9478891" y="2951863"/>
+            <a:ext cx="1377565" cy="392550"/>
+          </a:xfrm>
+          <a:prstGeom prst="rect">
+            <a:avLst/>
+          </a:prstGeom>
+          <a:solidFill>
+            <a:schemeClr val="bg1">
+              <a:lumMod val="65000"/>
+            </a:schemeClr>
+          </a:solidFill>
+          <a:ln>
+            <a:solidFill>
+              <a:schemeClr val="tx1"/>
+            </a:solidFill>
+          </a:ln>
+        </p:spPr>
+        <p:style>
+          <a:lnRef idx="2">
+            <a:schemeClr val="accent1">
+              <a:shade val="50000"/>
+            </a:schemeClr>
+          </a:lnRef>
+          <a:fillRef idx="1">
+            <a:schemeClr val="accent1"/>
+          </a:fillRef>
+          <a:effectRef idx="0">
+            <a:schemeClr val="accent1"/>
+          </a:effectRef>
+          <a:fontRef idx="minor">
+            <a:schemeClr val="lt1"/>
+          </a:fontRef>
+        </p:style>
+        <p:txBody>
+          <a:bodyPr rtlCol="0" anchor="t" anchorCtr="0"/>
+          <a:lstStyle/>
+          <a:p>
+            <a:r>
+              <a:rPr lang="en-US" dirty="0" err="1" smtClean="0">
+                <a:solidFill>
+                  <a:schemeClr val="tx1"/>
+                </a:solidFill>
+              </a:rPr>
+              <a:t>petitFatFS</a:t>
+            </a:r>
+            <a:endParaRPr lang="en-CA" dirty="0">
+              <a:solidFill>
+                <a:schemeClr val="tx1"/>
+              </a:solidFill>
+            </a:endParaRPr>
+          </a:p>
+        </p:txBody>
+      </p:sp>
+      <p:cxnSp>
+        <p:nvCxnSpPr>
+          <p:cNvPr id="24" name="Straight Arrow Connector 23"/>
+          <p:cNvCxnSpPr>
+            <a:stCxn id="9" idx="2"/>
+            <a:endCxn id="13" idx="0"/>
+          </p:cNvCxnSpPr>
+          <p:nvPr/>
+        </p:nvCxnSpPr>
+        <p:spPr>
+          <a:xfrm>
+            <a:off x="2788863" y="4200219"/>
+            <a:ext cx="1813045" cy="1368427"/>
+          </a:xfrm>
+          <a:prstGeom prst="straightConnector1">
+            <a:avLst/>
+          </a:prstGeom>
+          <a:ln>
+            <a:tailEnd type="triangle"/>
+          </a:ln>
+        </p:spPr>
+        <p:style>
+          <a:lnRef idx="1">
+            <a:schemeClr val="accent1"/>
+          </a:lnRef>
+          <a:fillRef idx="0">
+            <a:schemeClr val="accent1"/>
+          </a:fillRef>
+          <a:effectRef idx="0">
+            <a:schemeClr val="accent1"/>
+          </a:effectRef>
+          <a:fontRef idx="minor">
+            <a:schemeClr val="tx1"/>
+          </a:fontRef>
+        </p:style>
+      </p:cxnSp>
+      <p:cxnSp>
+        <p:nvCxnSpPr>
+          <p:cNvPr id="27" name="Straight Arrow Connector 26"/>
+          <p:cNvCxnSpPr>
+            <a:stCxn id="11" idx="2"/>
+            <a:endCxn id="13" idx="0"/>
+          </p:cNvCxnSpPr>
+          <p:nvPr/>
+        </p:nvCxnSpPr>
+        <p:spPr>
+          <a:xfrm flipH="1">
+            <a:off x="4601908" y="4200219"/>
+            <a:ext cx="571906" cy="1368427"/>
+          </a:xfrm>
+          <a:prstGeom prst="straightConnector1">
+            <a:avLst/>
+          </a:prstGeom>
+          <a:ln>
+            <a:tailEnd type="triangle"/>
+          </a:ln>
+        </p:spPr>
+        <p:style>
+          <a:lnRef idx="1">
+            <a:schemeClr val="accent1"/>
+          </a:lnRef>
+          <a:fillRef idx="0">
+            <a:schemeClr val="accent1"/>
+          </a:fillRef>
+          <a:effectRef idx="0">
+            <a:schemeClr val="accent1"/>
+          </a:effectRef>
+          <a:fontRef idx="minor">
+            <a:schemeClr val="tx1"/>
+          </a:fontRef>
+        </p:style>
+      </p:cxnSp>
+      <p:cxnSp>
+        <p:nvCxnSpPr>
+          <p:cNvPr id="30" name="Straight Arrow Connector 29"/>
+          <p:cNvCxnSpPr>
+            <a:stCxn id="9" idx="2"/>
+            <a:endCxn id="16" idx="0"/>
+          </p:cNvCxnSpPr>
+          <p:nvPr/>
+        </p:nvCxnSpPr>
+        <p:spPr>
+          <a:xfrm>
+            <a:off x="2788863" y="4200219"/>
+            <a:ext cx="124542" cy="1384329"/>
+          </a:xfrm>
+          <a:prstGeom prst="straightConnector1">
+            <a:avLst/>
+          </a:prstGeom>
+          <a:ln>
+            <a:tailEnd type="triangle"/>
+          </a:ln>
+        </p:spPr>
+        <p:style>
+          <a:lnRef idx="1">
+            <a:schemeClr val="accent1"/>
+          </a:lnRef>
+          <a:fillRef idx="0">
+            <a:schemeClr val="accent1"/>
+          </a:fillRef>
+          <a:effectRef idx="0">
+            <a:schemeClr val="accent1"/>
+          </a:effectRef>
+          <a:fontRef idx="minor">
+            <a:schemeClr val="tx1"/>
+          </a:fontRef>
+        </p:style>
+      </p:cxnSp>
+      <p:cxnSp>
+        <p:nvCxnSpPr>
+          <p:cNvPr id="39" name="Straight Arrow Connector 38"/>
+          <p:cNvCxnSpPr>
+            <a:stCxn id="10" idx="2"/>
+            <a:endCxn id="15" idx="0"/>
+          </p:cNvCxnSpPr>
+          <p:nvPr/>
+        </p:nvCxnSpPr>
+        <p:spPr>
+          <a:xfrm>
+            <a:off x="7640260" y="4200219"/>
+            <a:ext cx="280520" cy="1368427"/>
+          </a:xfrm>
+          <a:prstGeom prst="straightConnector1">
+            <a:avLst/>
+          </a:prstGeom>
+          <a:ln>
+            <a:tailEnd type="triangle"/>
+          </a:ln>
+        </p:spPr>
+        <p:style>
+          <a:lnRef idx="1">
+            <a:schemeClr val="accent1"/>
+          </a:lnRef>
+          <a:fillRef idx="0">
+            <a:schemeClr val="accent1"/>
+          </a:fillRef>
+          <a:effectRef idx="0">
+            <a:schemeClr val="accent1"/>
+          </a:effectRef>
+          <a:fontRef idx="minor">
+            <a:schemeClr val="tx1"/>
+          </a:fontRef>
+        </p:style>
+      </p:cxnSp>
+      <p:cxnSp>
+        <p:nvCxnSpPr>
+          <p:cNvPr id="43" name="Straight Arrow Connector 42"/>
+          <p:cNvCxnSpPr>
+            <a:stCxn id="13" idx="2"/>
+            <a:endCxn id="17" idx="0"/>
+          </p:cNvCxnSpPr>
+          <p:nvPr/>
+        </p:nvCxnSpPr>
+        <p:spPr>
+          <a:xfrm>
+            <a:off x="4601908" y="5961196"/>
+            <a:ext cx="4085680" cy="374470"/>
+          </a:xfrm>
+          <a:prstGeom prst="straightConnector1">
+            <a:avLst/>
+          </a:prstGeom>
+          <a:ln>
+            <a:tailEnd type="triangle"/>
+          </a:ln>
+        </p:spPr>
+        <p:style>
+          <a:lnRef idx="1">
+            <a:schemeClr val="accent1"/>
+          </a:lnRef>
+          <a:fillRef idx="0">
+            <a:schemeClr val="accent1"/>
+          </a:fillRef>
+          <a:effectRef idx="0">
+            <a:schemeClr val="accent1"/>
+          </a:effectRef>
+          <a:fontRef idx="minor">
+            <a:schemeClr val="tx1"/>
+          </a:fontRef>
+        </p:style>
+      </p:cxnSp>
+      <p:cxnSp>
+        <p:nvCxnSpPr>
+          <p:cNvPr id="46" name="Straight Arrow Connector 45"/>
+          <p:cNvCxnSpPr>
+            <a:stCxn id="18" idx="2"/>
+            <a:endCxn id="17" idx="0"/>
+          </p:cNvCxnSpPr>
+          <p:nvPr/>
+        </p:nvCxnSpPr>
+        <p:spPr>
+          <a:xfrm flipH="1">
+            <a:off x="8687588" y="3344413"/>
+            <a:ext cx="1480086" cy="2991253"/>
+          </a:xfrm>
+          <a:prstGeom prst="straightConnector1">
+            <a:avLst/>
+          </a:prstGeom>
+          <a:ln>
+            <a:tailEnd type="triangle"/>
+          </a:ln>
+        </p:spPr>
+        <p:style>
+          <a:lnRef idx="1">
+            <a:schemeClr val="accent1"/>
+          </a:lnRef>
+          <a:fillRef idx="0">
+            <a:schemeClr val="accent1"/>
+          </a:fillRef>
+          <a:effectRef idx="0">
+            <a:schemeClr val="accent1"/>
+          </a:effectRef>
+          <a:fontRef idx="minor">
+            <a:schemeClr val="tx1"/>
+          </a:fontRef>
+        </p:style>
+      </p:cxnSp>
+      <p:sp>
+        <p:nvSpPr>
+          <p:cNvPr id="55" name="Rectangular Callout 54"/>
+          <p:cNvSpPr/>
+          <p:nvPr/>
+        </p:nvSpPr>
+        <p:spPr>
+          <a:xfrm>
+            <a:off x="942990" y="6287851"/>
+            <a:ext cx="2090661" cy="574993"/>
+          </a:xfrm>
+          <a:prstGeom prst="wedgeRectCallout">
+            <a:avLst>
+              <a:gd name="adj1" fmla="val 30782"/>
+              <a:gd name="adj2" fmla="val -61075"/>
+            </a:avLst>
+          </a:prstGeom>
+          <a:solidFill>
+            <a:schemeClr val="accent6">
+              <a:lumMod val="20000"/>
+              <a:lumOff val="80000"/>
+            </a:schemeClr>
+          </a:solidFill>
+          <a:ln>
+            <a:solidFill>
+              <a:schemeClr val="tx1"/>
+            </a:solidFill>
+          </a:ln>
+        </p:spPr>
+        <p:style>
+          <a:lnRef idx="2">
+            <a:schemeClr val="accent1">
+              <a:shade val="50000"/>
+            </a:schemeClr>
+          </a:lnRef>
+          <a:fillRef idx="1">
+            <a:schemeClr val="accent1"/>
+          </a:fillRef>
+          <a:effectRef idx="0">
+            <a:schemeClr val="accent1"/>
+          </a:effectRef>
+          <a:fontRef idx="minor">
+            <a:schemeClr val="lt1"/>
+          </a:fontRef>
+        </p:style>
+        <p:txBody>
+          <a:bodyPr rtlCol="0" anchor="t" anchorCtr="0"/>
+          <a:lstStyle/>
+          <a:p>
+            <a:r>
+              <a:rPr lang="en-US" sz="1400" dirty="0" smtClean="0">
+                <a:solidFill>
+                  <a:schemeClr val="tx1"/>
+                </a:solidFill>
+              </a:rPr>
+              <a:t>Each resource module has </a:t>
+            </a:r>
+            <a:r>
+              <a:rPr lang="en-US" sz="1400" dirty="0" err="1" smtClean="0">
+                <a:solidFill>
+                  <a:schemeClr val="tx1"/>
+                </a:solidFill>
+              </a:rPr>
+              <a:t>XXXconfig.h</a:t>
+            </a:r>
+            <a:r>
+              <a:rPr lang="en-US" sz="1400" dirty="0" smtClean="0">
+                <a:solidFill>
+                  <a:schemeClr val="tx1"/>
+                </a:solidFill>
+              </a:rPr>
+              <a:t> for porting</a:t>
+            </a:r>
+            <a:endParaRPr lang="en-CA" sz="1400" dirty="0">
+              <a:solidFill>
+                <a:schemeClr val="tx1"/>
+              </a:solidFill>
+            </a:endParaRPr>
+          </a:p>
+        </p:txBody>
+      </p:sp>
+      <p:cxnSp>
+        <p:nvCxnSpPr>
+          <p:cNvPr id="59" name="Straight Arrow Connector 58"/>
+          <p:cNvCxnSpPr>
+            <a:stCxn id="44" idx="2"/>
+            <a:endCxn id="6" idx="0"/>
+          </p:cNvCxnSpPr>
+          <p:nvPr/>
+        </p:nvCxnSpPr>
+        <p:spPr>
+          <a:xfrm>
+            <a:off x="5299669" y="2312736"/>
+            <a:ext cx="4235" cy="374470"/>
+          </a:xfrm>
+          <a:prstGeom prst="straightConnector1">
+            <a:avLst/>
+          </a:prstGeom>
+          <a:ln>
+            <a:tailEnd type="triangle"/>
+          </a:ln>
+        </p:spPr>
+        <p:style>
+          <a:lnRef idx="1">
+            <a:schemeClr val="accent1"/>
+          </a:lnRef>
+          <a:fillRef idx="0">
+            <a:schemeClr val="accent1"/>
+          </a:fillRef>
+          <a:effectRef idx="0">
+            <a:schemeClr val="accent1"/>
+          </a:effectRef>
+          <a:fontRef idx="minor">
+            <a:schemeClr val="tx1"/>
+          </a:fontRef>
+        </p:style>
+      </p:cxnSp>
+      <p:sp>
+        <p:nvSpPr>
+          <p:cNvPr id="66" name="Rectangle 65"/>
+          <p:cNvSpPr/>
+          <p:nvPr/>
+        </p:nvSpPr>
+        <p:spPr>
+          <a:xfrm>
+            <a:off x="11150600" y="2943910"/>
+            <a:ext cx="790357" cy="392550"/>
+          </a:xfrm>
+          <a:prstGeom prst="rect">
+            <a:avLst/>
+          </a:prstGeom>
+          <a:solidFill>
+            <a:schemeClr val="bg1">
+              <a:lumMod val="65000"/>
+            </a:schemeClr>
+          </a:solidFill>
+          <a:ln>
+            <a:solidFill>
+              <a:schemeClr val="tx1"/>
+            </a:solidFill>
+          </a:ln>
+        </p:spPr>
+        <p:style>
+          <a:lnRef idx="2">
+            <a:schemeClr val="accent1">
+              <a:shade val="50000"/>
+            </a:schemeClr>
+          </a:lnRef>
+          <a:fillRef idx="1">
+            <a:schemeClr val="accent1"/>
+          </a:fillRef>
+          <a:effectRef idx="0">
+            <a:schemeClr val="accent1"/>
+          </a:effectRef>
+          <a:fontRef idx="minor">
+            <a:schemeClr val="lt1"/>
+          </a:fontRef>
+        </p:style>
+        <p:txBody>
+          <a:bodyPr rtlCol="0" anchor="t" anchorCtr="0"/>
+          <a:lstStyle/>
+          <a:p>
+            <a:r>
+              <a:rPr lang="en-US" dirty="0" smtClean="0">
+                <a:solidFill>
+                  <a:schemeClr val="tx1"/>
+                </a:solidFill>
+              </a:rPr>
+              <a:t>color</a:t>
+            </a:r>
+            <a:endParaRPr lang="en-CA" dirty="0">
+              <a:solidFill>
+                <a:schemeClr val="tx1"/>
+              </a:solidFill>
+            </a:endParaRPr>
+          </a:p>
+        </p:txBody>
+      </p:sp>
+      <p:sp>
+        <p:nvSpPr>
+          <p:cNvPr id="67" name="Rectangle 66"/>
+          <p:cNvSpPr/>
+          <p:nvPr/>
+        </p:nvSpPr>
+        <p:spPr>
+          <a:xfrm>
+            <a:off x="11147875" y="3607950"/>
+            <a:ext cx="790357" cy="392550"/>
+          </a:xfrm>
+          <a:prstGeom prst="rect">
+            <a:avLst/>
+          </a:prstGeom>
+          <a:solidFill>
+            <a:schemeClr val="bg1">
+              <a:lumMod val="65000"/>
+            </a:schemeClr>
+          </a:solidFill>
+          <a:ln>
+            <a:solidFill>
+              <a:schemeClr val="tx1"/>
+            </a:solidFill>
+          </a:ln>
+        </p:spPr>
+        <p:style>
+          <a:lnRef idx="2">
+            <a:schemeClr val="accent1">
+              <a:shade val="50000"/>
+            </a:schemeClr>
+          </a:lnRef>
+          <a:fillRef idx="1">
+            <a:schemeClr val="accent1"/>
+          </a:fillRef>
+          <a:effectRef idx="0">
+            <a:schemeClr val="accent1"/>
+          </a:effectRef>
+          <a:fontRef idx="minor">
+            <a:schemeClr val="lt1"/>
+          </a:fontRef>
+        </p:style>
+        <p:txBody>
+          <a:bodyPr rtlCol="0" anchor="t" anchorCtr="0"/>
+          <a:lstStyle/>
+          <a:p>
+            <a:r>
+              <a:rPr lang="en-US" dirty="0" smtClean="0">
+                <a:solidFill>
+                  <a:schemeClr val="tx1"/>
+                </a:solidFill>
+              </a:rPr>
+              <a:t>font</a:t>
+            </a:r>
+            <a:endParaRPr lang="en-CA" dirty="0">
+              <a:solidFill>
+                <a:schemeClr val="tx1"/>
+              </a:solidFill>
+            </a:endParaRPr>
+          </a:p>
+        </p:txBody>
+      </p:sp>
+      <p:sp>
+        <p:nvSpPr>
+          <p:cNvPr id="68" name="Rectangular Callout 67"/>
+          <p:cNvSpPr/>
+          <p:nvPr/>
+        </p:nvSpPr>
+        <p:spPr>
+          <a:xfrm>
+            <a:off x="498308" y="3336460"/>
+            <a:ext cx="1354258" cy="751126"/>
+          </a:xfrm>
+          <a:prstGeom prst="wedgeRectCallout">
+            <a:avLst>
+              <a:gd name="adj1" fmla="val 58337"/>
+              <a:gd name="adj2" fmla="val 82742"/>
+            </a:avLst>
+          </a:prstGeom>
+          <a:solidFill>
+            <a:schemeClr val="accent6">
+              <a:lumMod val="20000"/>
+              <a:lumOff val="80000"/>
+            </a:schemeClr>
+          </a:solidFill>
+          <a:ln>
+            <a:solidFill>
+              <a:schemeClr val="tx1"/>
+            </a:solidFill>
+          </a:ln>
+        </p:spPr>
+        <p:style>
+          <a:lnRef idx="2">
+            <a:schemeClr val="accent1">
+              <a:shade val="50000"/>
+            </a:schemeClr>
+          </a:lnRef>
+          <a:fillRef idx="1">
+            <a:schemeClr val="accent1"/>
+          </a:fillRef>
+          <a:effectRef idx="0">
+            <a:schemeClr val="accent1"/>
+          </a:effectRef>
+          <a:fontRef idx="minor">
+            <a:schemeClr val="lt1"/>
+          </a:fontRef>
+        </p:style>
+        <p:txBody>
+          <a:bodyPr rtlCol="0" anchor="t" anchorCtr="0"/>
+          <a:lstStyle/>
+          <a:p>
+            <a:r>
+              <a:rPr lang="en-US" sz="1400" dirty="0" err="1" smtClean="0">
+                <a:solidFill>
+                  <a:schemeClr val="tx1"/>
+                </a:solidFill>
+              </a:rPr>
+              <a:t>myRetarget.h</a:t>
+            </a:r>
+            <a:endParaRPr lang="en-US" sz="1400" dirty="0" smtClean="0">
+              <a:solidFill>
+                <a:schemeClr val="tx1"/>
+              </a:solidFill>
+            </a:endParaRPr>
+          </a:p>
+          <a:p>
+            <a:r>
+              <a:rPr lang="en-US" sz="1400" dirty="0" smtClean="0">
+                <a:solidFill>
+                  <a:schemeClr val="tx1"/>
+                </a:solidFill>
+              </a:rPr>
+              <a:t>switches which resource to use</a:t>
+            </a:r>
+            <a:endParaRPr lang="en-CA" sz="1400" dirty="0">
+              <a:solidFill>
+                <a:schemeClr val="tx1"/>
+              </a:solidFill>
+            </a:endParaRPr>
+          </a:p>
+        </p:txBody>
+      </p:sp>
+      <p:sp>
+        <p:nvSpPr>
+          <p:cNvPr id="69" name="Rectangle 68"/>
+          <p:cNvSpPr/>
+          <p:nvPr/>
+        </p:nvSpPr>
+        <p:spPr>
+          <a:xfrm>
+            <a:off x="9103071" y="2293923"/>
+            <a:ext cx="1006429" cy="461665"/>
+          </a:xfrm>
+          <a:prstGeom prst="rect">
+            <a:avLst/>
+          </a:prstGeom>
+        </p:spPr>
+        <p:txBody>
+          <a:bodyPr wrap="none">
+            <a:spAutoFit/>
+          </a:bodyPr>
+          <a:lstStyle/>
+          <a:p>
+            <a:r>
+              <a:rPr lang="en-US" sz="2400" b="1" dirty="0" smtClean="0">
+                <a:solidFill>
+                  <a:schemeClr val="accent1">
+                    <a:lumMod val="50000"/>
+                  </a:schemeClr>
+                </a:solidFill>
+              </a:rPr>
+              <a:t>others</a:t>
+            </a:r>
+            <a:endParaRPr lang="en-CA" sz="2400" b="1" dirty="0">
+              <a:solidFill>
+                <a:schemeClr val="accent1">
+                  <a:lumMod val="50000"/>
+                </a:schemeClr>
+              </a:solidFill>
+            </a:endParaRPr>
+          </a:p>
+        </p:txBody>
+      </p:sp>
+      <p:sp>
+        <p:nvSpPr>
+          <p:cNvPr id="70" name="Up-Down Arrow 69"/>
+          <p:cNvSpPr/>
+          <p:nvPr/>
+        </p:nvSpPr>
+        <p:spPr>
+          <a:xfrm>
+            <a:off x="81643" y="4991169"/>
+            <a:ext cx="213401" cy="1866831"/>
+          </a:xfrm>
+          <a:prstGeom prst="upDownArrow">
+            <a:avLst/>
+          </a:prstGeom>
+          <a:solidFill>
+            <a:schemeClr val="accent4">
+              <a:lumMod val="40000"/>
+              <a:lumOff val="60000"/>
+            </a:schemeClr>
+          </a:solidFill>
+          <a:ln>
+            <a:solidFill>
+              <a:schemeClr val="tx1"/>
+            </a:solidFill>
+          </a:ln>
+        </p:spPr>
+        <p:style>
+          <a:lnRef idx="2">
+            <a:schemeClr val="accent1">
+              <a:shade val="50000"/>
+            </a:schemeClr>
+          </a:lnRef>
+          <a:fillRef idx="1">
+            <a:schemeClr val="accent1"/>
+          </a:fillRef>
+          <a:effectRef idx="0">
+            <a:schemeClr val="accent1"/>
+          </a:effectRef>
+          <a:fontRef idx="minor">
+            <a:schemeClr val="lt1"/>
+          </a:fontRef>
+        </p:style>
+        <p:txBody>
+          <a:bodyPr rtlCol="0" anchor="ctr"/>
+          <a:lstStyle/>
+          <a:p>
+            <a:pPr algn="ctr"/>
+            <a:endParaRPr lang="en-CA"/>
+          </a:p>
+        </p:txBody>
+      </p:sp>
+      <p:sp>
+        <p:nvSpPr>
+          <p:cNvPr id="71" name="Up-Down Arrow 70"/>
+          <p:cNvSpPr/>
+          <p:nvPr/>
+        </p:nvSpPr>
+        <p:spPr>
+          <a:xfrm>
+            <a:off x="81644" y="2438710"/>
+            <a:ext cx="190886" cy="2552460"/>
+          </a:xfrm>
+          <a:prstGeom prst="upDownArrow">
+            <a:avLst/>
+          </a:prstGeom>
+          <a:solidFill>
+            <a:schemeClr val="accent4">
+              <a:lumMod val="40000"/>
+              <a:lumOff val="60000"/>
+            </a:schemeClr>
+          </a:solidFill>
+          <a:ln>
+            <a:solidFill>
+              <a:schemeClr val="tx1"/>
+            </a:solidFill>
+          </a:ln>
+        </p:spPr>
+        <p:style>
+          <a:lnRef idx="2">
+            <a:schemeClr val="accent1">
+              <a:shade val="50000"/>
+            </a:schemeClr>
+          </a:lnRef>
+          <a:fillRef idx="1">
+            <a:schemeClr val="accent1"/>
+          </a:fillRef>
+          <a:effectRef idx="0">
+            <a:schemeClr val="accent1"/>
+          </a:effectRef>
+          <a:fontRef idx="minor">
+            <a:schemeClr val="lt1"/>
+          </a:fontRef>
+        </p:style>
+        <p:txBody>
+          <a:bodyPr rtlCol="0" anchor="ctr"/>
+          <a:lstStyle/>
+          <a:p>
+            <a:pPr algn="ctr"/>
+            <a:endParaRPr lang="en-CA"/>
+          </a:p>
+        </p:txBody>
+      </p:sp>
+      <p:sp>
+        <p:nvSpPr>
+          <p:cNvPr id="72" name="Up-Down Arrow 71"/>
+          <p:cNvSpPr/>
+          <p:nvPr/>
+        </p:nvSpPr>
+        <p:spPr>
+          <a:xfrm>
+            <a:off x="79343" y="1273865"/>
+            <a:ext cx="215701" cy="1164844"/>
+          </a:xfrm>
+          <a:prstGeom prst="upDownArrow">
+            <a:avLst/>
+          </a:prstGeom>
+          <a:solidFill>
+            <a:schemeClr val="accent4">
+              <a:lumMod val="40000"/>
+              <a:lumOff val="60000"/>
+            </a:schemeClr>
+          </a:solidFill>
+          <a:ln>
+            <a:solidFill>
+              <a:schemeClr val="tx1"/>
+            </a:solidFill>
+          </a:ln>
+        </p:spPr>
+        <p:style>
+          <a:lnRef idx="2">
+            <a:schemeClr val="accent1">
+              <a:shade val="50000"/>
+            </a:schemeClr>
+          </a:lnRef>
+          <a:fillRef idx="1">
+            <a:schemeClr val="accent1"/>
+          </a:fillRef>
+          <a:effectRef idx="0">
+            <a:schemeClr val="accent1"/>
+          </a:effectRef>
+          <a:fontRef idx="minor">
+            <a:schemeClr val="lt1"/>
+          </a:fontRef>
+        </p:style>
+        <p:txBody>
+          <a:bodyPr rtlCol="0" anchor="ctr"/>
+          <a:lstStyle/>
+          <a:p>
+            <a:pPr algn="ctr"/>
+            <a:endParaRPr lang="en-CA"/>
+          </a:p>
+        </p:txBody>
+      </p:sp>
+      <p:sp>
+        <p:nvSpPr>
+          <p:cNvPr id="73" name="Rectangle 72"/>
+          <p:cNvSpPr/>
+          <p:nvPr/>
+        </p:nvSpPr>
+        <p:spPr>
+          <a:xfrm>
+            <a:off x="220087" y="1673496"/>
+            <a:ext cx="996170" cy="338554"/>
+          </a:xfrm>
+          <a:prstGeom prst="rect">
+            <a:avLst/>
+          </a:prstGeom>
+        </p:spPr>
+        <p:txBody>
+          <a:bodyPr wrap="none">
+            <a:spAutoFit/>
+          </a:bodyPr>
+          <a:lstStyle/>
+          <a:p>
+            <a:r>
+              <a:rPr lang="en-US" sz="1600" b="1" dirty="0" smtClean="0">
+                <a:solidFill>
+                  <a:srgbClr val="FF0000"/>
+                </a:solidFill>
+              </a:rPr>
+              <a:t>App layer</a:t>
+            </a:r>
+            <a:endParaRPr lang="en-CA" sz="1600" b="1" dirty="0">
+              <a:solidFill>
+                <a:srgbClr val="FF0000"/>
+              </a:solidFill>
+            </a:endParaRPr>
+          </a:p>
+        </p:txBody>
+      </p:sp>
+      <p:sp>
+        <p:nvSpPr>
+          <p:cNvPr id="74" name="Rectangle 73"/>
+          <p:cNvSpPr/>
+          <p:nvPr/>
+        </p:nvSpPr>
+        <p:spPr>
+          <a:xfrm>
+            <a:off x="200659" y="2704603"/>
+            <a:ext cx="1049903" cy="338554"/>
+          </a:xfrm>
+          <a:prstGeom prst="rect">
+            <a:avLst/>
+          </a:prstGeom>
+        </p:spPr>
+        <p:txBody>
+          <a:bodyPr wrap="none">
+            <a:spAutoFit/>
+          </a:bodyPr>
+          <a:lstStyle/>
+          <a:p>
+            <a:r>
+              <a:rPr lang="en-US" sz="1600" b="1" dirty="0" smtClean="0">
+                <a:solidFill>
+                  <a:srgbClr val="FF0000"/>
+                </a:solidFill>
+              </a:rPr>
+              <a:t>Infra layer</a:t>
+            </a:r>
+            <a:endParaRPr lang="en-CA" sz="1600" b="1" dirty="0">
+              <a:solidFill>
+                <a:srgbClr val="FF0000"/>
+              </a:solidFill>
+            </a:endParaRPr>
+          </a:p>
+        </p:txBody>
+      </p:sp>
+      <p:sp>
+        <p:nvSpPr>
+          <p:cNvPr id="76" name="Rectangle 75"/>
+          <p:cNvSpPr/>
+          <p:nvPr/>
+        </p:nvSpPr>
+        <p:spPr>
+          <a:xfrm>
+            <a:off x="249415" y="5074758"/>
+            <a:ext cx="1427891" cy="338554"/>
+          </a:xfrm>
+          <a:prstGeom prst="rect">
+            <a:avLst/>
+          </a:prstGeom>
+        </p:spPr>
+        <p:txBody>
+          <a:bodyPr wrap="none">
+            <a:spAutoFit/>
+          </a:bodyPr>
+          <a:lstStyle/>
+          <a:p>
+            <a:r>
+              <a:rPr lang="en-US" sz="1600" b="1" dirty="0" smtClean="0">
+                <a:solidFill>
+                  <a:srgbClr val="FF0000"/>
+                </a:solidFill>
+              </a:rPr>
+              <a:t>Resource layer</a:t>
+            </a:r>
+            <a:endParaRPr lang="en-CA" sz="1600" b="1" dirty="0">
+              <a:solidFill>
+                <a:srgbClr val="FF0000"/>
+              </a:solidFill>
+            </a:endParaRPr>
+          </a:p>
+        </p:txBody>
+      </p:sp>
+      <p:sp>
+        <p:nvSpPr>
+          <p:cNvPr id="78" name="Title 1"/>
+          <p:cNvSpPr txBox="1">
+            <a:spLocks/>
+          </p:cNvSpPr>
+          <p:nvPr/>
+        </p:nvSpPr>
+        <p:spPr>
+          <a:xfrm>
+            <a:off x="416138" y="239195"/>
+            <a:ext cx="10515600" cy="839440"/>
+          </a:xfrm>
+          <a:prstGeom prst="rect">
+            <a:avLst/>
+          </a:prstGeom>
+        </p:spPr>
+        <p:txBody>
+          <a:bodyPr vert="horz" lIns="91440" tIns="45720" rIns="91440" bIns="45720" rtlCol="0" anchor="b">
+            <a:normAutofit fontScale="92500" lnSpcReduction="10000"/>
+          </a:bodyPr>
+          <a:lstStyle>
+            <a:lvl1pPr algn="ctr" defTabSz="914400" rtl="0" eaLnBrk="1" latinLnBrk="0" hangingPunct="1">
+              <a:lnSpc>
+                <a:spcPct val="90000"/>
+              </a:lnSpc>
+              <a:spcBef>
+                <a:spcPct val="0"/>
+              </a:spcBef>
+              <a:buNone/>
+              <a:defRPr sz="6000" kern="1200">
+                <a:solidFill>
+                  <a:schemeClr val="tx1"/>
+                </a:solidFill>
+                <a:latin typeface="+mj-lt"/>
+                <a:ea typeface="+mj-ea"/>
+                <a:cs typeface="+mj-cs"/>
+              </a:defRPr>
+            </a:lvl1pPr>
+          </a:lstStyle>
+          <a:p>
+            <a:pPr algn="l"/>
+            <a:r>
+              <a:rPr lang="en-US" dirty="0" smtClean="0"/>
+              <a:t>Software Structure</a:t>
+            </a:r>
+            <a:endParaRPr lang="en-CA" dirty="0"/>
+          </a:p>
+        </p:txBody>
+      </p:sp>
+      <p:sp>
+        <p:nvSpPr>
+          <p:cNvPr id="41" name="Rectangle 40"/>
+          <p:cNvSpPr/>
+          <p:nvPr/>
+        </p:nvSpPr>
+        <p:spPr>
+          <a:xfrm>
+            <a:off x="6365674" y="1052350"/>
+            <a:ext cx="471504" cy="346549"/>
+          </a:xfrm>
+          <a:prstGeom prst="rect">
+            <a:avLst/>
+          </a:prstGeom>
+          <a:solidFill>
+            <a:schemeClr val="accent4">
+              <a:lumMod val="20000"/>
+              <a:lumOff val="80000"/>
+            </a:schemeClr>
+          </a:solidFill>
+          <a:ln>
+            <a:solidFill>
+              <a:schemeClr val="tx1"/>
+            </a:solidFill>
+          </a:ln>
+        </p:spPr>
+        <p:style>
+          <a:lnRef idx="2">
+            <a:schemeClr val="accent1">
+              <a:shade val="50000"/>
+            </a:schemeClr>
+          </a:lnRef>
+          <a:fillRef idx="1">
+            <a:schemeClr val="accent1"/>
+          </a:fillRef>
+          <a:effectRef idx="0">
+            <a:schemeClr val="accent1"/>
+          </a:effectRef>
+          <a:fontRef idx="minor">
+            <a:schemeClr val="lt1"/>
+          </a:fontRef>
+        </p:style>
+        <p:txBody>
+          <a:bodyPr rtlCol="0" anchor="t" anchorCtr="0"/>
+          <a:lstStyle/>
+          <a:p>
+            <a:endParaRPr lang="en-CA" dirty="0">
+              <a:solidFill>
+                <a:schemeClr val="tx1"/>
+              </a:solidFill>
+            </a:endParaRPr>
+          </a:p>
+        </p:txBody>
+      </p:sp>
+      <p:sp>
+        <p:nvSpPr>
+          <p:cNvPr id="42" name="Rectangle 41"/>
+          <p:cNvSpPr/>
+          <p:nvPr/>
+        </p:nvSpPr>
+        <p:spPr>
+          <a:xfrm>
+            <a:off x="7002657" y="921138"/>
+            <a:ext cx="827471" cy="461665"/>
+          </a:xfrm>
+          <a:prstGeom prst="rect">
+            <a:avLst/>
+          </a:prstGeom>
+        </p:spPr>
+        <p:txBody>
+          <a:bodyPr wrap="none">
+            <a:spAutoFit/>
+          </a:bodyPr>
+          <a:lstStyle/>
+          <a:p>
+            <a:r>
+              <a:rPr lang="en-US" sz="2400" b="1" dirty="0" smtClean="0">
+                <a:solidFill>
+                  <a:schemeClr val="accent1">
+                    <a:lumMod val="50000"/>
+                  </a:schemeClr>
+                </a:solidFill>
+              </a:rPr>
+              <a:t>main</a:t>
+            </a:r>
+            <a:endParaRPr lang="en-CA" sz="2400" b="1" dirty="0">
+              <a:solidFill>
+                <a:schemeClr val="accent1">
+                  <a:lumMod val="50000"/>
+                </a:schemeClr>
+              </a:solidFill>
+            </a:endParaRPr>
+          </a:p>
+        </p:txBody>
+      </p:sp>
+      <p:sp>
+        <p:nvSpPr>
+          <p:cNvPr id="44" name="Rectangle 43"/>
+          <p:cNvSpPr/>
+          <p:nvPr/>
+        </p:nvSpPr>
+        <p:spPr>
+          <a:xfrm>
+            <a:off x="4245426" y="1713068"/>
+            <a:ext cx="2108485" cy="599668"/>
+          </a:xfrm>
+          <a:prstGeom prst="rect">
+            <a:avLst/>
+          </a:prstGeom>
+          <a:solidFill>
+            <a:schemeClr val="accent4">
+              <a:lumMod val="20000"/>
+              <a:lumOff val="80000"/>
+            </a:schemeClr>
+          </a:solidFill>
+          <a:ln>
+            <a:solidFill>
+              <a:schemeClr val="tx1"/>
+            </a:solidFill>
+          </a:ln>
+        </p:spPr>
+        <p:style>
+          <a:lnRef idx="2">
+            <a:schemeClr val="accent1">
+              <a:shade val="50000"/>
+            </a:schemeClr>
+          </a:lnRef>
+          <a:fillRef idx="1">
+            <a:schemeClr val="accent1"/>
+          </a:fillRef>
+          <a:effectRef idx="0">
+            <a:schemeClr val="accent1"/>
+          </a:effectRef>
+          <a:fontRef idx="minor">
+            <a:schemeClr val="lt1"/>
+          </a:fontRef>
+        </p:style>
+        <p:txBody>
+          <a:bodyPr rtlCol="0" anchor="t" anchorCtr="0"/>
+          <a:lstStyle/>
+          <a:p>
+            <a:endParaRPr lang="en-CA" dirty="0">
+              <a:solidFill>
+                <a:schemeClr val="tx1"/>
+              </a:solidFill>
+            </a:endParaRPr>
+          </a:p>
+        </p:txBody>
+      </p:sp>
+      <p:sp>
+        <p:nvSpPr>
+          <p:cNvPr id="45" name="Rectangle 44"/>
+          <p:cNvSpPr/>
+          <p:nvPr/>
+        </p:nvSpPr>
+        <p:spPr>
+          <a:xfrm>
+            <a:off x="6435155" y="1772892"/>
+            <a:ext cx="1606658" cy="461665"/>
+          </a:xfrm>
+          <a:prstGeom prst="rect">
+            <a:avLst/>
+          </a:prstGeom>
+        </p:spPr>
+        <p:txBody>
+          <a:bodyPr wrap="none">
+            <a:spAutoFit/>
+          </a:bodyPr>
+          <a:lstStyle/>
+          <a:p>
+            <a:r>
+              <a:rPr lang="en-US" sz="2400" b="1" dirty="0" smtClean="0">
+                <a:solidFill>
+                  <a:schemeClr val="accent1">
+                    <a:lumMod val="50000"/>
+                  </a:schemeClr>
+                </a:solidFill>
+              </a:rPr>
+              <a:t>application</a:t>
+            </a:r>
+            <a:endParaRPr lang="en-CA" sz="2400" b="1" dirty="0">
+              <a:solidFill>
+                <a:schemeClr val="accent1">
+                  <a:lumMod val="50000"/>
+                </a:schemeClr>
+              </a:solidFill>
+            </a:endParaRPr>
+          </a:p>
+        </p:txBody>
+      </p:sp>
+      <p:sp>
+        <p:nvSpPr>
+          <p:cNvPr id="47" name="Rectangular Callout 46"/>
+          <p:cNvSpPr/>
+          <p:nvPr/>
+        </p:nvSpPr>
+        <p:spPr>
+          <a:xfrm>
+            <a:off x="8380300" y="661353"/>
+            <a:ext cx="1561888" cy="668141"/>
+          </a:xfrm>
+          <a:prstGeom prst="wedgeRectCallout">
+            <a:avLst>
+              <a:gd name="adj1" fmla="val -78093"/>
+              <a:gd name="adj2" fmla="val 24034"/>
+            </a:avLst>
+          </a:prstGeom>
+          <a:solidFill>
+            <a:schemeClr val="accent6">
+              <a:lumMod val="20000"/>
+              <a:lumOff val="80000"/>
+            </a:schemeClr>
+          </a:solidFill>
+          <a:ln>
+            <a:solidFill>
+              <a:schemeClr val="tx1"/>
+            </a:solidFill>
+          </a:ln>
+        </p:spPr>
+        <p:style>
+          <a:lnRef idx="2">
+            <a:schemeClr val="accent1">
+              <a:shade val="50000"/>
+            </a:schemeClr>
+          </a:lnRef>
+          <a:fillRef idx="1">
+            <a:schemeClr val="accent1"/>
+          </a:fillRef>
+          <a:effectRef idx="0">
+            <a:schemeClr val="accent1"/>
+          </a:effectRef>
+          <a:fontRef idx="minor">
+            <a:schemeClr val="lt1"/>
+          </a:fontRef>
+        </p:style>
+        <p:txBody>
+          <a:bodyPr rtlCol="0" anchor="t" anchorCtr="0"/>
+          <a:lstStyle/>
+          <a:p>
+            <a:r>
+              <a:rPr lang="en-US" sz="1600" dirty="0" smtClean="0">
+                <a:solidFill>
+                  <a:schemeClr val="tx1"/>
+                </a:solidFill>
+              </a:rPr>
+              <a:t>Call application to run</a:t>
+            </a:r>
+            <a:endParaRPr lang="en-CA" sz="1600" dirty="0">
+              <a:solidFill>
+                <a:schemeClr val="tx1"/>
+              </a:solidFill>
+            </a:endParaRPr>
+          </a:p>
+        </p:txBody>
+      </p:sp>
+      <p:cxnSp>
+        <p:nvCxnSpPr>
+          <p:cNvPr id="48" name="Straight Arrow Connector 47"/>
+          <p:cNvCxnSpPr>
+            <a:stCxn id="41" idx="2"/>
+            <a:endCxn id="44" idx="0"/>
+          </p:cNvCxnSpPr>
+          <p:nvPr/>
+        </p:nvCxnSpPr>
+        <p:spPr>
+          <a:xfrm flipH="1">
+            <a:off x="5299669" y="1398899"/>
+            <a:ext cx="1301757" cy="314169"/>
+          </a:xfrm>
+          <a:prstGeom prst="straightConnector1">
+            <a:avLst/>
+          </a:prstGeom>
+          <a:ln>
+            <a:tailEnd type="triangle"/>
+          </a:ln>
+        </p:spPr>
+        <p:style>
+          <a:lnRef idx="1">
+            <a:schemeClr val="accent1"/>
+          </a:lnRef>
+          <a:fillRef idx="0">
+            <a:schemeClr val="accent1"/>
+          </a:fillRef>
+          <a:effectRef idx="0">
+            <a:schemeClr val="accent1"/>
+          </a:effectRef>
+          <a:fontRef idx="minor">
+            <a:schemeClr val="tx1"/>
+          </a:fontRef>
+        </p:style>
+      </p:cxnSp>
+      <p:sp>
+        <p:nvSpPr>
+          <p:cNvPr id="49" name="Rectangular Callout 48"/>
+          <p:cNvSpPr/>
+          <p:nvPr/>
+        </p:nvSpPr>
+        <p:spPr>
+          <a:xfrm>
+            <a:off x="8582284" y="1548850"/>
+            <a:ext cx="1817411" cy="668141"/>
+          </a:xfrm>
+          <a:prstGeom prst="wedgeRectCallout">
+            <a:avLst>
+              <a:gd name="adj1" fmla="val -73152"/>
+              <a:gd name="adj2" fmla="val 20368"/>
+            </a:avLst>
+          </a:prstGeom>
+          <a:solidFill>
+            <a:schemeClr val="accent6">
+              <a:lumMod val="20000"/>
+              <a:lumOff val="80000"/>
+            </a:schemeClr>
+          </a:solidFill>
+          <a:ln>
+            <a:solidFill>
+              <a:schemeClr val="tx1"/>
+            </a:solidFill>
+          </a:ln>
+        </p:spPr>
+        <p:style>
+          <a:lnRef idx="2">
+            <a:schemeClr val="accent1">
+              <a:shade val="50000"/>
+            </a:schemeClr>
+          </a:lnRef>
+          <a:fillRef idx="1">
+            <a:schemeClr val="accent1"/>
+          </a:fillRef>
+          <a:effectRef idx="0">
+            <a:schemeClr val="accent1"/>
+          </a:effectRef>
+          <a:fontRef idx="minor">
+            <a:schemeClr val="lt1"/>
+          </a:fontRef>
+        </p:style>
+        <p:txBody>
+          <a:bodyPr rtlCol="0" anchor="t" anchorCtr="0"/>
+          <a:lstStyle/>
+          <a:p>
+            <a:r>
+              <a:rPr lang="en-US" sz="1600" dirty="0" smtClean="0">
+                <a:solidFill>
+                  <a:schemeClr val="tx1"/>
+                </a:solidFill>
+              </a:rPr>
+              <a:t>User level software goes here</a:t>
+            </a:r>
+            <a:endParaRPr lang="en-CA" sz="1600" dirty="0">
+              <a:solidFill>
+                <a:schemeClr val="tx1"/>
+              </a:solidFill>
+            </a:endParaRPr>
+          </a:p>
+        </p:txBody>
+      </p:sp>
+      <p:sp>
+        <p:nvSpPr>
+          <p:cNvPr id="50" name="Rectangle 49"/>
+          <p:cNvSpPr/>
+          <p:nvPr/>
+        </p:nvSpPr>
+        <p:spPr>
+          <a:xfrm>
+            <a:off x="4394603" y="1827289"/>
+            <a:ext cx="1381288" cy="392550"/>
+          </a:xfrm>
+          <a:prstGeom prst="rect">
+            <a:avLst/>
+          </a:prstGeom>
+          <a:solidFill>
+            <a:schemeClr val="accent2">
+              <a:lumMod val="40000"/>
+              <a:lumOff val="60000"/>
+            </a:schemeClr>
+          </a:solidFill>
+          <a:ln>
+            <a:solidFill>
+              <a:schemeClr val="tx1"/>
+            </a:solidFill>
+          </a:ln>
+        </p:spPr>
+        <p:style>
+          <a:lnRef idx="2">
+            <a:schemeClr val="accent1">
+              <a:shade val="50000"/>
+            </a:schemeClr>
+          </a:lnRef>
+          <a:fillRef idx="1">
+            <a:schemeClr val="accent1"/>
+          </a:fillRef>
+          <a:effectRef idx="0">
+            <a:schemeClr val="accent1"/>
+          </a:effectRef>
+          <a:fontRef idx="minor">
+            <a:schemeClr val="lt1"/>
+          </a:fontRef>
+        </p:style>
+        <p:txBody>
+          <a:bodyPr rtlCol="0" anchor="t" anchorCtr="0"/>
+          <a:lstStyle/>
+          <a:p>
+            <a:r>
+              <a:rPr lang="en-US" dirty="0" err="1" smtClean="0">
+                <a:solidFill>
+                  <a:schemeClr val="tx1"/>
+                </a:solidFill>
+              </a:rPr>
+              <a:t>tinyDisplay</a:t>
+            </a:r>
+            <a:endParaRPr lang="en-CA" dirty="0">
+              <a:solidFill>
+                <a:schemeClr val="tx1"/>
+              </a:solidFill>
+            </a:endParaRPr>
+          </a:p>
+        </p:txBody>
+      </p:sp>
+    </p:spTree>
+    <p:extLst>
+      <p:ext uri="{BB962C8B-B14F-4D97-AF65-F5344CB8AC3E}">
+        <p14:creationId xmlns:p14="http://schemas.microsoft.com/office/powerpoint/2010/main" val="3211786239"/>
+      </p:ext>
+    </p:extLst>
+  </p:cSld>
+  <p:clrMapOvr>
+    <a:masterClrMapping/>
+  </p:clrMapOvr>
+</p:sld>
+</file>
+
+<file path=ppt/slides/slide3.xml><?xml version="1.0" encoding="utf-8"?>
+<p:sld xmlns:a="http://schemas.openxmlformats.org/drawingml/2006/main" xmlns:r="http://schemas.openxmlformats.org/officeDocument/2006/relationships" xmlns:p="http://schemas.openxmlformats.org/presentationml/2006/main">
+  <p:cSld>
+    <p:spTree>
+      <p:nvGrpSpPr>
+        <p:cNvPr id="1" name=""/>
+        <p:cNvGrpSpPr/>
+        <p:nvPr/>
+      </p:nvGrpSpPr>
+      <p:grpSpPr>
+        <a:xfrm>
+          <a:off x="0" y="0"/>
+          <a:ext cx="0" cy="0"/>
+          <a:chOff x="0" y="0"/>
+          <a:chExt cx="0" cy="0"/>
+        </a:xfrm>
+      </p:grpSpPr>
+      <p:sp>
+        <p:nvSpPr>
+          <p:cNvPr id="64" name="Rectangle 63"/>
+          <p:cNvSpPr/>
+          <p:nvPr/>
+        </p:nvSpPr>
+        <p:spPr>
+          <a:xfrm>
+            <a:off x="9337656" y="2687206"/>
+            <a:ext cx="2818965" cy="1908071"/>
+          </a:xfrm>
+          <a:prstGeom prst="rect">
+            <a:avLst/>
+          </a:prstGeom>
+          <a:solidFill>
+            <a:schemeClr val="accent4">
+              <a:lumMod val="20000"/>
+              <a:lumOff val="80000"/>
+            </a:schemeClr>
+          </a:solidFill>
+          <a:ln>
+            <a:solidFill>
+              <a:schemeClr val="tx1"/>
+            </a:solidFill>
+          </a:ln>
+        </p:spPr>
+        <p:style>
+          <a:lnRef idx="2">
+            <a:schemeClr val="accent1">
+              <a:shade val="50000"/>
+            </a:schemeClr>
+          </a:lnRef>
+          <a:fillRef idx="1">
+            <a:schemeClr val="accent1"/>
+          </a:fillRef>
+          <a:effectRef idx="0">
+            <a:schemeClr val="accent1"/>
+          </a:effectRef>
+          <a:fontRef idx="minor">
+            <a:schemeClr val="lt1"/>
+          </a:fontRef>
+        </p:style>
+        <p:txBody>
+          <a:bodyPr rtlCol="0" anchor="t" anchorCtr="0"/>
+          <a:lstStyle/>
+          <a:p>
+            <a:endParaRPr lang="en-CA" dirty="0">
+              <a:solidFill>
+                <a:schemeClr val="tx1"/>
+              </a:solidFill>
+            </a:endParaRPr>
+          </a:p>
+        </p:txBody>
+      </p:sp>
+      <p:sp>
+        <p:nvSpPr>
+          <p:cNvPr id="5" name="Rectangle 4"/>
+          <p:cNvSpPr/>
+          <p:nvPr/>
+        </p:nvSpPr>
+        <p:spPr>
+          <a:xfrm>
+            <a:off x="6365674" y="1052350"/>
+            <a:ext cx="471504" cy="346549"/>
+          </a:xfrm>
+          <a:prstGeom prst="rect">
+            <a:avLst/>
+          </a:prstGeom>
+          <a:solidFill>
+            <a:schemeClr val="accent4">
+              <a:lumMod val="20000"/>
+              <a:lumOff val="80000"/>
+            </a:schemeClr>
+          </a:solidFill>
+          <a:ln>
+            <a:solidFill>
+              <a:schemeClr val="tx1"/>
+            </a:solidFill>
+          </a:ln>
+        </p:spPr>
+        <p:style>
+          <a:lnRef idx="2">
+            <a:schemeClr val="accent1">
+              <a:shade val="50000"/>
+            </a:schemeClr>
+          </a:lnRef>
+          <a:fillRef idx="1">
+            <a:schemeClr val="accent1"/>
+          </a:fillRef>
+          <a:effectRef idx="0">
+            <a:schemeClr val="accent1"/>
+          </a:effectRef>
+          <a:fontRef idx="minor">
+            <a:schemeClr val="lt1"/>
+          </a:fontRef>
+        </p:style>
+        <p:txBody>
+          <a:bodyPr rtlCol="0" anchor="t" anchorCtr="0"/>
+          <a:lstStyle/>
+          <a:p>
+            <a:endParaRPr lang="en-CA" dirty="0">
+              <a:solidFill>
+                <a:schemeClr val="tx1"/>
+              </a:solidFill>
+            </a:endParaRPr>
+          </a:p>
+        </p:txBody>
+      </p:sp>
+      <p:sp>
+        <p:nvSpPr>
+          <p:cNvPr id="6" name="Rectangle 5"/>
+          <p:cNvSpPr/>
+          <p:nvPr/>
+        </p:nvSpPr>
+        <p:spPr>
+          <a:xfrm>
+            <a:off x="1790309" y="2687206"/>
+            <a:ext cx="7027190" cy="1908071"/>
+          </a:xfrm>
+          <a:prstGeom prst="rect">
+            <a:avLst/>
+          </a:prstGeom>
+          <a:solidFill>
+            <a:schemeClr val="accent4">
+              <a:lumMod val="20000"/>
+              <a:lumOff val="80000"/>
+            </a:schemeClr>
+          </a:solidFill>
+          <a:ln>
+            <a:solidFill>
+              <a:schemeClr val="tx1"/>
+            </a:solidFill>
+          </a:ln>
+        </p:spPr>
+        <p:style>
+          <a:lnRef idx="2">
+            <a:schemeClr val="accent1">
+              <a:shade val="50000"/>
+            </a:schemeClr>
+          </a:lnRef>
+          <a:fillRef idx="1">
+            <a:schemeClr val="accent1"/>
+          </a:fillRef>
+          <a:effectRef idx="0">
+            <a:schemeClr val="accent1"/>
+          </a:effectRef>
+          <a:fontRef idx="minor">
+            <a:schemeClr val="lt1"/>
+          </a:fontRef>
+        </p:style>
+        <p:txBody>
+          <a:bodyPr rtlCol="0" anchor="t" anchorCtr="0"/>
+          <a:lstStyle/>
+          <a:p>
+            <a:endParaRPr lang="en-CA" dirty="0">
+              <a:solidFill>
+                <a:schemeClr val="tx1"/>
+              </a:solidFill>
+            </a:endParaRPr>
+          </a:p>
+        </p:txBody>
+      </p:sp>
+      <p:sp>
+        <p:nvSpPr>
+          <p:cNvPr id="7" name="Rectangle 6"/>
+          <p:cNvSpPr/>
+          <p:nvPr/>
+        </p:nvSpPr>
+        <p:spPr>
+          <a:xfrm>
+            <a:off x="7002657" y="921138"/>
+            <a:ext cx="827471" cy="461665"/>
+          </a:xfrm>
+          <a:prstGeom prst="rect">
+            <a:avLst/>
+          </a:prstGeom>
+        </p:spPr>
+        <p:txBody>
+          <a:bodyPr wrap="none">
+            <a:spAutoFit/>
+          </a:bodyPr>
+          <a:lstStyle/>
+          <a:p>
+            <a:r>
+              <a:rPr lang="en-US" sz="2400" b="1" dirty="0" smtClean="0">
+                <a:solidFill>
+                  <a:schemeClr val="accent1">
+                    <a:lumMod val="50000"/>
+                  </a:schemeClr>
+                </a:solidFill>
+              </a:rPr>
+              <a:t>main</a:t>
+            </a:r>
+            <a:endParaRPr lang="en-CA" sz="2400" b="1" dirty="0">
+              <a:solidFill>
+                <a:schemeClr val="accent1">
+                  <a:lumMod val="50000"/>
+                </a:schemeClr>
+              </a:solidFill>
+            </a:endParaRPr>
+          </a:p>
+        </p:txBody>
+      </p:sp>
+      <p:sp>
+        <p:nvSpPr>
+          <p:cNvPr id="8" name="Rectangle 7"/>
+          <p:cNvSpPr/>
+          <p:nvPr/>
+        </p:nvSpPr>
+        <p:spPr>
+          <a:xfrm>
+            <a:off x="942990" y="2248494"/>
+            <a:ext cx="1663148" cy="461665"/>
+          </a:xfrm>
+          <a:prstGeom prst="rect">
+            <a:avLst/>
+          </a:prstGeom>
+        </p:spPr>
+        <p:txBody>
+          <a:bodyPr wrap="none">
+            <a:spAutoFit/>
+          </a:bodyPr>
+          <a:lstStyle/>
+          <a:p>
+            <a:r>
+              <a:rPr lang="en-US" sz="2400" b="1" dirty="0" err="1" smtClean="0">
+                <a:solidFill>
+                  <a:schemeClr val="accent1">
+                    <a:lumMod val="50000"/>
+                  </a:schemeClr>
+                </a:solidFill>
+              </a:rPr>
+              <a:t>myLibraries</a:t>
+            </a:r>
+            <a:endParaRPr lang="en-CA" sz="2400" b="1" dirty="0">
+              <a:solidFill>
+                <a:schemeClr val="accent1">
+                  <a:lumMod val="50000"/>
+                </a:schemeClr>
+              </a:solidFill>
+            </a:endParaRPr>
+          </a:p>
+        </p:txBody>
+      </p:sp>
+      <p:sp>
+        <p:nvSpPr>
+          <p:cNvPr id="9" name="Rectangle 8"/>
+          <p:cNvSpPr/>
+          <p:nvPr/>
+        </p:nvSpPr>
+        <p:spPr>
+          <a:xfrm>
+            <a:off x="2092461" y="2951863"/>
+            <a:ext cx="1392804" cy="1248356"/>
+          </a:xfrm>
+          <a:prstGeom prst="rect">
+            <a:avLst/>
+          </a:prstGeom>
+          <a:solidFill>
+            <a:schemeClr val="accent2">
+              <a:lumMod val="40000"/>
+              <a:lumOff val="60000"/>
+            </a:schemeClr>
+          </a:solidFill>
+          <a:ln>
+            <a:solidFill>
+              <a:schemeClr val="tx1"/>
+            </a:solidFill>
+          </a:ln>
+        </p:spPr>
+        <p:style>
+          <a:lnRef idx="2">
+            <a:schemeClr val="accent1">
+              <a:shade val="50000"/>
+            </a:schemeClr>
+          </a:lnRef>
+          <a:fillRef idx="1">
+            <a:schemeClr val="accent1"/>
+          </a:fillRef>
+          <a:effectRef idx="0">
+            <a:schemeClr val="accent1"/>
+          </a:effectRef>
+          <a:fontRef idx="minor">
+            <a:schemeClr val="lt1"/>
+          </a:fontRef>
+        </p:style>
+        <p:txBody>
+          <a:bodyPr rtlCol="0" anchor="t" anchorCtr="0"/>
+          <a:lstStyle/>
+          <a:p>
+            <a:r>
+              <a:rPr lang="en-US" dirty="0" err="1" smtClean="0">
+                <a:solidFill>
+                  <a:schemeClr val="tx1"/>
+                </a:solidFill>
+              </a:rPr>
+              <a:t>myStdio</a:t>
+            </a:r>
+            <a:endParaRPr lang="en-US" dirty="0" smtClean="0">
+              <a:solidFill>
+                <a:schemeClr val="tx1"/>
+              </a:solidFill>
+            </a:endParaRPr>
+          </a:p>
+          <a:p>
+            <a:r>
+              <a:rPr lang="en-US" dirty="0">
+                <a:solidFill>
+                  <a:schemeClr val="tx1"/>
+                </a:solidFill>
+              </a:rPr>
+              <a:t> </a:t>
+            </a:r>
+            <a:r>
+              <a:rPr lang="en-US" dirty="0" smtClean="0">
+                <a:solidFill>
+                  <a:schemeClr val="tx1"/>
+                </a:solidFill>
+              </a:rPr>
+              <a:t>- print</a:t>
+            </a:r>
+          </a:p>
+          <a:p>
+            <a:r>
+              <a:rPr lang="en-US" dirty="0">
+                <a:solidFill>
+                  <a:schemeClr val="tx1"/>
+                </a:solidFill>
+              </a:rPr>
+              <a:t> </a:t>
+            </a:r>
+            <a:r>
+              <a:rPr lang="en-US" dirty="0" smtClean="0">
+                <a:solidFill>
+                  <a:schemeClr val="tx1"/>
+                </a:solidFill>
+              </a:rPr>
+              <a:t>- </a:t>
+            </a:r>
+            <a:r>
+              <a:rPr lang="en-US" dirty="0" err="1" smtClean="0">
+                <a:solidFill>
+                  <a:schemeClr val="tx1"/>
+                </a:solidFill>
+              </a:rPr>
+              <a:t>getchar</a:t>
+            </a:r>
+            <a:endParaRPr lang="en-US" dirty="0" smtClean="0">
+              <a:solidFill>
+                <a:schemeClr val="tx1"/>
+              </a:solidFill>
+            </a:endParaRPr>
+          </a:p>
+          <a:p>
+            <a:r>
+              <a:rPr lang="en-US" dirty="0">
+                <a:solidFill>
+                  <a:schemeClr val="tx1"/>
+                </a:solidFill>
+              </a:rPr>
+              <a:t> </a:t>
+            </a:r>
+            <a:r>
+              <a:rPr lang="en-US" dirty="0" smtClean="0">
+                <a:solidFill>
+                  <a:schemeClr val="tx1"/>
+                </a:solidFill>
+              </a:rPr>
+              <a:t>-etc.</a:t>
+            </a:r>
+            <a:endParaRPr lang="en-CA" dirty="0">
+              <a:solidFill>
+                <a:schemeClr val="tx1"/>
+              </a:solidFill>
+            </a:endParaRPr>
+          </a:p>
+        </p:txBody>
+      </p:sp>
+      <p:sp>
+        <p:nvSpPr>
+          <p:cNvPr id="10" name="Rectangle 9"/>
+          <p:cNvSpPr/>
+          <p:nvPr/>
+        </p:nvSpPr>
+        <p:spPr>
+          <a:xfrm>
+            <a:off x="6837178" y="2951863"/>
+            <a:ext cx="1606164" cy="1248356"/>
+          </a:xfrm>
+          <a:prstGeom prst="rect">
+            <a:avLst/>
+          </a:prstGeom>
+          <a:solidFill>
+            <a:schemeClr val="accent2">
+              <a:lumMod val="40000"/>
+              <a:lumOff val="60000"/>
+            </a:schemeClr>
+          </a:solidFill>
+          <a:ln>
+            <a:solidFill>
+              <a:schemeClr val="tx1"/>
+            </a:solidFill>
+          </a:ln>
+        </p:spPr>
+        <p:style>
+          <a:lnRef idx="2">
+            <a:schemeClr val="accent1">
+              <a:shade val="50000"/>
+            </a:schemeClr>
+          </a:lnRef>
+          <a:fillRef idx="1">
+            <a:schemeClr val="accent1"/>
+          </a:fillRef>
+          <a:effectRef idx="0">
+            <a:schemeClr val="accent1"/>
+          </a:effectRef>
+          <a:fontRef idx="minor">
+            <a:schemeClr val="lt1"/>
+          </a:fontRef>
+        </p:style>
+        <p:txBody>
+          <a:bodyPr rtlCol="0" anchor="t" anchorCtr="0"/>
+          <a:lstStyle/>
+          <a:p>
+            <a:r>
+              <a:rPr lang="en-US" dirty="0" err="1" smtClean="0">
+                <a:solidFill>
+                  <a:schemeClr val="tx1"/>
+                </a:solidFill>
+              </a:rPr>
+              <a:t>myTimer</a:t>
+            </a:r>
+            <a:endParaRPr lang="en-US" dirty="0" smtClean="0">
+              <a:solidFill>
+                <a:schemeClr val="tx1"/>
+              </a:solidFill>
+            </a:endParaRPr>
+          </a:p>
+          <a:p>
+            <a:r>
+              <a:rPr lang="en-US" dirty="0">
+                <a:solidFill>
+                  <a:schemeClr val="tx1"/>
+                </a:solidFill>
+              </a:rPr>
+              <a:t> </a:t>
+            </a:r>
+            <a:r>
+              <a:rPr lang="en-US" dirty="0" smtClean="0">
+                <a:solidFill>
+                  <a:schemeClr val="tx1"/>
+                </a:solidFill>
+              </a:rPr>
+              <a:t>- </a:t>
+            </a:r>
+            <a:r>
+              <a:rPr lang="en-US" dirty="0" err="1" smtClean="0">
+                <a:solidFill>
+                  <a:schemeClr val="tx1"/>
+                </a:solidFill>
+              </a:rPr>
+              <a:t>getTimerMS</a:t>
+            </a:r>
+            <a:endParaRPr lang="en-US" dirty="0" smtClean="0">
+              <a:solidFill>
+                <a:schemeClr val="tx1"/>
+              </a:solidFill>
+            </a:endParaRPr>
+          </a:p>
+          <a:p>
+            <a:r>
+              <a:rPr lang="en-US" dirty="0">
+                <a:solidFill>
+                  <a:schemeClr val="tx1"/>
+                </a:solidFill>
+              </a:rPr>
+              <a:t> </a:t>
+            </a:r>
+            <a:r>
+              <a:rPr lang="en-US" dirty="0" smtClean="0">
+                <a:solidFill>
+                  <a:schemeClr val="tx1"/>
+                </a:solidFill>
+              </a:rPr>
+              <a:t>- etc.</a:t>
+            </a:r>
+            <a:endParaRPr lang="en-CA" dirty="0">
+              <a:solidFill>
+                <a:schemeClr val="tx1"/>
+              </a:solidFill>
+            </a:endParaRPr>
+          </a:p>
+        </p:txBody>
+      </p:sp>
+      <p:sp>
+        <p:nvSpPr>
+          <p:cNvPr id="11" name="Rectangle 10"/>
+          <p:cNvSpPr/>
+          <p:nvPr/>
+        </p:nvSpPr>
+        <p:spPr>
+          <a:xfrm>
+            <a:off x="4230479" y="2943910"/>
+            <a:ext cx="1886670" cy="1256309"/>
+          </a:xfrm>
+          <a:prstGeom prst="rect">
+            <a:avLst/>
+          </a:prstGeom>
+          <a:solidFill>
+            <a:schemeClr val="accent2">
+              <a:lumMod val="40000"/>
+              <a:lumOff val="60000"/>
+            </a:schemeClr>
+          </a:solidFill>
+          <a:ln>
+            <a:solidFill>
+              <a:schemeClr val="tx1"/>
+            </a:solidFill>
+          </a:ln>
+        </p:spPr>
+        <p:style>
+          <a:lnRef idx="2">
+            <a:schemeClr val="accent1">
+              <a:shade val="50000"/>
+            </a:schemeClr>
+          </a:lnRef>
+          <a:fillRef idx="1">
+            <a:schemeClr val="accent1"/>
+          </a:fillRef>
+          <a:effectRef idx="0">
+            <a:schemeClr val="accent1"/>
+          </a:effectRef>
+          <a:fontRef idx="minor">
+            <a:schemeClr val="lt1"/>
+          </a:fontRef>
+        </p:style>
+        <p:txBody>
+          <a:bodyPr rtlCol="0" anchor="t" anchorCtr="0"/>
+          <a:lstStyle/>
+          <a:p>
+            <a:r>
+              <a:rPr lang="en-US" dirty="0" err="1" smtClean="0">
+                <a:solidFill>
+                  <a:schemeClr val="tx1"/>
+                </a:solidFill>
+              </a:rPr>
+              <a:t>myVideo</a:t>
+            </a:r>
+            <a:endParaRPr lang="en-US" dirty="0" smtClean="0">
+              <a:solidFill>
+                <a:schemeClr val="tx1"/>
+              </a:solidFill>
+            </a:endParaRPr>
+          </a:p>
+          <a:p>
+            <a:r>
+              <a:rPr lang="en-US" dirty="0">
+                <a:solidFill>
+                  <a:schemeClr val="tx1"/>
+                </a:solidFill>
+              </a:rPr>
+              <a:t> </a:t>
+            </a:r>
+            <a:r>
+              <a:rPr lang="en-US" dirty="0" smtClean="0">
+                <a:solidFill>
+                  <a:schemeClr val="tx1"/>
+                </a:solidFill>
+              </a:rPr>
+              <a:t>- </a:t>
+            </a:r>
+            <a:r>
+              <a:rPr lang="en-US" dirty="0" err="1" smtClean="0">
+                <a:solidFill>
+                  <a:schemeClr val="tx1"/>
+                </a:solidFill>
+              </a:rPr>
+              <a:t>drawPixel</a:t>
+            </a:r>
+            <a:endParaRPr lang="en-US" dirty="0" smtClean="0">
+              <a:solidFill>
+                <a:schemeClr val="tx1"/>
+              </a:solidFill>
+            </a:endParaRPr>
+          </a:p>
+          <a:p>
+            <a:r>
+              <a:rPr lang="en-US" dirty="0">
+                <a:solidFill>
+                  <a:schemeClr val="tx1"/>
+                </a:solidFill>
+              </a:rPr>
+              <a:t> </a:t>
+            </a:r>
+            <a:r>
+              <a:rPr lang="en-US" dirty="0" smtClean="0">
+                <a:solidFill>
+                  <a:schemeClr val="tx1"/>
+                </a:solidFill>
+              </a:rPr>
+              <a:t>- </a:t>
+            </a:r>
+            <a:r>
+              <a:rPr lang="en-US" dirty="0" err="1" smtClean="0">
+                <a:solidFill>
+                  <a:schemeClr val="tx1"/>
+                </a:solidFill>
+              </a:rPr>
+              <a:t>drawLineBuffer</a:t>
+            </a:r>
+            <a:endParaRPr lang="en-US" dirty="0" smtClean="0">
+              <a:solidFill>
+                <a:schemeClr val="tx1"/>
+              </a:solidFill>
+            </a:endParaRPr>
+          </a:p>
+          <a:p>
+            <a:r>
+              <a:rPr lang="en-US" dirty="0">
+                <a:solidFill>
+                  <a:schemeClr val="tx1"/>
+                </a:solidFill>
+              </a:rPr>
+              <a:t> </a:t>
+            </a:r>
+            <a:r>
+              <a:rPr lang="en-US" dirty="0" smtClean="0">
+                <a:solidFill>
+                  <a:schemeClr val="tx1"/>
+                </a:solidFill>
+              </a:rPr>
+              <a:t>- etc.</a:t>
+            </a:r>
+            <a:endParaRPr lang="en-CA" dirty="0">
+              <a:solidFill>
+                <a:schemeClr val="tx1"/>
+              </a:solidFill>
+            </a:endParaRPr>
+          </a:p>
+        </p:txBody>
+      </p:sp>
+      <p:sp>
+        <p:nvSpPr>
+          <p:cNvPr id="12" name="Rectangle 11"/>
+          <p:cNvSpPr/>
+          <p:nvPr/>
+        </p:nvSpPr>
+        <p:spPr>
+          <a:xfrm>
+            <a:off x="966974" y="5576597"/>
+            <a:ext cx="1171715" cy="392550"/>
+          </a:xfrm>
+          <a:prstGeom prst="rect">
+            <a:avLst/>
+          </a:prstGeom>
+          <a:solidFill>
+            <a:schemeClr val="accent2">
+              <a:lumMod val="40000"/>
+              <a:lumOff val="60000"/>
+            </a:schemeClr>
+          </a:solidFill>
+          <a:ln>
+            <a:solidFill>
+              <a:schemeClr val="tx1"/>
+            </a:solidFill>
+          </a:ln>
+        </p:spPr>
+        <p:style>
+          <a:lnRef idx="2">
+            <a:schemeClr val="accent1">
+              <a:shade val="50000"/>
+            </a:schemeClr>
+          </a:lnRef>
+          <a:fillRef idx="1">
+            <a:schemeClr val="accent1"/>
+          </a:fillRef>
+          <a:effectRef idx="0">
+            <a:schemeClr val="accent1"/>
+          </a:effectRef>
+          <a:fontRef idx="minor">
+            <a:schemeClr val="lt1"/>
+          </a:fontRef>
+        </p:style>
+        <p:txBody>
+          <a:bodyPr rtlCol="0" anchor="t" anchorCtr="0"/>
+          <a:lstStyle/>
+          <a:p>
+            <a:r>
+              <a:rPr lang="en-US" dirty="0" err="1" smtClean="0">
+                <a:solidFill>
+                  <a:schemeClr val="tx1"/>
+                </a:solidFill>
+              </a:rPr>
+              <a:t>charLcd</a:t>
+            </a:r>
+            <a:endParaRPr lang="en-CA" dirty="0">
+              <a:solidFill>
+                <a:schemeClr val="tx1"/>
+              </a:solidFill>
+            </a:endParaRPr>
+          </a:p>
+        </p:txBody>
+      </p:sp>
+      <p:sp>
+        <p:nvSpPr>
+          <p:cNvPr id="13" name="Rectangle 12"/>
+          <p:cNvSpPr/>
+          <p:nvPr/>
+        </p:nvSpPr>
+        <p:spPr>
+          <a:xfrm>
+            <a:off x="3733530" y="5568646"/>
+            <a:ext cx="1736755" cy="392550"/>
+          </a:xfrm>
+          <a:prstGeom prst="rect">
+            <a:avLst/>
+          </a:prstGeom>
+          <a:solidFill>
+            <a:schemeClr val="accent2">
+              <a:lumMod val="40000"/>
+              <a:lumOff val="60000"/>
+            </a:schemeClr>
+          </a:solidFill>
+          <a:ln>
+            <a:solidFill>
+              <a:schemeClr val="tx1"/>
+            </a:solidFill>
+          </a:ln>
+        </p:spPr>
+        <p:style>
+          <a:lnRef idx="2">
+            <a:schemeClr val="accent1">
+              <a:shade val="50000"/>
+            </a:schemeClr>
+          </a:lnRef>
+          <a:fillRef idx="1">
+            <a:schemeClr val="accent1"/>
+          </a:fillRef>
+          <a:effectRef idx="0">
+            <a:schemeClr val="accent1"/>
+          </a:effectRef>
+          <a:fontRef idx="minor">
+            <a:schemeClr val="lt1"/>
+          </a:fontRef>
+        </p:style>
+        <p:txBody>
+          <a:bodyPr rtlCol="0" anchor="t" anchorCtr="0"/>
+          <a:lstStyle/>
+          <a:p>
+            <a:r>
+              <a:rPr lang="en-US" dirty="0" smtClean="0">
+                <a:solidFill>
+                  <a:schemeClr val="tx1"/>
+                </a:solidFill>
+              </a:rPr>
+              <a:t>lcdST7735R_SPI</a:t>
+            </a:r>
+            <a:endParaRPr lang="en-CA" dirty="0">
+              <a:solidFill>
+                <a:schemeClr val="tx1"/>
+              </a:solidFill>
+            </a:endParaRPr>
+          </a:p>
+        </p:txBody>
+      </p:sp>
+      <p:sp>
+        <p:nvSpPr>
+          <p:cNvPr id="15" name="Rectangle 14"/>
+          <p:cNvSpPr/>
+          <p:nvPr/>
+        </p:nvSpPr>
+        <p:spPr>
+          <a:xfrm>
+            <a:off x="7066758" y="5568646"/>
+            <a:ext cx="1708044" cy="392550"/>
+          </a:xfrm>
+          <a:prstGeom prst="rect">
+            <a:avLst/>
+          </a:prstGeom>
+          <a:solidFill>
+            <a:schemeClr val="accent2">
+              <a:lumMod val="40000"/>
+              <a:lumOff val="60000"/>
+            </a:schemeClr>
+          </a:solidFill>
+          <a:ln>
+            <a:solidFill>
+              <a:schemeClr val="tx1"/>
+            </a:solidFill>
+          </a:ln>
+        </p:spPr>
+        <p:style>
+          <a:lnRef idx="2">
+            <a:schemeClr val="accent1">
+              <a:shade val="50000"/>
+            </a:schemeClr>
+          </a:lnRef>
+          <a:fillRef idx="1">
+            <a:schemeClr val="accent1"/>
+          </a:fillRef>
+          <a:effectRef idx="0">
+            <a:schemeClr val="accent1"/>
+          </a:effectRef>
+          <a:fontRef idx="minor">
+            <a:schemeClr val="lt1"/>
+          </a:fontRef>
+        </p:style>
+        <p:txBody>
+          <a:bodyPr rtlCol="0" anchor="t" anchorCtr="0"/>
+          <a:lstStyle/>
+          <a:p>
+            <a:r>
+              <a:rPr lang="en-US" dirty="0" smtClean="0">
+                <a:solidFill>
+                  <a:schemeClr val="tx1"/>
+                </a:solidFill>
+              </a:rPr>
+              <a:t>timer0System</a:t>
+            </a:r>
+            <a:endParaRPr lang="en-CA" dirty="0">
+              <a:solidFill>
+                <a:schemeClr val="tx1"/>
+              </a:solidFill>
+            </a:endParaRPr>
+          </a:p>
+        </p:txBody>
+      </p:sp>
+      <p:sp>
+        <p:nvSpPr>
+          <p:cNvPr id="16" name="Rectangle 15"/>
+          <p:cNvSpPr/>
+          <p:nvPr/>
+        </p:nvSpPr>
+        <p:spPr>
+          <a:xfrm>
+            <a:off x="2515572" y="5584548"/>
+            <a:ext cx="795666" cy="392550"/>
+          </a:xfrm>
+          <a:prstGeom prst="rect">
+            <a:avLst/>
+          </a:prstGeom>
+          <a:solidFill>
+            <a:schemeClr val="accent2">
+              <a:lumMod val="40000"/>
+              <a:lumOff val="60000"/>
+            </a:schemeClr>
+          </a:solidFill>
+          <a:ln>
+            <a:solidFill>
+              <a:schemeClr val="tx1"/>
+            </a:solidFill>
+          </a:ln>
+        </p:spPr>
+        <p:style>
+          <a:lnRef idx="2">
+            <a:schemeClr val="accent1">
+              <a:shade val="50000"/>
+            </a:schemeClr>
+          </a:lnRef>
+          <a:fillRef idx="1">
+            <a:schemeClr val="accent1"/>
+          </a:fillRef>
+          <a:effectRef idx="0">
+            <a:schemeClr val="accent1"/>
+          </a:effectRef>
+          <a:fontRef idx="minor">
+            <a:schemeClr val="lt1"/>
+          </a:fontRef>
+        </p:style>
+        <p:txBody>
+          <a:bodyPr rtlCol="0" anchor="t" anchorCtr="0"/>
+          <a:lstStyle/>
+          <a:p>
+            <a:r>
+              <a:rPr lang="en-US" dirty="0" smtClean="0">
+                <a:solidFill>
+                  <a:schemeClr val="tx1"/>
+                </a:solidFill>
+              </a:rPr>
+              <a:t>uart0</a:t>
+            </a:r>
+            <a:endParaRPr lang="en-CA" dirty="0">
+              <a:solidFill>
+                <a:schemeClr val="tx1"/>
+              </a:solidFill>
+            </a:endParaRPr>
+          </a:p>
+        </p:txBody>
+      </p:sp>
+      <p:sp>
+        <p:nvSpPr>
+          <p:cNvPr id="17" name="Rectangle 16"/>
+          <p:cNvSpPr/>
+          <p:nvPr/>
+        </p:nvSpPr>
+        <p:spPr>
+          <a:xfrm>
+            <a:off x="8248132" y="6335666"/>
+            <a:ext cx="878912" cy="392550"/>
+          </a:xfrm>
+          <a:prstGeom prst="rect">
+            <a:avLst/>
+          </a:prstGeom>
+          <a:solidFill>
+            <a:schemeClr val="accent2">
+              <a:lumMod val="40000"/>
+              <a:lumOff val="60000"/>
+            </a:schemeClr>
+          </a:solidFill>
+          <a:ln>
+            <a:solidFill>
+              <a:schemeClr val="tx1"/>
+            </a:solidFill>
+          </a:ln>
+        </p:spPr>
+        <p:style>
+          <a:lnRef idx="2">
+            <a:schemeClr val="accent1">
+              <a:shade val="50000"/>
+            </a:schemeClr>
+          </a:lnRef>
+          <a:fillRef idx="1">
+            <a:schemeClr val="accent1"/>
+          </a:fillRef>
+          <a:effectRef idx="0">
+            <a:schemeClr val="accent1"/>
+          </a:effectRef>
+          <a:fontRef idx="minor">
+            <a:schemeClr val="lt1"/>
+          </a:fontRef>
+        </p:style>
+        <p:txBody>
+          <a:bodyPr rtlCol="0" anchor="t" anchorCtr="0"/>
+          <a:lstStyle/>
+          <a:p>
+            <a:r>
+              <a:rPr lang="en-US" dirty="0" err="1" smtClean="0">
+                <a:solidFill>
+                  <a:schemeClr val="tx1"/>
+                </a:solidFill>
+              </a:rPr>
+              <a:t>spi</a:t>
+            </a:r>
+            <a:endParaRPr lang="en-CA" dirty="0">
+              <a:solidFill>
+                <a:schemeClr val="tx1"/>
+              </a:solidFill>
+            </a:endParaRPr>
+          </a:p>
+        </p:txBody>
+      </p:sp>
+      <p:sp>
+        <p:nvSpPr>
+          <p:cNvPr id="18" name="Rectangle 17"/>
+          <p:cNvSpPr/>
+          <p:nvPr/>
+        </p:nvSpPr>
+        <p:spPr>
+          <a:xfrm>
+            <a:off x="9478891" y="2951863"/>
+            <a:ext cx="1377565" cy="392550"/>
+          </a:xfrm>
+          <a:prstGeom prst="rect">
+            <a:avLst/>
+          </a:prstGeom>
+          <a:solidFill>
+            <a:schemeClr val="accent2">
+              <a:lumMod val="40000"/>
+              <a:lumOff val="60000"/>
+            </a:schemeClr>
+          </a:solidFill>
+          <a:ln>
+            <a:solidFill>
+              <a:schemeClr val="tx1"/>
+            </a:solidFill>
+          </a:ln>
+        </p:spPr>
+        <p:style>
+          <a:lnRef idx="2">
+            <a:schemeClr val="accent1">
+              <a:shade val="50000"/>
+            </a:schemeClr>
+          </a:lnRef>
+          <a:fillRef idx="1">
+            <a:schemeClr val="accent1"/>
+          </a:fillRef>
+          <a:effectRef idx="0">
+            <a:schemeClr val="accent1"/>
+          </a:effectRef>
+          <a:fontRef idx="minor">
+            <a:schemeClr val="lt1"/>
+          </a:fontRef>
+        </p:style>
+        <p:txBody>
+          <a:bodyPr rtlCol="0" anchor="t" anchorCtr="0"/>
+          <a:lstStyle/>
+          <a:p>
+            <a:r>
+              <a:rPr lang="en-US" dirty="0" err="1" smtClean="0">
+                <a:solidFill>
+                  <a:schemeClr val="tx1"/>
+                </a:solidFill>
+              </a:rPr>
+              <a:t>petitFatFS</a:t>
+            </a:r>
+            <a:endParaRPr lang="en-CA" dirty="0">
+              <a:solidFill>
+                <a:schemeClr val="tx1"/>
+              </a:solidFill>
+            </a:endParaRPr>
+          </a:p>
+        </p:txBody>
+      </p:sp>
+      <p:sp>
+        <p:nvSpPr>
+          <p:cNvPr id="19" name="Rectangle 18"/>
+          <p:cNvSpPr/>
+          <p:nvPr/>
+        </p:nvSpPr>
+        <p:spPr>
+          <a:xfrm>
+            <a:off x="4944185" y="1713068"/>
+            <a:ext cx="729753" cy="349857"/>
+          </a:xfrm>
+          <a:prstGeom prst="rect">
+            <a:avLst/>
+          </a:prstGeom>
+          <a:solidFill>
+            <a:schemeClr val="accent4">
+              <a:lumMod val="20000"/>
+              <a:lumOff val="80000"/>
+            </a:schemeClr>
+          </a:solidFill>
+          <a:ln>
+            <a:solidFill>
+              <a:schemeClr val="tx1"/>
+            </a:solidFill>
+          </a:ln>
+        </p:spPr>
+        <p:style>
+          <a:lnRef idx="2">
+            <a:schemeClr val="accent1">
+              <a:shade val="50000"/>
+            </a:schemeClr>
+          </a:lnRef>
+          <a:fillRef idx="1">
+            <a:schemeClr val="accent1"/>
+          </a:fillRef>
+          <a:effectRef idx="0">
+            <a:schemeClr val="accent1"/>
+          </a:effectRef>
+          <a:fontRef idx="minor">
+            <a:schemeClr val="lt1"/>
+          </a:fontRef>
+        </p:style>
+        <p:txBody>
+          <a:bodyPr rtlCol="0" anchor="t" anchorCtr="0"/>
+          <a:lstStyle/>
+          <a:p>
+            <a:endParaRPr lang="en-CA" dirty="0">
+              <a:solidFill>
+                <a:schemeClr val="tx1"/>
+              </a:solidFill>
+            </a:endParaRPr>
+          </a:p>
+        </p:txBody>
+      </p:sp>
+      <p:sp>
+        <p:nvSpPr>
+          <p:cNvPr id="20" name="Rectangle 19"/>
+          <p:cNvSpPr/>
+          <p:nvPr/>
+        </p:nvSpPr>
+        <p:spPr>
+          <a:xfrm>
+            <a:off x="5716701" y="1764728"/>
+            <a:ext cx="1606658" cy="461665"/>
+          </a:xfrm>
+          <a:prstGeom prst="rect">
+            <a:avLst/>
+          </a:prstGeom>
+        </p:spPr>
+        <p:txBody>
+          <a:bodyPr wrap="none">
+            <a:spAutoFit/>
+          </a:bodyPr>
+          <a:lstStyle/>
+          <a:p>
+            <a:r>
+              <a:rPr lang="en-US" sz="2400" b="1" dirty="0" smtClean="0">
+                <a:solidFill>
+                  <a:schemeClr val="accent1">
+                    <a:lumMod val="50000"/>
+                  </a:schemeClr>
+                </a:solidFill>
+              </a:rPr>
+              <a:t>application</a:t>
+            </a:r>
+            <a:endParaRPr lang="en-CA" sz="2400" b="1" dirty="0">
+              <a:solidFill>
+                <a:schemeClr val="accent1">
+                  <a:lumMod val="50000"/>
+                </a:schemeClr>
+              </a:solidFill>
+            </a:endParaRPr>
+          </a:p>
+        </p:txBody>
+      </p:sp>
+      <p:cxnSp>
+        <p:nvCxnSpPr>
+          <p:cNvPr id="23" name="Straight Arrow Connector 22"/>
+          <p:cNvCxnSpPr>
+            <a:stCxn id="9" idx="2"/>
+            <a:endCxn id="12" idx="0"/>
+          </p:cNvCxnSpPr>
+          <p:nvPr/>
+        </p:nvCxnSpPr>
+        <p:spPr>
+          <a:xfrm flipH="1">
+            <a:off x="1552832" y="4200219"/>
+            <a:ext cx="1236031" cy="1376378"/>
+          </a:xfrm>
+          <a:prstGeom prst="straightConnector1">
+            <a:avLst/>
+          </a:prstGeom>
+          <a:ln>
+            <a:tailEnd type="triangle"/>
+          </a:ln>
+        </p:spPr>
+        <p:style>
+          <a:lnRef idx="1">
+            <a:schemeClr val="accent1"/>
+          </a:lnRef>
+          <a:fillRef idx="0">
+            <a:schemeClr val="accent1"/>
+          </a:fillRef>
+          <a:effectRef idx="0">
+            <a:schemeClr val="accent1"/>
+          </a:effectRef>
+          <a:fontRef idx="minor">
+            <a:schemeClr val="tx1"/>
+          </a:fontRef>
+        </p:style>
+      </p:cxnSp>
+      <p:cxnSp>
+        <p:nvCxnSpPr>
+          <p:cNvPr id="24" name="Straight Arrow Connector 23"/>
+          <p:cNvCxnSpPr>
+            <a:stCxn id="9" idx="2"/>
+            <a:endCxn id="13" idx="0"/>
+          </p:cNvCxnSpPr>
+          <p:nvPr/>
+        </p:nvCxnSpPr>
+        <p:spPr>
+          <a:xfrm>
+            <a:off x="2788863" y="4200219"/>
+            <a:ext cx="1813045" cy="1368427"/>
+          </a:xfrm>
+          <a:prstGeom prst="straightConnector1">
+            <a:avLst/>
+          </a:prstGeom>
+          <a:ln>
+            <a:tailEnd type="triangle"/>
+          </a:ln>
+        </p:spPr>
+        <p:style>
+          <a:lnRef idx="1">
+            <a:schemeClr val="accent1"/>
+          </a:lnRef>
+          <a:fillRef idx="0">
+            <a:schemeClr val="accent1"/>
+          </a:fillRef>
+          <a:effectRef idx="0">
+            <a:schemeClr val="accent1"/>
+          </a:effectRef>
+          <a:fontRef idx="minor">
+            <a:schemeClr val="tx1"/>
+          </a:fontRef>
+        </p:style>
+      </p:cxnSp>
+      <p:cxnSp>
+        <p:nvCxnSpPr>
+          <p:cNvPr id="27" name="Straight Arrow Connector 26"/>
+          <p:cNvCxnSpPr>
+            <a:stCxn id="11" idx="2"/>
+            <a:endCxn id="13" idx="0"/>
+          </p:cNvCxnSpPr>
+          <p:nvPr/>
+        </p:nvCxnSpPr>
+        <p:spPr>
+          <a:xfrm flipH="1">
+            <a:off x="4601908" y="4200219"/>
+            <a:ext cx="571906" cy="1368427"/>
+          </a:xfrm>
+          <a:prstGeom prst="straightConnector1">
+            <a:avLst/>
+          </a:prstGeom>
+          <a:ln>
+            <a:tailEnd type="triangle"/>
+          </a:ln>
+        </p:spPr>
+        <p:style>
+          <a:lnRef idx="1">
+            <a:schemeClr val="accent1"/>
+          </a:lnRef>
+          <a:fillRef idx="0">
+            <a:schemeClr val="accent1"/>
+          </a:fillRef>
+          <a:effectRef idx="0">
+            <a:schemeClr val="accent1"/>
+          </a:effectRef>
+          <a:fontRef idx="minor">
+            <a:schemeClr val="tx1"/>
+          </a:fontRef>
+        </p:style>
+      </p:cxnSp>
+      <p:cxnSp>
+        <p:nvCxnSpPr>
+          <p:cNvPr id="30" name="Straight Arrow Connector 29"/>
+          <p:cNvCxnSpPr>
+            <a:stCxn id="9" idx="2"/>
+            <a:endCxn id="16" idx="0"/>
+          </p:cNvCxnSpPr>
+          <p:nvPr/>
+        </p:nvCxnSpPr>
+        <p:spPr>
+          <a:xfrm>
+            <a:off x="2788863" y="4200219"/>
+            <a:ext cx="124542" cy="1384329"/>
+          </a:xfrm>
+          <a:prstGeom prst="straightConnector1">
+            <a:avLst/>
+          </a:prstGeom>
+          <a:ln>
+            <a:tailEnd type="triangle"/>
+          </a:ln>
+        </p:spPr>
+        <p:style>
+          <a:lnRef idx="1">
+            <a:schemeClr val="accent1"/>
+          </a:lnRef>
+          <a:fillRef idx="0">
+            <a:schemeClr val="accent1"/>
+          </a:fillRef>
+          <a:effectRef idx="0">
+            <a:schemeClr val="accent1"/>
+          </a:effectRef>
+          <a:fontRef idx="minor">
+            <a:schemeClr val="tx1"/>
+          </a:fontRef>
+        </p:style>
+      </p:cxnSp>
+      <p:cxnSp>
+        <p:nvCxnSpPr>
+          <p:cNvPr id="39" name="Straight Arrow Connector 38"/>
+          <p:cNvCxnSpPr>
+            <a:stCxn id="10" idx="2"/>
+            <a:endCxn id="15" idx="0"/>
+          </p:cNvCxnSpPr>
+          <p:nvPr/>
+        </p:nvCxnSpPr>
+        <p:spPr>
+          <a:xfrm>
+            <a:off x="7640260" y="4200219"/>
+            <a:ext cx="280520" cy="1368427"/>
+          </a:xfrm>
+          <a:prstGeom prst="straightConnector1">
+            <a:avLst/>
+          </a:prstGeom>
+          <a:ln>
+            <a:tailEnd type="triangle"/>
+          </a:ln>
+        </p:spPr>
+        <p:style>
+          <a:lnRef idx="1">
+            <a:schemeClr val="accent1"/>
+          </a:lnRef>
+          <a:fillRef idx="0">
+            <a:schemeClr val="accent1"/>
+          </a:fillRef>
+          <a:effectRef idx="0">
+            <a:schemeClr val="accent1"/>
+          </a:effectRef>
+          <a:fontRef idx="minor">
+            <a:schemeClr val="tx1"/>
+          </a:fontRef>
+        </p:style>
+      </p:cxnSp>
+      <p:cxnSp>
+        <p:nvCxnSpPr>
+          <p:cNvPr id="43" name="Straight Arrow Connector 42"/>
+          <p:cNvCxnSpPr>
+            <a:stCxn id="13" idx="2"/>
+            <a:endCxn id="17" idx="0"/>
+          </p:cNvCxnSpPr>
+          <p:nvPr/>
+        </p:nvCxnSpPr>
+        <p:spPr>
+          <a:xfrm>
+            <a:off x="4601908" y="5961196"/>
+            <a:ext cx="4085680" cy="374470"/>
+          </a:xfrm>
+          <a:prstGeom prst="straightConnector1">
+            <a:avLst/>
+          </a:prstGeom>
+          <a:ln>
+            <a:tailEnd type="triangle"/>
+          </a:ln>
+        </p:spPr>
+        <p:style>
+          <a:lnRef idx="1">
+            <a:schemeClr val="accent1"/>
+          </a:lnRef>
+          <a:fillRef idx="0">
+            <a:schemeClr val="accent1"/>
+          </a:fillRef>
+          <a:effectRef idx="0">
+            <a:schemeClr val="accent1"/>
+          </a:effectRef>
+          <a:fontRef idx="minor">
+            <a:schemeClr val="tx1"/>
+          </a:fontRef>
+        </p:style>
+      </p:cxnSp>
+      <p:cxnSp>
+        <p:nvCxnSpPr>
+          <p:cNvPr id="46" name="Straight Arrow Connector 45"/>
+          <p:cNvCxnSpPr>
+            <a:stCxn id="18" idx="2"/>
+            <a:endCxn id="17" idx="0"/>
+          </p:cNvCxnSpPr>
+          <p:nvPr/>
+        </p:nvCxnSpPr>
+        <p:spPr>
+          <a:xfrm flipH="1">
+            <a:off x="8687588" y="3344413"/>
+            <a:ext cx="1480086" cy="2991253"/>
+          </a:xfrm>
+          <a:prstGeom prst="straightConnector1">
+            <a:avLst/>
+          </a:prstGeom>
+          <a:ln>
+            <a:tailEnd type="triangle"/>
+          </a:ln>
+        </p:spPr>
+        <p:style>
+          <a:lnRef idx="1">
+            <a:schemeClr val="accent1"/>
+          </a:lnRef>
+          <a:fillRef idx="0">
+            <a:schemeClr val="accent1"/>
+          </a:fillRef>
+          <a:effectRef idx="0">
+            <a:schemeClr val="accent1"/>
+          </a:effectRef>
+          <a:fontRef idx="minor">
+            <a:schemeClr val="tx1"/>
+          </a:fontRef>
+        </p:style>
+      </p:cxnSp>
+      <p:sp>
+        <p:nvSpPr>
+          <p:cNvPr id="54" name="Rectangular Callout 53"/>
+          <p:cNvSpPr/>
+          <p:nvPr/>
+        </p:nvSpPr>
+        <p:spPr>
+          <a:xfrm>
+            <a:off x="8380300" y="661353"/>
+            <a:ext cx="1561888" cy="668141"/>
+          </a:xfrm>
+          <a:prstGeom prst="wedgeRectCallout">
+            <a:avLst>
+              <a:gd name="adj1" fmla="val -78093"/>
+              <a:gd name="adj2" fmla="val 24034"/>
+            </a:avLst>
+          </a:prstGeom>
+          <a:solidFill>
+            <a:schemeClr val="accent6">
+              <a:lumMod val="20000"/>
+              <a:lumOff val="80000"/>
+            </a:schemeClr>
+          </a:solidFill>
+          <a:ln>
+            <a:solidFill>
+              <a:schemeClr val="tx1"/>
+            </a:solidFill>
+          </a:ln>
+        </p:spPr>
+        <p:style>
+          <a:lnRef idx="2">
+            <a:schemeClr val="accent1">
+              <a:shade val="50000"/>
+            </a:schemeClr>
+          </a:lnRef>
+          <a:fillRef idx="1">
+            <a:schemeClr val="accent1"/>
+          </a:fillRef>
+          <a:effectRef idx="0">
+            <a:schemeClr val="accent1"/>
+          </a:effectRef>
+          <a:fontRef idx="minor">
+            <a:schemeClr val="lt1"/>
+          </a:fontRef>
+        </p:style>
+        <p:txBody>
+          <a:bodyPr rtlCol="0" anchor="t" anchorCtr="0"/>
+          <a:lstStyle/>
+          <a:p>
+            <a:r>
+              <a:rPr lang="en-US" sz="1600" dirty="0" smtClean="0">
+                <a:solidFill>
+                  <a:schemeClr val="tx1"/>
+                </a:solidFill>
+              </a:rPr>
+              <a:t>Call application to run</a:t>
+            </a:r>
+            <a:endParaRPr lang="en-CA" sz="1600" dirty="0">
+              <a:solidFill>
+                <a:schemeClr val="tx1"/>
+              </a:solidFill>
+            </a:endParaRPr>
+          </a:p>
+        </p:txBody>
+      </p:sp>
+      <p:sp>
+        <p:nvSpPr>
+          <p:cNvPr id="55" name="Rectangular Callout 54"/>
+          <p:cNvSpPr/>
+          <p:nvPr/>
+        </p:nvSpPr>
+        <p:spPr>
+          <a:xfrm>
+            <a:off x="942990" y="6287851"/>
+            <a:ext cx="2090661" cy="574993"/>
+          </a:xfrm>
+          <a:prstGeom prst="wedgeRectCallout">
+            <a:avLst>
+              <a:gd name="adj1" fmla="val 30782"/>
+              <a:gd name="adj2" fmla="val -61075"/>
+            </a:avLst>
+          </a:prstGeom>
+          <a:solidFill>
+            <a:schemeClr val="accent6">
+              <a:lumMod val="20000"/>
+              <a:lumOff val="80000"/>
+            </a:schemeClr>
+          </a:solidFill>
+          <a:ln>
+            <a:solidFill>
+              <a:schemeClr val="tx1"/>
+            </a:solidFill>
+          </a:ln>
+        </p:spPr>
+        <p:style>
+          <a:lnRef idx="2">
+            <a:schemeClr val="accent1">
+              <a:shade val="50000"/>
+            </a:schemeClr>
+          </a:lnRef>
+          <a:fillRef idx="1">
+            <a:schemeClr val="accent1"/>
+          </a:fillRef>
+          <a:effectRef idx="0">
+            <a:schemeClr val="accent1"/>
+          </a:effectRef>
+          <a:fontRef idx="minor">
+            <a:schemeClr val="lt1"/>
+          </a:fontRef>
+        </p:style>
+        <p:txBody>
+          <a:bodyPr rtlCol="0" anchor="t" anchorCtr="0"/>
+          <a:lstStyle/>
+          <a:p>
+            <a:r>
+              <a:rPr lang="en-US" sz="1400" dirty="0" smtClean="0">
+                <a:solidFill>
+                  <a:schemeClr val="tx1"/>
+                </a:solidFill>
+              </a:rPr>
+              <a:t>Each resource module has </a:t>
+            </a:r>
+            <a:r>
+              <a:rPr lang="en-US" sz="1400" dirty="0" err="1" smtClean="0">
+                <a:solidFill>
+                  <a:schemeClr val="tx1"/>
+                </a:solidFill>
+              </a:rPr>
+              <a:t>XXXconfig.h</a:t>
+            </a:r>
+            <a:r>
+              <a:rPr lang="en-US" sz="1400" dirty="0" smtClean="0">
+                <a:solidFill>
+                  <a:schemeClr val="tx1"/>
+                </a:solidFill>
+              </a:rPr>
+              <a:t> for porting</a:t>
+            </a:r>
+            <a:endParaRPr lang="en-CA" sz="1400" dirty="0">
+              <a:solidFill>
+                <a:schemeClr val="tx1"/>
+              </a:solidFill>
+            </a:endParaRPr>
+          </a:p>
+        </p:txBody>
+      </p:sp>
+      <p:cxnSp>
+        <p:nvCxnSpPr>
+          <p:cNvPr id="56" name="Straight Arrow Connector 55"/>
+          <p:cNvCxnSpPr>
+            <a:stCxn id="5" idx="2"/>
+            <a:endCxn id="19" idx="0"/>
+          </p:cNvCxnSpPr>
+          <p:nvPr/>
+        </p:nvCxnSpPr>
+        <p:spPr>
+          <a:xfrm flipH="1">
+            <a:off x="5309062" y="1398899"/>
+            <a:ext cx="1292364" cy="314169"/>
+          </a:xfrm>
+          <a:prstGeom prst="straightConnector1">
+            <a:avLst/>
+          </a:prstGeom>
+          <a:ln>
+            <a:tailEnd type="triangle"/>
+          </a:ln>
+        </p:spPr>
+        <p:style>
+          <a:lnRef idx="1">
+            <a:schemeClr val="accent1"/>
+          </a:lnRef>
+          <a:fillRef idx="0">
+            <a:schemeClr val="accent1"/>
+          </a:fillRef>
+          <a:effectRef idx="0">
+            <a:schemeClr val="accent1"/>
+          </a:effectRef>
+          <a:fontRef idx="minor">
+            <a:schemeClr val="tx1"/>
+          </a:fontRef>
+        </p:style>
+      </p:cxnSp>
+      <p:cxnSp>
+        <p:nvCxnSpPr>
+          <p:cNvPr id="59" name="Straight Arrow Connector 58"/>
+          <p:cNvCxnSpPr>
+            <a:stCxn id="19" idx="2"/>
+            <a:endCxn id="6" idx="0"/>
+          </p:cNvCxnSpPr>
+          <p:nvPr/>
+        </p:nvCxnSpPr>
+        <p:spPr>
+          <a:xfrm flipH="1">
+            <a:off x="5303904" y="2062925"/>
+            <a:ext cx="5158" cy="624281"/>
+          </a:xfrm>
+          <a:prstGeom prst="straightConnector1">
+            <a:avLst/>
+          </a:prstGeom>
+          <a:ln>
+            <a:tailEnd type="triangle"/>
+          </a:ln>
+        </p:spPr>
+        <p:style>
+          <a:lnRef idx="1">
+            <a:schemeClr val="accent1"/>
+          </a:lnRef>
+          <a:fillRef idx="0">
+            <a:schemeClr val="accent1"/>
+          </a:fillRef>
+          <a:effectRef idx="0">
+            <a:schemeClr val="accent1"/>
+          </a:effectRef>
+          <a:fontRef idx="minor">
+            <a:schemeClr val="tx1"/>
+          </a:fontRef>
+        </p:style>
+      </p:cxnSp>
+      <p:sp>
+        <p:nvSpPr>
+          <p:cNvPr id="66" name="Rectangle 65"/>
+          <p:cNvSpPr/>
+          <p:nvPr/>
+        </p:nvSpPr>
+        <p:spPr>
+          <a:xfrm>
+            <a:off x="11150600" y="2943910"/>
+            <a:ext cx="790357" cy="392550"/>
+          </a:xfrm>
+          <a:prstGeom prst="rect">
+            <a:avLst/>
+          </a:prstGeom>
+          <a:solidFill>
+            <a:schemeClr val="accent2">
+              <a:lumMod val="40000"/>
+              <a:lumOff val="60000"/>
+            </a:schemeClr>
+          </a:solidFill>
+          <a:ln>
+            <a:solidFill>
+              <a:schemeClr val="tx1"/>
+            </a:solidFill>
+          </a:ln>
+        </p:spPr>
+        <p:style>
+          <a:lnRef idx="2">
+            <a:schemeClr val="accent1">
+              <a:shade val="50000"/>
+            </a:schemeClr>
+          </a:lnRef>
+          <a:fillRef idx="1">
+            <a:schemeClr val="accent1"/>
+          </a:fillRef>
+          <a:effectRef idx="0">
+            <a:schemeClr val="accent1"/>
+          </a:effectRef>
+          <a:fontRef idx="minor">
+            <a:schemeClr val="lt1"/>
+          </a:fontRef>
+        </p:style>
+        <p:txBody>
+          <a:bodyPr rtlCol="0" anchor="t" anchorCtr="0"/>
+          <a:lstStyle/>
+          <a:p>
+            <a:r>
+              <a:rPr lang="en-US" dirty="0" smtClean="0">
+                <a:solidFill>
+                  <a:schemeClr val="tx1"/>
+                </a:solidFill>
+              </a:rPr>
+              <a:t>color</a:t>
+            </a:r>
+            <a:endParaRPr lang="en-CA" dirty="0">
+              <a:solidFill>
+                <a:schemeClr val="tx1"/>
+              </a:solidFill>
+            </a:endParaRPr>
+          </a:p>
+        </p:txBody>
+      </p:sp>
+      <p:sp>
+        <p:nvSpPr>
+          <p:cNvPr id="67" name="Rectangle 66"/>
+          <p:cNvSpPr/>
+          <p:nvPr/>
+        </p:nvSpPr>
+        <p:spPr>
+          <a:xfrm>
+            <a:off x="11147875" y="3607950"/>
+            <a:ext cx="790357" cy="392550"/>
+          </a:xfrm>
+          <a:prstGeom prst="rect">
+            <a:avLst/>
+          </a:prstGeom>
+          <a:solidFill>
+            <a:schemeClr val="accent2">
+              <a:lumMod val="40000"/>
+              <a:lumOff val="60000"/>
+            </a:schemeClr>
+          </a:solidFill>
+          <a:ln>
+            <a:solidFill>
+              <a:schemeClr val="tx1"/>
+            </a:solidFill>
+          </a:ln>
+        </p:spPr>
+        <p:style>
+          <a:lnRef idx="2">
+            <a:schemeClr val="accent1">
+              <a:shade val="50000"/>
+            </a:schemeClr>
+          </a:lnRef>
+          <a:fillRef idx="1">
+            <a:schemeClr val="accent1"/>
+          </a:fillRef>
+          <a:effectRef idx="0">
+            <a:schemeClr val="accent1"/>
+          </a:effectRef>
+          <a:fontRef idx="minor">
+            <a:schemeClr val="lt1"/>
+          </a:fontRef>
+        </p:style>
+        <p:txBody>
+          <a:bodyPr rtlCol="0" anchor="t" anchorCtr="0"/>
+          <a:lstStyle/>
+          <a:p>
+            <a:r>
+              <a:rPr lang="en-US" dirty="0" smtClean="0">
+                <a:solidFill>
+                  <a:schemeClr val="tx1"/>
+                </a:solidFill>
+              </a:rPr>
+              <a:t>font</a:t>
+            </a:r>
+            <a:endParaRPr lang="en-CA" dirty="0">
+              <a:solidFill>
+                <a:schemeClr val="tx1"/>
+              </a:solidFill>
+            </a:endParaRPr>
+          </a:p>
+        </p:txBody>
+      </p:sp>
+      <p:sp>
+        <p:nvSpPr>
+          <p:cNvPr id="68" name="Rectangular Callout 67"/>
+          <p:cNvSpPr/>
+          <p:nvPr/>
+        </p:nvSpPr>
+        <p:spPr>
+          <a:xfrm>
+            <a:off x="498308" y="3336460"/>
+            <a:ext cx="1354258" cy="751126"/>
+          </a:xfrm>
+          <a:prstGeom prst="wedgeRectCallout">
+            <a:avLst>
+              <a:gd name="adj1" fmla="val 58337"/>
+              <a:gd name="adj2" fmla="val 82742"/>
+            </a:avLst>
+          </a:prstGeom>
+          <a:solidFill>
+            <a:schemeClr val="accent6">
+              <a:lumMod val="20000"/>
+              <a:lumOff val="80000"/>
+            </a:schemeClr>
+          </a:solidFill>
+          <a:ln>
+            <a:solidFill>
+              <a:schemeClr val="tx1"/>
+            </a:solidFill>
+          </a:ln>
+        </p:spPr>
+        <p:style>
+          <a:lnRef idx="2">
+            <a:schemeClr val="accent1">
+              <a:shade val="50000"/>
+            </a:schemeClr>
+          </a:lnRef>
+          <a:fillRef idx="1">
+            <a:schemeClr val="accent1"/>
+          </a:fillRef>
+          <a:effectRef idx="0">
+            <a:schemeClr val="accent1"/>
+          </a:effectRef>
+          <a:fontRef idx="minor">
+            <a:schemeClr val="lt1"/>
+          </a:fontRef>
+        </p:style>
+        <p:txBody>
+          <a:bodyPr rtlCol="0" anchor="t" anchorCtr="0"/>
+          <a:lstStyle/>
+          <a:p>
+            <a:r>
+              <a:rPr lang="en-US" sz="1400" dirty="0" err="1" smtClean="0">
+                <a:solidFill>
+                  <a:schemeClr val="tx1"/>
+                </a:solidFill>
+              </a:rPr>
+              <a:t>myRetarget.h</a:t>
+            </a:r>
+            <a:endParaRPr lang="en-US" sz="1400" dirty="0" smtClean="0">
+              <a:solidFill>
+                <a:schemeClr val="tx1"/>
+              </a:solidFill>
+            </a:endParaRPr>
+          </a:p>
+          <a:p>
+            <a:r>
+              <a:rPr lang="en-US" sz="1400" dirty="0" smtClean="0">
+                <a:solidFill>
+                  <a:schemeClr val="tx1"/>
+                </a:solidFill>
+              </a:rPr>
+              <a:t>switches which resource to use</a:t>
+            </a:r>
+            <a:endParaRPr lang="en-CA" sz="1400" dirty="0">
+              <a:solidFill>
+                <a:schemeClr val="tx1"/>
+              </a:solidFill>
+            </a:endParaRPr>
+          </a:p>
+        </p:txBody>
+      </p:sp>
+      <p:sp>
+        <p:nvSpPr>
+          <p:cNvPr id="69" name="Rectangle 68"/>
+          <p:cNvSpPr/>
+          <p:nvPr/>
+        </p:nvSpPr>
+        <p:spPr>
+          <a:xfrm>
+            <a:off x="9161244" y="2142145"/>
+            <a:ext cx="1006429" cy="461665"/>
+          </a:xfrm>
+          <a:prstGeom prst="rect">
+            <a:avLst/>
+          </a:prstGeom>
+        </p:spPr>
+        <p:txBody>
+          <a:bodyPr wrap="none">
+            <a:spAutoFit/>
+          </a:bodyPr>
+          <a:lstStyle/>
+          <a:p>
+            <a:r>
+              <a:rPr lang="en-US" sz="2400" b="1" dirty="0" smtClean="0">
+                <a:solidFill>
+                  <a:schemeClr val="accent1">
+                    <a:lumMod val="50000"/>
+                  </a:schemeClr>
+                </a:solidFill>
+              </a:rPr>
+              <a:t>others</a:t>
+            </a:r>
+            <a:endParaRPr lang="en-CA" sz="2400" b="1" dirty="0">
+              <a:solidFill>
+                <a:schemeClr val="accent1">
+                  <a:lumMod val="50000"/>
+                </a:schemeClr>
+              </a:solidFill>
+            </a:endParaRPr>
+          </a:p>
+        </p:txBody>
+      </p:sp>
+      <p:sp>
+        <p:nvSpPr>
+          <p:cNvPr id="70" name="Up-Down Arrow 69"/>
+          <p:cNvSpPr/>
+          <p:nvPr/>
+        </p:nvSpPr>
+        <p:spPr>
+          <a:xfrm>
+            <a:off x="81643" y="4991169"/>
+            <a:ext cx="213401" cy="1866831"/>
+          </a:xfrm>
+          <a:prstGeom prst="upDownArrow">
+            <a:avLst/>
+          </a:prstGeom>
+          <a:solidFill>
+            <a:schemeClr val="accent4">
+              <a:lumMod val="40000"/>
+              <a:lumOff val="60000"/>
+            </a:schemeClr>
+          </a:solidFill>
+          <a:ln>
+            <a:solidFill>
+              <a:schemeClr val="tx1"/>
+            </a:solidFill>
+          </a:ln>
+        </p:spPr>
+        <p:style>
+          <a:lnRef idx="2">
+            <a:schemeClr val="accent1">
+              <a:shade val="50000"/>
+            </a:schemeClr>
+          </a:lnRef>
+          <a:fillRef idx="1">
+            <a:schemeClr val="accent1"/>
+          </a:fillRef>
+          <a:effectRef idx="0">
+            <a:schemeClr val="accent1"/>
+          </a:effectRef>
+          <a:fontRef idx="minor">
+            <a:schemeClr val="lt1"/>
+          </a:fontRef>
+        </p:style>
+        <p:txBody>
+          <a:bodyPr rtlCol="0" anchor="ctr"/>
+          <a:lstStyle/>
+          <a:p>
+            <a:pPr algn="ctr"/>
+            <a:endParaRPr lang="en-CA"/>
+          </a:p>
+        </p:txBody>
+      </p:sp>
+      <p:sp>
+        <p:nvSpPr>
+          <p:cNvPr id="71" name="Up-Down Arrow 70"/>
+          <p:cNvSpPr/>
+          <p:nvPr/>
+        </p:nvSpPr>
+        <p:spPr>
+          <a:xfrm>
+            <a:off x="81644" y="2438710"/>
+            <a:ext cx="190886" cy="2552460"/>
+          </a:xfrm>
+          <a:prstGeom prst="upDownArrow">
+            <a:avLst/>
+          </a:prstGeom>
+          <a:solidFill>
+            <a:schemeClr val="accent4">
+              <a:lumMod val="40000"/>
+              <a:lumOff val="60000"/>
+            </a:schemeClr>
+          </a:solidFill>
+          <a:ln>
+            <a:solidFill>
+              <a:schemeClr val="tx1"/>
+            </a:solidFill>
+          </a:ln>
+        </p:spPr>
+        <p:style>
+          <a:lnRef idx="2">
+            <a:schemeClr val="accent1">
+              <a:shade val="50000"/>
+            </a:schemeClr>
+          </a:lnRef>
+          <a:fillRef idx="1">
+            <a:schemeClr val="accent1"/>
+          </a:fillRef>
+          <a:effectRef idx="0">
+            <a:schemeClr val="accent1"/>
+          </a:effectRef>
+          <a:fontRef idx="minor">
+            <a:schemeClr val="lt1"/>
+          </a:fontRef>
+        </p:style>
+        <p:txBody>
+          <a:bodyPr rtlCol="0" anchor="ctr"/>
+          <a:lstStyle/>
+          <a:p>
+            <a:pPr algn="ctr"/>
+            <a:endParaRPr lang="en-CA"/>
+          </a:p>
+        </p:txBody>
+      </p:sp>
+      <p:sp>
+        <p:nvSpPr>
+          <p:cNvPr id="72" name="Up-Down Arrow 71"/>
+          <p:cNvSpPr/>
+          <p:nvPr/>
+        </p:nvSpPr>
+        <p:spPr>
+          <a:xfrm>
+            <a:off x="79343" y="1273865"/>
+            <a:ext cx="215701" cy="1164844"/>
+          </a:xfrm>
+          <a:prstGeom prst="upDownArrow">
+            <a:avLst/>
+          </a:prstGeom>
+          <a:solidFill>
+            <a:schemeClr val="accent4">
+              <a:lumMod val="40000"/>
+              <a:lumOff val="60000"/>
+            </a:schemeClr>
+          </a:solidFill>
+          <a:ln>
+            <a:solidFill>
+              <a:schemeClr val="tx1"/>
+            </a:solidFill>
+          </a:ln>
+        </p:spPr>
+        <p:style>
+          <a:lnRef idx="2">
+            <a:schemeClr val="accent1">
+              <a:shade val="50000"/>
+            </a:schemeClr>
+          </a:lnRef>
+          <a:fillRef idx="1">
+            <a:schemeClr val="accent1"/>
+          </a:fillRef>
+          <a:effectRef idx="0">
+            <a:schemeClr val="accent1"/>
+          </a:effectRef>
+          <a:fontRef idx="minor">
+            <a:schemeClr val="lt1"/>
+          </a:fontRef>
+        </p:style>
+        <p:txBody>
+          <a:bodyPr rtlCol="0" anchor="ctr"/>
+          <a:lstStyle/>
+          <a:p>
+            <a:pPr algn="ctr"/>
+            <a:endParaRPr lang="en-CA"/>
+          </a:p>
+        </p:txBody>
+      </p:sp>
+      <p:sp>
+        <p:nvSpPr>
+          <p:cNvPr id="73" name="Rectangle 72"/>
+          <p:cNvSpPr/>
+          <p:nvPr/>
+        </p:nvSpPr>
+        <p:spPr>
+          <a:xfrm>
+            <a:off x="220087" y="1673496"/>
+            <a:ext cx="996170" cy="338554"/>
+          </a:xfrm>
+          <a:prstGeom prst="rect">
+            <a:avLst/>
+          </a:prstGeom>
+        </p:spPr>
+        <p:txBody>
+          <a:bodyPr wrap="none">
+            <a:spAutoFit/>
+          </a:bodyPr>
+          <a:lstStyle/>
+          <a:p>
+            <a:r>
+              <a:rPr lang="en-US" sz="1600" b="1" dirty="0" smtClean="0">
+                <a:solidFill>
+                  <a:srgbClr val="FF0000"/>
+                </a:solidFill>
+              </a:rPr>
+              <a:t>App layer</a:t>
+            </a:r>
+            <a:endParaRPr lang="en-CA" sz="1600" b="1" dirty="0">
+              <a:solidFill>
+                <a:srgbClr val="FF0000"/>
+              </a:solidFill>
+            </a:endParaRPr>
+          </a:p>
+        </p:txBody>
+      </p:sp>
+      <p:sp>
+        <p:nvSpPr>
+          <p:cNvPr id="74" name="Rectangle 73"/>
+          <p:cNvSpPr/>
+          <p:nvPr/>
+        </p:nvSpPr>
+        <p:spPr>
+          <a:xfrm>
+            <a:off x="200659" y="2704603"/>
+            <a:ext cx="1049903" cy="338554"/>
+          </a:xfrm>
+          <a:prstGeom prst="rect">
+            <a:avLst/>
+          </a:prstGeom>
+        </p:spPr>
+        <p:txBody>
+          <a:bodyPr wrap="none">
+            <a:spAutoFit/>
+          </a:bodyPr>
+          <a:lstStyle/>
+          <a:p>
+            <a:r>
+              <a:rPr lang="en-US" sz="1600" b="1" dirty="0" smtClean="0">
+                <a:solidFill>
+                  <a:srgbClr val="FF0000"/>
+                </a:solidFill>
+              </a:rPr>
+              <a:t>Infra layer</a:t>
+            </a:r>
+            <a:endParaRPr lang="en-CA" sz="1600" b="1" dirty="0">
+              <a:solidFill>
+                <a:srgbClr val="FF0000"/>
+              </a:solidFill>
+            </a:endParaRPr>
+          </a:p>
+        </p:txBody>
+      </p:sp>
+      <p:sp>
+        <p:nvSpPr>
+          <p:cNvPr id="76" name="Rectangle 75"/>
+          <p:cNvSpPr/>
+          <p:nvPr/>
+        </p:nvSpPr>
+        <p:spPr>
+          <a:xfrm>
+            <a:off x="249415" y="5074758"/>
+            <a:ext cx="1427891" cy="338554"/>
+          </a:xfrm>
+          <a:prstGeom prst="rect">
+            <a:avLst/>
+          </a:prstGeom>
+        </p:spPr>
+        <p:txBody>
+          <a:bodyPr wrap="none">
+            <a:spAutoFit/>
+          </a:bodyPr>
+          <a:lstStyle/>
+          <a:p>
+            <a:r>
+              <a:rPr lang="en-US" sz="1600" b="1" dirty="0" smtClean="0">
+                <a:solidFill>
+                  <a:srgbClr val="FF0000"/>
+                </a:solidFill>
+              </a:rPr>
+              <a:t>Resource layer</a:t>
+            </a:r>
+            <a:endParaRPr lang="en-CA" sz="1600" b="1" dirty="0">
+              <a:solidFill>
+                <a:srgbClr val="FF0000"/>
+              </a:solidFill>
+            </a:endParaRPr>
+          </a:p>
+        </p:txBody>
+      </p:sp>
+      <p:sp>
+        <p:nvSpPr>
+          <p:cNvPr id="78" name="Title 1"/>
+          <p:cNvSpPr txBox="1">
+            <a:spLocks/>
+          </p:cNvSpPr>
+          <p:nvPr/>
+        </p:nvSpPr>
+        <p:spPr>
+          <a:xfrm>
+            <a:off x="416138" y="239195"/>
+            <a:ext cx="10515600" cy="839440"/>
+          </a:xfrm>
+          <a:prstGeom prst="rect">
+            <a:avLst/>
+          </a:prstGeom>
+        </p:spPr>
+        <p:txBody>
+          <a:bodyPr vert="horz" lIns="91440" tIns="45720" rIns="91440" bIns="45720" rtlCol="0" anchor="b">
+            <a:normAutofit fontScale="92500" lnSpcReduction="10000"/>
+          </a:bodyPr>
+          <a:lstStyle>
+            <a:lvl1pPr algn="ctr" defTabSz="914400" rtl="0" eaLnBrk="1" latinLnBrk="0" hangingPunct="1">
+              <a:lnSpc>
+                <a:spcPct val="90000"/>
+              </a:lnSpc>
+              <a:spcBef>
+                <a:spcPct val="0"/>
+              </a:spcBef>
+              <a:buNone/>
+              <a:defRPr sz="6000" kern="1200">
+                <a:solidFill>
+                  <a:schemeClr val="tx1"/>
+                </a:solidFill>
+                <a:latin typeface="+mj-lt"/>
+                <a:ea typeface="+mj-ea"/>
+                <a:cs typeface="+mj-cs"/>
+              </a:defRPr>
+            </a:lvl1pPr>
+          </a:lstStyle>
+          <a:p>
+            <a:pPr algn="l"/>
+            <a:r>
+              <a:rPr lang="en-US" dirty="0" smtClean="0"/>
+              <a:t>Software Structure</a:t>
+            </a:r>
+            <a:endParaRPr lang="en-CA" dirty="0"/>
+          </a:p>
+        </p:txBody>
+      </p:sp>
+      <p:sp>
+        <p:nvSpPr>
+          <p:cNvPr id="80" name="Rectangular Callout 79"/>
+          <p:cNvSpPr/>
+          <p:nvPr/>
+        </p:nvSpPr>
+        <p:spPr>
+          <a:xfrm>
+            <a:off x="7708708" y="1548850"/>
+            <a:ext cx="1817411" cy="668141"/>
+          </a:xfrm>
+          <a:prstGeom prst="wedgeRectCallout">
+            <a:avLst>
+              <a:gd name="adj1" fmla="val -73152"/>
+              <a:gd name="adj2" fmla="val 20368"/>
+            </a:avLst>
+          </a:prstGeom>
+          <a:solidFill>
+            <a:schemeClr val="accent6">
+              <a:lumMod val="20000"/>
+              <a:lumOff val="80000"/>
+            </a:schemeClr>
+          </a:solidFill>
+          <a:ln>
+            <a:solidFill>
+              <a:schemeClr val="tx1"/>
+            </a:solidFill>
+          </a:ln>
+        </p:spPr>
+        <p:style>
+          <a:lnRef idx="2">
+            <a:schemeClr val="accent1">
+              <a:shade val="50000"/>
+            </a:schemeClr>
+          </a:lnRef>
+          <a:fillRef idx="1">
+            <a:schemeClr val="accent1"/>
+          </a:fillRef>
+          <a:effectRef idx="0">
+            <a:schemeClr val="accent1"/>
+          </a:effectRef>
+          <a:fontRef idx="minor">
+            <a:schemeClr val="lt1"/>
+          </a:fontRef>
+        </p:style>
+        <p:txBody>
+          <a:bodyPr rtlCol="0" anchor="t" anchorCtr="0"/>
+          <a:lstStyle/>
+          <a:p>
+            <a:r>
+              <a:rPr lang="en-US" sz="1600" dirty="0" smtClean="0">
+                <a:solidFill>
+                  <a:schemeClr val="tx1"/>
+                </a:solidFill>
+              </a:rPr>
+              <a:t>User level software goes here</a:t>
+            </a:r>
+            <a:endParaRPr lang="en-CA" sz="1600" dirty="0">
+              <a:solidFill>
+                <a:schemeClr val="tx1"/>
+              </a:solidFill>
+            </a:endParaRPr>
+          </a:p>
+        </p:txBody>
+      </p:sp>
+    </p:spTree>
+    <p:extLst>
+      <p:ext uri="{BB962C8B-B14F-4D97-AF65-F5344CB8AC3E}">
+        <p14:creationId xmlns:p14="http://schemas.microsoft.com/office/powerpoint/2010/main" val="3871403284"/>
+      </p:ext>
+    </p:extLst>
+  </p:cSld>
+  <p:clrMapOvr>
+    <a:masterClrMapping/>
+  </p:clrMapOvr>
+</p:sld>
+</file>
+
 <file path=ppt/theme/theme1.xml><?xml version="1.0" encoding="utf-8"?>
 <a:theme xmlns:a="http://schemas.openxmlformats.org/drawingml/2006/main" name="Office Theme">
   <a:themeElements>

--- a/01_doc/TinyDisplay.pptx
+++ b/01_doc/TinyDisplay.pptx
@@ -6,8 +6,8 @@
   </p:sldMasterIdLst>
   <p:sldIdLst>
     <p:sldId id="257" r:id="rId2"/>
-    <p:sldId id="258" r:id="rId3"/>
-    <p:sldId id="259" r:id="rId4"/>
+    <p:sldId id="260" r:id="rId3"/>
+    <p:sldId id="261" r:id="rId4"/>
   </p:sldIdLst>
   <p:sldSz cx="12192000" cy="6858000"/>
   <p:notesSz cx="6858000" cy="9144000"/>
@@ -245,7 +245,7 @@
           <a:p>
             <a:fld id="{2DD5872B-7991-4A00-95ED-06D285747B9C}" type="datetimeFigureOut">
               <a:rPr lang="en-CA" smtClean="0"/>
-              <a:t>2016-03-06</a:t>
+              <a:t>2016-03-17</a:t>
             </a:fld>
             <a:endParaRPr lang="en-CA"/>
           </a:p>
@@ -415,7 +415,7 @@
           <a:p>
             <a:fld id="{2DD5872B-7991-4A00-95ED-06D285747B9C}" type="datetimeFigureOut">
               <a:rPr lang="en-CA" smtClean="0"/>
-              <a:t>2016-03-06</a:t>
+              <a:t>2016-03-17</a:t>
             </a:fld>
             <a:endParaRPr lang="en-CA"/>
           </a:p>
@@ -595,7 +595,7 @@
           <a:p>
             <a:fld id="{2DD5872B-7991-4A00-95ED-06D285747B9C}" type="datetimeFigureOut">
               <a:rPr lang="en-CA" smtClean="0"/>
-              <a:t>2016-03-06</a:t>
+              <a:t>2016-03-17</a:t>
             </a:fld>
             <a:endParaRPr lang="en-CA"/>
           </a:p>
@@ -765,7 +765,7 @@
           <a:p>
             <a:fld id="{2DD5872B-7991-4A00-95ED-06D285747B9C}" type="datetimeFigureOut">
               <a:rPr lang="en-CA" smtClean="0"/>
-              <a:t>2016-03-06</a:t>
+              <a:t>2016-03-17</a:t>
             </a:fld>
             <a:endParaRPr lang="en-CA"/>
           </a:p>
@@ -1011,7 +1011,7 @@
           <a:p>
             <a:fld id="{2DD5872B-7991-4A00-95ED-06D285747B9C}" type="datetimeFigureOut">
               <a:rPr lang="en-CA" smtClean="0"/>
-              <a:t>2016-03-06</a:t>
+              <a:t>2016-03-17</a:t>
             </a:fld>
             <a:endParaRPr lang="en-CA"/>
           </a:p>
@@ -1243,7 +1243,7 @@
           <a:p>
             <a:fld id="{2DD5872B-7991-4A00-95ED-06D285747B9C}" type="datetimeFigureOut">
               <a:rPr lang="en-CA" smtClean="0"/>
-              <a:t>2016-03-06</a:t>
+              <a:t>2016-03-17</a:t>
             </a:fld>
             <a:endParaRPr lang="en-CA"/>
           </a:p>
@@ -1610,7 +1610,7 @@
           <a:p>
             <a:fld id="{2DD5872B-7991-4A00-95ED-06D285747B9C}" type="datetimeFigureOut">
               <a:rPr lang="en-CA" smtClean="0"/>
-              <a:t>2016-03-06</a:t>
+              <a:t>2016-03-17</a:t>
             </a:fld>
             <a:endParaRPr lang="en-CA"/>
           </a:p>
@@ -1728,7 +1728,7 @@
           <a:p>
             <a:fld id="{2DD5872B-7991-4A00-95ED-06D285747B9C}" type="datetimeFigureOut">
               <a:rPr lang="en-CA" smtClean="0"/>
-              <a:t>2016-03-06</a:t>
+              <a:t>2016-03-17</a:t>
             </a:fld>
             <a:endParaRPr lang="en-CA"/>
           </a:p>
@@ -1823,7 +1823,7 @@
           <a:p>
             <a:fld id="{2DD5872B-7991-4A00-95ED-06D285747B9C}" type="datetimeFigureOut">
               <a:rPr lang="en-CA" smtClean="0"/>
-              <a:t>2016-03-06</a:t>
+              <a:t>2016-03-17</a:t>
             </a:fld>
             <a:endParaRPr lang="en-CA"/>
           </a:p>
@@ -2100,7 +2100,7 @@
           <a:p>
             <a:fld id="{2DD5872B-7991-4A00-95ED-06D285747B9C}" type="datetimeFigureOut">
               <a:rPr lang="en-CA" smtClean="0"/>
-              <a:t>2016-03-06</a:t>
+              <a:t>2016-03-17</a:t>
             </a:fld>
             <a:endParaRPr lang="en-CA"/>
           </a:p>
@@ -2353,7 +2353,7 @@
           <a:p>
             <a:fld id="{2DD5872B-7991-4A00-95ED-06D285747B9C}" type="datetimeFigureOut">
               <a:rPr lang="en-CA" smtClean="0"/>
-              <a:t>2016-03-06</a:t>
+              <a:t>2016-03-17</a:t>
             </a:fld>
             <a:endParaRPr lang="en-CA"/>
           </a:p>
@@ -2566,7 +2566,7 @@
           <a:p>
             <a:fld id="{2DD5872B-7991-4A00-95ED-06D285747B9C}" type="datetimeFigureOut">
               <a:rPr lang="en-CA" smtClean="0"/>
-              <a:t>2016-03-06</a:t>
+              <a:t>2016-03-17</a:t>
             </a:fld>
             <a:endParaRPr lang="en-CA"/>
           </a:p>
@@ -3939,14 +3939,14 @@
       </p:grpSpPr>
       <p:sp>
         <p:nvSpPr>
-          <p:cNvPr id="64" name="Rectangle 63"/>
+          <p:cNvPr id="6" name="Rectangle 5"/>
           <p:cNvSpPr/>
           <p:nvPr/>
         </p:nvSpPr>
         <p:spPr>
           <a:xfrm>
-            <a:off x="9337656" y="2687206"/>
-            <a:ext cx="2818965" cy="1908071"/>
+            <a:off x="1790309" y="2687206"/>
+            <a:ext cx="7945567" cy="1773573"/>
           </a:xfrm>
           <a:prstGeom prst="rect">
             <a:avLst/>
@@ -3983,7 +3983,7 @@
           <a:bodyPr rtlCol="0" anchor="t" anchorCtr="0"/>
           <a:lstStyle/>
           <a:p>
-            <a:endParaRPr lang="en-CA" dirty="0">
+            <a:endParaRPr lang="en-CA" sz="1600" dirty="0">
               <a:solidFill>
                 <a:schemeClr val="tx1"/>
               </a:solidFill>
@@ -3993,14 +3993,65 @@
       </p:sp>
       <p:sp>
         <p:nvSpPr>
-          <p:cNvPr id="6" name="Rectangle 5"/>
+          <p:cNvPr id="169" name="Rounded Rectangle 168"/>
           <p:cNvSpPr/>
           <p:nvPr/>
         </p:nvSpPr>
         <p:spPr>
           <a:xfrm>
-            <a:off x="1790309" y="2687206"/>
-            <a:ext cx="7027190" cy="1908071"/>
+            <a:off x="1954769" y="4212351"/>
+            <a:ext cx="7604170" cy="153293"/>
+          </a:xfrm>
+          <a:prstGeom prst="roundRect">
+            <a:avLst/>
+          </a:prstGeom>
+          <a:solidFill>
+            <a:srgbClr val="BFBFBF"/>
+          </a:solidFill>
+          <a:ln w="3175">
+            <a:solidFill>
+              <a:srgbClr val="000000"/>
+            </a:solidFill>
+          </a:ln>
+        </p:spPr>
+        <p:style>
+          <a:lnRef idx="2">
+            <a:schemeClr val="accent1">
+              <a:shade val="50000"/>
+            </a:schemeClr>
+          </a:lnRef>
+          <a:fillRef idx="1">
+            <a:schemeClr val="accent1"/>
+          </a:fillRef>
+          <a:effectRef idx="0">
+            <a:schemeClr val="accent1"/>
+          </a:effectRef>
+          <a:fontRef idx="minor">
+            <a:schemeClr val="lt1"/>
+          </a:fontRef>
+        </p:style>
+        <p:txBody>
+          <a:bodyPr rtlCol="0" anchor="t" anchorCtr="0"/>
+          <a:lstStyle/>
+          <a:p>
+            <a:endParaRPr lang="en-CA" sz="1600" dirty="0">
+              <a:solidFill>
+                <a:schemeClr val="tx1"/>
+              </a:solidFill>
+            </a:endParaRPr>
+          </a:p>
+        </p:txBody>
+      </p:sp>
+      <p:sp>
+        <p:nvSpPr>
+          <p:cNvPr id="119" name="Rectangle 118"/>
+          <p:cNvSpPr/>
+          <p:nvPr/>
+        </p:nvSpPr>
+        <p:spPr>
+          <a:xfrm>
+            <a:off x="1906568" y="5916586"/>
+            <a:ext cx="9025170" cy="884927"/>
           </a:xfrm>
           <a:prstGeom prst="rect">
             <a:avLst/>
@@ -4037,7 +4088,7 @@
           <a:bodyPr rtlCol="0" anchor="t" anchorCtr="0"/>
           <a:lstStyle/>
           <a:p>
-            <a:endParaRPr lang="en-CA" dirty="0">
+            <a:endParaRPr lang="en-CA" sz="1600" dirty="0">
               <a:solidFill>
                 <a:schemeClr val="tx1"/>
               </a:solidFill>
@@ -4047,63 +4098,22 @@
       </p:sp>
       <p:sp>
         <p:nvSpPr>
-          <p:cNvPr id="8" name="Rectangle 7"/>
+          <p:cNvPr id="64" name="Rectangle 63"/>
           <p:cNvSpPr/>
           <p:nvPr/>
         </p:nvSpPr>
         <p:spPr>
           <a:xfrm>
-            <a:off x="942990" y="2248494"/>
-            <a:ext cx="1663148" cy="461665"/>
+            <a:off x="10480734" y="2702039"/>
+            <a:ext cx="1480225" cy="1908071"/>
           </a:xfrm>
           <a:prstGeom prst="rect">
             <a:avLst/>
           </a:prstGeom>
-        </p:spPr>
-        <p:txBody>
-          <a:bodyPr wrap="none">
-            <a:spAutoFit/>
-          </a:bodyPr>
-          <a:lstStyle/>
-          <a:p>
-            <a:r>
-              <a:rPr lang="en-US" sz="2400" b="1" dirty="0" err="1" smtClean="0">
-                <a:solidFill>
-                  <a:schemeClr val="accent1">
-                    <a:lumMod val="50000"/>
-                  </a:schemeClr>
-                </a:solidFill>
-              </a:rPr>
-              <a:t>myLibraries</a:t>
-            </a:r>
-            <a:endParaRPr lang="en-CA" sz="2400" b="1" dirty="0">
-              <a:solidFill>
-                <a:schemeClr val="accent1">
-                  <a:lumMod val="50000"/>
-                </a:schemeClr>
-              </a:solidFill>
-            </a:endParaRPr>
-          </a:p>
-        </p:txBody>
-      </p:sp>
-      <p:sp>
-        <p:nvSpPr>
-          <p:cNvPr id="9" name="Rectangle 8"/>
-          <p:cNvSpPr/>
-          <p:nvPr/>
-        </p:nvSpPr>
-        <p:spPr>
-          <a:xfrm>
-            <a:off x="2092461" y="2951863"/>
-            <a:ext cx="1392804" cy="1248356"/>
-          </a:xfrm>
-          <a:prstGeom prst="rect">
-            <a:avLst/>
-          </a:prstGeom>
           <a:solidFill>
-            <a:schemeClr val="accent2">
-              <a:lumMod val="40000"/>
-              <a:lumOff val="60000"/>
+            <a:schemeClr val="accent4">
+              <a:lumMod val="20000"/>
+              <a:lumOff val="80000"/>
             </a:schemeClr>
           </a:solidFill>
           <a:ln>
@@ -4132,104 +4142,65 @@
           <a:bodyPr rtlCol="0" anchor="t" anchorCtr="0"/>
           <a:lstStyle/>
           <a:p>
-            <a:r>
-              <a:rPr lang="en-US" dirty="0" err="1" smtClean="0">
-                <a:solidFill>
-                  <a:schemeClr val="tx1"/>
-                </a:solidFill>
-              </a:rPr>
-              <a:t>myStdio</a:t>
-            </a:r>
-            <a:endParaRPr lang="en-US" dirty="0" smtClean="0">
+            <a:endParaRPr lang="en-CA" sz="1600" dirty="0">
               <a:solidFill>
                 <a:schemeClr val="tx1"/>
               </a:solidFill>
             </a:endParaRPr>
           </a:p>
-          <a:p>
-            <a:r>
-              <a:rPr lang="en-US" dirty="0">
-                <a:solidFill>
-                  <a:schemeClr val="tx1"/>
-                </a:solidFill>
-              </a:rPr>
-              <a:t> </a:t>
-            </a:r>
-            <a:r>
-              <a:rPr lang="en-US" dirty="0" smtClean="0">
-                <a:solidFill>
-                  <a:schemeClr val="tx1"/>
-                </a:solidFill>
-              </a:rPr>
-              <a:t>- print</a:t>
-            </a:r>
-          </a:p>
-          <a:p>
-            <a:r>
-              <a:rPr lang="en-US" dirty="0">
-                <a:solidFill>
-                  <a:schemeClr val="tx1"/>
-                </a:solidFill>
-              </a:rPr>
-              <a:t> </a:t>
-            </a:r>
-            <a:r>
-              <a:rPr lang="en-US" dirty="0" smtClean="0">
-                <a:solidFill>
-                  <a:schemeClr val="tx1"/>
-                </a:solidFill>
-              </a:rPr>
-              <a:t>- </a:t>
-            </a:r>
-            <a:r>
-              <a:rPr lang="en-US" dirty="0" err="1" smtClean="0">
-                <a:solidFill>
-                  <a:schemeClr val="tx1"/>
-                </a:solidFill>
-              </a:rPr>
-              <a:t>getchar</a:t>
-            </a:r>
-            <a:endParaRPr lang="en-US" dirty="0" smtClean="0">
-              <a:solidFill>
-                <a:schemeClr val="tx1"/>
-              </a:solidFill>
-            </a:endParaRPr>
-          </a:p>
-          <a:p>
-            <a:r>
-              <a:rPr lang="en-US" dirty="0">
-                <a:solidFill>
-                  <a:schemeClr val="tx1"/>
-                </a:solidFill>
-              </a:rPr>
-              <a:t> </a:t>
-            </a:r>
-            <a:r>
-              <a:rPr lang="en-US" dirty="0" smtClean="0">
-                <a:solidFill>
-                  <a:schemeClr val="tx1"/>
-                </a:solidFill>
-              </a:rPr>
-              <a:t>-etc.</a:t>
-            </a:r>
-            <a:endParaRPr lang="en-CA" dirty="0">
-              <a:solidFill>
-                <a:schemeClr val="tx1"/>
-              </a:solidFill>
-            </a:endParaRPr>
-          </a:p>
-        </p:txBody>
-      </p:sp>
-      <p:sp>
-        <p:nvSpPr>
-          <p:cNvPr id="10" name="Rectangle 9"/>
+        </p:txBody>
+      </p:sp>
+      <p:sp>
+        <p:nvSpPr>
+          <p:cNvPr id="8" name="Rectangle 7"/>
           <p:cNvSpPr/>
           <p:nvPr/>
         </p:nvSpPr>
         <p:spPr>
           <a:xfrm>
-            <a:off x="6837178" y="2951863"/>
-            <a:ext cx="1606164" cy="1248356"/>
+            <a:off x="942990" y="2248494"/>
+            <a:ext cx="1418337" cy="400110"/>
+          </a:xfrm>
+          <a:prstGeom prst="rect">
+            <a:avLst/>
+          </a:prstGeom>
+        </p:spPr>
+        <p:txBody>
+          <a:bodyPr wrap="none">
+            <a:spAutoFit/>
+          </a:bodyPr>
+          <a:lstStyle/>
+          <a:p>
+            <a:r>
+              <a:rPr lang="en-US" sz="2000" b="1" dirty="0" err="1" smtClean="0">
+                <a:solidFill>
+                  <a:schemeClr val="accent1">
+                    <a:lumMod val="50000"/>
+                  </a:schemeClr>
+                </a:solidFill>
+              </a:rPr>
+              <a:t>myLibraries</a:t>
+            </a:r>
+            <a:endParaRPr lang="en-CA" sz="2000" b="1" dirty="0">
+              <a:solidFill>
+                <a:schemeClr val="accent1">
+                  <a:lumMod val="50000"/>
+                </a:schemeClr>
+              </a:solidFill>
+            </a:endParaRPr>
+          </a:p>
+        </p:txBody>
+      </p:sp>
+      <p:sp>
+        <p:nvSpPr>
+          <p:cNvPr id="9" name="Rectangle 8"/>
+          <p:cNvSpPr/>
+          <p:nvPr/>
+        </p:nvSpPr>
+        <p:spPr>
+          <a:xfrm>
+            <a:off x="5919614" y="2839383"/>
+            <a:ext cx="1300264" cy="1135723"/>
           </a:xfrm>
           <a:prstGeom prst="rect">
             <a:avLst/>
@@ -4267,14 +4238,14 @@
           <a:lstStyle/>
           <a:p>
             <a:r>
-              <a:rPr lang="en-US" dirty="0" err="1" smtClean="0">
-                <a:solidFill>
-                  <a:schemeClr val="tx1"/>
-                </a:solidFill>
-              </a:rPr>
-              <a:t>myTimer</a:t>
-            </a:r>
-            <a:endParaRPr lang="en-US" dirty="0" smtClean="0">
+              <a:rPr lang="en-US" sz="1600" dirty="0" err="1" smtClean="0">
+                <a:solidFill>
+                  <a:schemeClr val="tx1"/>
+                </a:solidFill>
+              </a:rPr>
+              <a:t>myStdio</a:t>
+            </a:r>
+            <a:endParaRPr lang="en-US" sz="1600" dirty="0" smtClean="0">
               <a:solidFill>
                 <a:schemeClr val="tx1"/>
               </a:solidFill>
@@ -4282,7 +4253,7 @@
           </a:p>
           <a:p>
             <a:r>
-              <a:rPr lang="en-US" dirty="0">
+              <a:rPr lang="en-US" sz="1600" dirty="0">
                 <a:solidFill>
                   <a:schemeClr val="tx1"/>
                 </a:solidFill>
@@ -4290,7 +4261,25 @@
               <a:t> </a:t>
             </a:r>
             <a:r>
-              <a:rPr lang="en-US" dirty="0" smtClean="0">
+              <a:rPr lang="en-US" sz="1600" dirty="0" smtClean="0">
+                <a:solidFill>
+                  <a:schemeClr val="tx1"/>
+                </a:solidFill>
+              </a:rPr>
+              <a:t>- print</a:t>
+            </a:r>
+          </a:p>
+          <a:p>
+            <a:r>
+              <a:rPr lang="en-US" sz="1600" dirty="0">
+                <a:solidFill>
+                  <a:schemeClr val="tx1"/>
+                </a:solidFill>
+              </a:rPr>
+              <a:t> </a:t>
+            </a:r>
+            <a:r>
+              <a:rPr lang="en-US" sz="1600" dirty="0" smtClean="0">
                 <a:solidFill>
                   <a:schemeClr val="tx1"/>
                 </a:solidFill>
@@ -4298,14 +4287,14 @@
               <a:t>- </a:t>
             </a:r>
             <a:r>
-              <a:rPr lang="en-US" dirty="0" err="1" smtClean="0">
-                <a:solidFill>
-                  <a:schemeClr val="tx1"/>
-                </a:solidFill>
-              </a:rPr>
-              <a:t>getTimerMS</a:t>
-            </a:r>
-            <a:endParaRPr lang="en-US" dirty="0" smtClean="0">
+              <a:rPr lang="en-US" sz="1600" dirty="0" err="1" smtClean="0">
+                <a:solidFill>
+                  <a:schemeClr val="tx1"/>
+                </a:solidFill>
+              </a:rPr>
+              <a:t>getchar</a:t>
+            </a:r>
+            <a:endParaRPr lang="en-US" sz="1600" dirty="0" smtClean="0">
               <a:solidFill>
                 <a:schemeClr val="tx1"/>
               </a:solidFill>
@@ -4313,7 +4302,7 @@
           </a:p>
           <a:p>
             <a:r>
-              <a:rPr lang="en-US" dirty="0">
+              <a:rPr lang="en-US" sz="1600" dirty="0">
                 <a:solidFill>
                   <a:schemeClr val="tx1"/>
                 </a:solidFill>
@@ -4321,14 +4310,14 @@
               <a:t> </a:t>
             </a:r>
             <a:r>
-              <a:rPr lang="en-US" dirty="0" smtClean="0">
-                <a:solidFill>
-                  <a:schemeClr val="tx1"/>
-                </a:solidFill>
-              </a:rPr>
-              <a:t>- etc.</a:t>
-            </a:r>
-            <a:endParaRPr lang="en-CA" dirty="0">
+              <a:rPr lang="en-US" sz="1600" dirty="0" smtClean="0">
+                <a:solidFill>
+                  <a:schemeClr val="tx1"/>
+                </a:solidFill>
+              </a:rPr>
+              <a:t>-etc.</a:t>
+            </a:r>
+            <a:endParaRPr lang="en-CA" sz="1600" dirty="0">
               <a:solidFill>
                 <a:schemeClr val="tx1"/>
               </a:solidFill>
@@ -4338,14 +4327,14 @@
       </p:sp>
       <p:sp>
         <p:nvSpPr>
-          <p:cNvPr id="11" name="Rectangle 10"/>
+          <p:cNvPr id="10" name="Rectangle 9"/>
           <p:cNvSpPr/>
           <p:nvPr/>
         </p:nvSpPr>
         <p:spPr>
           <a:xfrm>
-            <a:off x="4230479" y="2943910"/>
-            <a:ext cx="1886670" cy="1256309"/>
+            <a:off x="1943910" y="2839383"/>
+            <a:ext cx="1480158" cy="1248356"/>
           </a:xfrm>
           <a:prstGeom prst="rect">
             <a:avLst/>
@@ -4383,14 +4372,14 @@
           <a:lstStyle/>
           <a:p>
             <a:r>
-              <a:rPr lang="en-US" dirty="0" err="1" smtClean="0">
-                <a:solidFill>
-                  <a:schemeClr val="tx1"/>
-                </a:solidFill>
-              </a:rPr>
-              <a:t>myVideo</a:t>
-            </a:r>
-            <a:endParaRPr lang="en-US" dirty="0" smtClean="0">
+              <a:rPr lang="en-US" sz="1600" dirty="0" err="1" smtClean="0">
+                <a:solidFill>
+                  <a:schemeClr val="tx1"/>
+                </a:solidFill>
+              </a:rPr>
+              <a:t>myTimer</a:t>
+            </a:r>
+            <a:endParaRPr lang="en-US" sz="1600" dirty="0" smtClean="0">
               <a:solidFill>
                 <a:schemeClr val="tx1"/>
               </a:solidFill>
@@ -4398,7 +4387,7 @@
           </a:p>
           <a:p>
             <a:r>
-              <a:rPr lang="en-US" dirty="0">
+              <a:rPr lang="en-US" sz="1600" dirty="0">
                 <a:solidFill>
                   <a:schemeClr val="tx1"/>
                 </a:solidFill>
@@ -4406,7 +4395,7 @@
               <a:t> </a:t>
             </a:r>
             <a:r>
-              <a:rPr lang="en-US" dirty="0" smtClean="0">
+              <a:rPr lang="en-US" sz="1600" dirty="0" smtClean="0">
                 <a:solidFill>
                   <a:schemeClr val="tx1"/>
                 </a:solidFill>
@@ -4414,14 +4403,14 @@
               <a:t>- </a:t>
             </a:r>
             <a:r>
-              <a:rPr lang="en-US" dirty="0" err="1" smtClean="0">
-                <a:solidFill>
-                  <a:schemeClr val="tx1"/>
-                </a:solidFill>
-              </a:rPr>
-              <a:t>drawPixel</a:t>
-            </a:r>
-            <a:endParaRPr lang="en-US" dirty="0" smtClean="0">
+              <a:rPr lang="en-US" sz="1600" dirty="0" err="1" smtClean="0">
+                <a:solidFill>
+                  <a:schemeClr val="tx1"/>
+                </a:solidFill>
+              </a:rPr>
+              <a:t>getTimerMS</a:t>
+            </a:r>
+            <a:endParaRPr lang="en-US" sz="1600" dirty="0" smtClean="0">
               <a:solidFill>
                 <a:schemeClr val="tx1"/>
               </a:solidFill>
@@ -4429,7 +4418,7 @@
           </a:p>
           <a:p>
             <a:r>
-              <a:rPr lang="en-US" dirty="0">
+              <a:rPr lang="en-US" sz="1600" dirty="0">
                 <a:solidFill>
                   <a:schemeClr val="tx1"/>
                 </a:solidFill>
@@ -4437,69 +4426,39 @@
               <a:t> </a:t>
             </a:r>
             <a:r>
-              <a:rPr lang="en-US" dirty="0" smtClean="0">
-                <a:solidFill>
-                  <a:schemeClr val="tx1"/>
-                </a:solidFill>
-              </a:rPr>
-              <a:t>- </a:t>
-            </a:r>
-            <a:r>
-              <a:rPr lang="en-US" dirty="0" err="1" smtClean="0">
-                <a:solidFill>
-                  <a:schemeClr val="tx1"/>
-                </a:solidFill>
-              </a:rPr>
-              <a:t>drawLineBuffer</a:t>
-            </a:r>
-            <a:endParaRPr lang="en-US" dirty="0" smtClean="0">
+              <a:rPr lang="en-US" sz="1600" dirty="0" smtClean="0">
+                <a:solidFill>
+                  <a:schemeClr val="tx1"/>
+                </a:solidFill>
+              </a:rPr>
+              <a:t>- etc.</a:t>
+            </a:r>
+            <a:endParaRPr lang="en-CA" sz="1600" dirty="0">
               <a:solidFill>
                 <a:schemeClr val="tx1"/>
               </a:solidFill>
             </a:endParaRPr>
           </a:p>
-          <a:p>
-            <a:r>
-              <a:rPr lang="en-US" dirty="0">
-                <a:solidFill>
-                  <a:schemeClr val="tx1"/>
-                </a:solidFill>
-              </a:rPr>
-              <a:t> </a:t>
-            </a:r>
-            <a:r>
-              <a:rPr lang="en-US" dirty="0" smtClean="0">
-                <a:solidFill>
-                  <a:schemeClr val="tx1"/>
-                </a:solidFill>
-              </a:rPr>
-              <a:t>- etc.</a:t>
-            </a:r>
-            <a:endParaRPr lang="en-CA" dirty="0">
-              <a:solidFill>
-                <a:schemeClr val="tx1"/>
-              </a:solidFill>
-            </a:endParaRPr>
-          </a:p>
-        </p:txBody>
-      </p:sp>
-      <p:sp>
-        <p:nvSpPr>
-          <p:cNvPr id="12" name="Rectangle 11"/>
+        </p:txBody>
+      </p:sp>
+      <p:sp>
+        <p:nvSpPr>
+          <p:cNvPr id="11" name="Rectangle 10"/>
           <p:cNvSpPr/>
           <p:nvPr/>
         </p:nvSpPr>
         <p:spPr>
           <a:xfrm>
-            <a:off x="966974" y="5576597"/>
-            <a:ext cx="1171715" cy="392550"/>
+            <a:off x="7803799" y="2839383"/>
+            <a:ext cx="1684938" cy="1256309"/>
           </a:xfrm>
           <a:prstGeom prst="rect">
             <a:avLst/>
           </a:prstGeom>
           <a:solidFill>
-            <a:schemeClr val="bg1">
-              <a:lumMod val="65000"/>
+            <a:schemeClr val="accent2">
+              <a:lumMod val="40000"/>
+              <a:lumOff val="60000"/>
             </a:schemeClr>
           </a:solidFill>
           <a:ln>
@@ -4529,39 +4488,124 @@
           <a:lstStyle/>
           <a:p>
             <a:r>
-              <a:rPr lang="en-US" dirty="0" err="1" smtClean="0">
-                <a:solidFill>
-                  <a:schemeClr val="tx1"/>
-                </a:solidFill>
-              </a:rPr>
-              <a:t>charLcd</a:t>
-            </a:r>
-            <a:endParaRPr lang="en-CA" dirty="0">
+              <a:rPr lang="en-US" sz="1600" dirty="0" err="1" smtClean="0">
+                <a:solidFill>
+                  <a:schemeClr val="tx1"/>
+                </a:solidFill>
+              </a:rPr>
+              <a:t>myVideo</a:t>
+            </a:r>
+            <a:endParaRPr lang="en-US" sz="1600" dirty="0" smtClean="0">
               <a:solidFill>
                 <a:schemeClr val="tx1"/>
               </a:solidFill>
             </a:endParaRPr>
           </a:p>
-        </p:txBody>
-      </p:sp>
-      <p:sp>
-        <p:nvSpPr>
-          <p:cNvPr id="13" name="Rectangle 12"/>
+          <a:p>
+            <a:r>
+              <a:rPr lang="en-US" sz="1600" dirty="0">
+                <a:solidFill>
+                  <a:schemeClr val="tx1"/>
+                </a:solidFill>
+              </a:rPr>
+              <a:t> </a:t>
+            </a:r>
+            <a:r>
+              <a:rPr lang="en-US" sz="1600" dirty="0" smtClean="0">
+                <a:solidFill>
+                  <a:schemeClr val="tx1"/>
+                </a:solidFill>
+              </a:rPr>
+              <a:t>- </a:t>
+            </a:r>
+            <a:r>
+              <a:rPr lang="en-US" sz="1600" dirty="0" err="1" smtClean="0">
+                <a:solidFill>
+                  <a:schemeClr val="tx1"/>
+                </a:solidFill>
+              </a:rPr>
+              <a:t>drawPixel</a:t>
+            </a:r>
+            <a:endParaRPr lang="en-US" sz="1600" dirty="0" smtClean="0">
+              <a:solidFill>
+                <a:schemeClr val="tx1"/>
+              </a:solidFill>
+            </a:endParaRPr>
+          </a:p>
+          <a:p>
+            <a:r>
+              <a:rPr lang="en-US" sz="1600" dirty="0">
+                <a:solidFill>
+                  <a:schemeClr val="tx1"/>
+                </a:solidFill>
+              </a:rPr>
+              <a:t> </a:t>
+            </a:r>
+            <a:r>
+              <a:rPr lang="en-US" sz="1600" dirty="0" smtClean="0">
+                <a:solidFill>
+                  <a:schemeClr val="tx1"/>
+                </a:solidFill>
+              </a:rPr>
+              <a:t>- </a:t>
+            </a:r>
+            <a:r>
+              <a:rPr lang="en-US" sz="1600" dirty="0" err="1" smtClean="0">
+                <a:solidFill>
+                  <a:schemeClr val="tx1"/>
+                </a:solidFill>
+              </a:rPr>
+              <a:t>drawLineBuffer</a:t>
+            </a:r>
+            <a:endParaRPr lang="en-US" sz="1600" dirty="0" smtClean="0">
+              <a:solidFill>
+                <a:schemeClr val="tx1"/>
+              </a:solidFill>
+            </a:endParaRPr>
+          </a:p>
+          <a:p>
+            <a:r>
+              <a:rPr lang="en-US" sz="1600" dirty="0">
+                <a:solidFill>
+                  <a:schemeClr val="tx1"/>
+                </a:solidFill>
+              </a:rPr>
+              <a:t> </a:t>
+            </a:r>
+            <a:r>
+              <a:rPr lang="en-US" sz="1600" dirty="0" smtClean="0">
+                <a:solidFill>
+                  <a:schemeClr val="tx1"/>
+                </a:solidFill>
+              </a:rPr>
+              <a:t>- etc.</a:t>
+            </a:r>
+            <a:endParaRPr lang="en-CA" sz="1600" dirty="0">
+              <a:solidFill>
+                <a:schemeClr val="tx1"/>
+              </a:solidFill>
+            </a:endParaRPr>
+          </a:p>
+        </p:txBody>
+      </p:sp>
+      <p:sp>
+        <p:nvSpPr>
+          <p:cNvPr id="12" name="Rectangle 11"/>
           <p:cNvSpPr/>
           <p:nvPr/>
         </p:nvSpPr>
         <p:spPr>
           <a:xfrm>
-            <a:off x="3733530" y="5568646"/>
-            <a:ext cx="1736755" cy="392550"/>
+            <a:off x="6828140" y="4960813"/>
+            <a:ext cx="1171715" cy="392550"/>
           </a:xfrm>
           <a:prstGeom prst="rect">
             <a:avLst/>
           </a:prstGeom>
           <a:solidFill>
-            <a:schemeClr val="accent2">
-              <a:lumMod val="40000"/>
-              <a:lumOff val="60000"/>
+            <a:schemeClr val="accent3">
+              <a:lumMod val="60000"/>
+              <a:lumOff val="40000"/>
             </a:schemeClr>
           </a:solidFill>
           <a:ln>
@@ -4591,14 +4635,14 @@
           <a:lstStyle/>
           <a:p>
             <a:r>
-              <a:rPr lang="en-US" dirty="0" smtClean="0">
-                <a:solidFill>
-                  <a:schemeClr val="tx1"/>
-                </a:solidFill>
-              </a:rPr>
-              <a:t>lcdST7735R_SPI</a:t>
-            </a:r>
-            <a:endParaRPr lang="en-CA" dirty="0">
+              <a:rPr lang="en-US" sz="1600" dirty="0" err="1" smtClean="0">
+                <a:solidFill>
+                  <a:schemeClr val="tx1"/>
+                </a:solidFill>
+              </a:rPr>
+              <a:t>charLcd</a:t>
+            </a:r>
+            <a:endParaRPr lang="en-CA" sz="1600" dirty="0">
               <a:solidFill>
                 <a:schemeClr val="tx1"/>
               </a:solidFill>
@@ -4608,14 +4652,14 @@
       </p:sp>
       <p:sp>
         <p:nvSpPr>
-          <p:cNvPr id="15" name="Rectangle 14"/>
+          <p:cNvPr id="13" name="Rectangle 12"/>
           <p:cNvSpPr/>
           <p:nvPr/>
         </p:nvSpPr>
         <p:spPr>
           <a:xfrm>
-            <a:off x="7066758" y="5568646"/>
-            <a:ext cx="1708044" cy="392550"/>
+            <a:off x="8276801" y="4947799"/>
+            <a:ext cx="1736755" cy="392550"/>
           </a:xfrm>
           <a:prstGeom prst="rect">
             <a:avLst/>
@@ -4653,14 +4697,14 @@
           <a:lstStyle/>
           <a:p>
             <a:r>
-              <a:rPr lang="en-US" dirty="0" smtClean="0">
-                <a:solidFill>
-                  <a:schemeClr val="tx1"/>
-                </a:solidFill>
-              </a:rPr>
-              <a:t>timer0System</a:t>
-            </a:r>
-            <a:endParaRPr lang="en-CA" dirty="0">
+              <a:rPr lang="en-US" sz="1600" dirty="0" smtClean="0">
+                <a:solidFill>
+                  <a:schemeClr val="tx1"/>
+                </a:solidFill>
+              </a:rPr>
+              <a:t>lcdST7735R_SPI</a:t>
+            </a:r>
+            <a:endParaRPr lang="en-CA" sz="1600" dirty="0">
               <a:solidFill>
                 <a:schemeClr val="tx1"/>
               </a:solidFill>
@@ -4670,14 +4714,14 @@
       </p:sp>
       <p:sp>
         <p:nvSpPr>
-          <p:cNvPr id="16" name="Rectangle 15"/>
+          <p:cNvPr id="15" name="Rectangle 14"/>
           <p:cNvSpPr/>
           <p:nvPr/>
         </p:nvSpPr>
         <p:spPr>
           <a:xfrm>
-            <a:off x="2515572" y="5584548"/>
-            <a:ext cx="795666" cy="392550"/>
+            <a:off x="1712155" y="5024003"/>
+            <a:ext cx="1376541" cy="392550"/>
           </a:xfrm>
           <a:prstGeom prst="rect">
             <a:avLst/>
@@ -4715,14 +4759,14 @@
           <a:lstStyle/>
           <a:p>
             <a:r>
-              <a:rPr lang="en-US" dirty="0" smtClean="0">
-                <a:solidFill>
-                  <a:schemeClr val="tx1"/>
-                </a:solidFill>
-              </a:rPr>
-              <a:t>uart0</a:t>
-            </a:r>
-            <a:endParaRPr lang="en-CA" dirty="0">
+              <a:rPr lang="en-US" sz="1600" dirty="0" smtClean="0">
+                <a:solidFill>
+                  <a:schemeClr val="tx1"/>
+                </a:solidFill>
+              </a:rPr>
+              <a:t>timer0System</a:t>
+            </a:r>
+            <a:endParaRPr lang="en-CA" sz="1600" dirty="0">
               <a:solidFill>
                 <a:schemeClr val="tx1"/>
               </a:solidFill>
@@ -4732,14 +4776,14 @@
       </p:sp>
       <p:sp>
         <p:nvSpPr>
-          <p:cNvPr id="17" name="Rectangle 16"/>
+          <p:cNvPr id="16" name="Rectangle 15"/>
           <p:cNvSpPr/>
           <p:nvPr/>
         </p:nvSpPr>
         <p:spPr>
           <a:xfrm>
-            <a:off x="8248132" y="6335666"/>
-            <a:ext cx="878912" cy="392550"/>
+            <a:off x="6210733" y="6244825"/>
+            <a:ext cx="795666" cy="392550"/>
           </a:xfrm>
           <a:prstGeom prst="rect">
             <a:avLst/>
@@ -4777,14 +4821,14 @@
           <a:lstStyle/>
           <a:p>
             <a:r>
-              <a:rPr lang="en-US" dirty="0" err="1" smtClean="0">
-                <a:solidFill>
-                  <a:schemeClr val="tx1"/>
-                </a:solidFill>
-              </a:rPr>
-              <a:t>spi</a:t>
-            </a:r>
-            <a:endParaRPr lang="en-CA" dirty="0">
+              <a:rPr lang="en-US" sz="1600" dirty="0" smtClean="0">
+                <a:solidFill>
+                  <a:schemeClr val="tx1"/>
+                </a:solidFill>
+              </a:rPr>
+              <a:t>uart0</a:t>
+            </a:r>
+            <a:endParaRPr lang="en-CA" sz="1600" dirty="0">
               <a:solidFill>
                 <a:schemeClr val="tx1"/>
               </a:solidFill>
@@ -4794,21 +4838,22 @@
       </p:sp>
       <p:sp>
         <p:nvSpPr>
-          <p:cNvPr id="18" name="Rectangle 17"/>
+          <p:cNvPr id="17" name="Rectangle 16"/>
           <p:cNvSpPr/>
           <p:nvPr/>
         </p:nvSpPr>
         <p:spPr>
           <a:xfrm>
-            <a:off x="9478891" y="2951863"/>
-            <a:ext cx="1377565" cy="392550"/>
+            <a:off x="9482737" y="6244825"/>
+            <a:ext cx="878912" cy="392550"/>
           </a:xfrm>
           <a:prstGeom prst="rect">
             <a:avLst/>
           </a:prstGeom>
           <a:solidFill>
-            <a:schemeClr val="bg1">
-              <a:lumMod val="65000"/>
+            <a:schemeClr val="accent2">
+              <a:lumMod val="40000"/>
+              <a:lumOff val="60000"/>
             </a:schemeClr>
           </a:solidFill>
           <a:ln>
@@ -4838,14 +4883,76 @@
           <a:lstStyle/>
           <a:p>
             <a:r>
-              <a:rPr lang="en-US" dirty="0" err="1" smtClean="0">
+              <a:rPr lang="en-US" sz="1600" dirty="0" err="1" smtClean="0">
+                <a:solidFill>
+                  <a:schemeClr val="tx1"/>
+                </a:solidFill>
+              </a:rPr>
+              <a:t>spi</a:t>
+            </a:r>
+            <a:endParaRPr lang="en-CA" sz="1600" dirty="0">
+              <a:solidFill>
+                <a:schemeClr val="tx1"/>
+              </a:solidFill>
+            </a:endParaRPr>
+          </a:p>
+        </p:txBody>
+      </p:sp>
+      <p:sp>
+        <p:nvSpPr>
+          <p:cNvPr id="18" name="Rectangle 17"/>
+          <p:cNvSpPr/>
+          <p:nvPr/>
+        </p:nvSpPr>
+        <p:spPr>
+          <a:xfrm>
+            <a:off x="10660329" y="4008524"/>
+            <a:ext cx="1114968" cy="392550"/>
+          </a:xfrm>
+          <a:prstGeom prst="rect">
+            <a:avLst/>
+          </a:prstGeom>
+          <a:solidFill>
+            <a:schemeClr val="accent3">
+              <a:lumMod val="60000"/>
+              <a:lumOff val="40000"/>
+            </a:schemeClr>
+          </a:solidFill>
+          <a:ln>
+            <a:solidFill>
+              <a:schemeClr val="tx1"/>
+            </a:solidFill>
+          </a:ln>
+        </p:spPr>
+        <p:style>
+          <a:lnRef idx="2">
+            <a:schemeClr val="accent1">
+              <a:shade val="50000"/>
+            </a:schemeClr>
+          </a:lnRef>
+          <a:fillRef idx="1">
+            <a:schemeClr val="accent1"/>
+          </a:fillRef>
+          <a:effectRef idx="0">
+            <a:schemeClr val="accent1"/>
+          </a:effectRef>
+          <a:fontRef idx="minor">
+            <a:schemeClr val="lt1"/>
+          </a:fontRef>
+        </p:style>
+        <p:txBody>
+          <a:bodyPr rtlCol="0" anchor="t" anchorCtr="0"/>
+          <a:lstStyle/>
+          <a:p>
+            <a:r>
+              <a:rPr lang="en-US" sz="1600" dirty="0" err="1" smtClean="0">
                 <a:solidFill>
                   <a:schemeClr val="tx1"/>
                 </a:solidFill>
               </a:rPr>
               <a:t>petitFatFS</a:t>
             </a:r>
-            <a:endParaRPr lang="en-CA" dirty="0">
+            <a:endParaRPr lang="en-CA" sz="1600" dirty="0">
               <a:solidFill>
                 <a:schemeClr val="tx1"/>
               </a:solidFill>
@@ -4864,8 +4971,8 @@
         </p:nvCxnSpPr>
         <p:spPr>
           <a:xfrm>
-            <a:off x="2788863" y="4200219"/>
-            <a:ext cx="1813045" cy="1368427"/>
+            <a:off x="6569746" y="3975106"/>
+            <a:ext cx="2575433" cy="972693"/>
           </a:xfrm>
           <a:prstGeom prst="straightConnector1">
             <a:avLst/>
@@ -4899,9 +5006,9 @@
           <p:nvPr/>
         </p:nvCxnSpPr>
         <p:spPr>
-          <a:xfrm flipH="1">
-            <a:off x="4601908" y="4200219"/>
-            <a:ext cx="571906" cy="1368427"/>
+          <a:xfrm>
+            <a:off x="8646268" y="4095692"/>
+            <a:ext cx="498911" cy="852107"/>
           </a:xfrm>
           <a:prstGeom prst="straightConnector1">
             <a:avLst/>
@@ -4936,8 +5043,8 @@
         </p:nvCxnSpPr>
         <p:spPr>
           <a:xfrm>
-            <a:off x="2788863" y="4200219"/>
-            <a:ext cx="124542" cy="1384329"/>
+            <a:off x="6569746" y="3975106"/>
+            <a:ext cx="38820" cy="2269719"/>
           </a:xfrm>
           <a:prstGeom prst="straightConnector1">
             <a:avLst/>
@@ -4971,9 +5078,9 @@
           <p:nvPr/>
         </p:nvCxnSpPr>
         <p:spPr>
-          <a:xfrm>
-            <a:off x="7640260" y="4200219"/>
-            <a:ext cx="280520" cy="1368427"/>
+          <a:xfrm flipH="1">
+            <a:off x="2400426" y="4087739"/>
+            <a:ext cx="283563" cy="936264"/>
           </a:xfrm>
           <a:prstGeom prst="straightConnector1">
             <a:avLst/>
@@ -5008,8 +5115,8 @@
         </p:nvCxnSpPr>
         <p:spPr>
           <a:xfrm>
-            <a:off x="4601908" y="5961196"/>
-            <a:ext cx="4085680" cy="374470"/>
+            <a:off x="9145179" y="5340349"/>
+            <a:ext cx="777014" cy="904476"/>
           </a:xfrm>
           <a:prstGeom prst="straightConnector1">
             <a:avLst/>
@@ -5044,8 +5151,8 @@
         </p:nvCxnSpPr>
         <p:spPr>
           <a:xfrm flipH="1">
-            <a:off x="8687588" y="3344413"/>
-            <a:ext cx="1480086" cy="2991253"/>
+            <a:off x="9922193" y="4401074"/>
+            <a:ext cx="1295620" cy="1843751"/>
           </a:xfrm>
           <a:prstGeom prst="straightConnector1">
             <a:avLst/>
@@ -5069,87 +5176,6 @@
           </a:fontRef>
         </p:style>
       </p:cxnSp>
-      <p:sp>
-        <p:nvSpPr>
-          <p:cNvPr id="55" name="Rectangular Callout 54"/>
-          <p:cNvSpPr/>
-          <p:nvPr/>
-        </p:nvSpPr>
-        <p:spPr>
-          <a:xfrm>
-            <a:off x="942990" y="6287851"/>
-            <a:ext cx="2090661" cy="574993"/>
-          </a:xfrm>
-          <a:prstGeom prst="wedgeRectCallout">
-            <a:avLst>
-              <a:gd name="adj1" fmla="val 30782"/>
-              <a:gd name="adj2" fmla="val -61075"/>
-            </a:avLst>
-          </a:prstGeom>
-          <a:solidFill>
-            <a:schemeClr val="accent6">
-              <a:lumMod val="20000"/>
-              <a:lumOff val="80000"/>
-            </a:schemeClr>
-          </a:solidFill>
-          <a:ln>
-            <a:solidFill>
-              <a:schemeClr val="tx1"/>
-            </a:solidFill>
-          </a:ln>
-        </p:spPr>
-        <p:style>
-          <a:lnRef idx="2">
-            <a:schemeClr val="accent1">
-              <a:shade val="50000"/>
-            </a:schemeClr>
-          </a:lnRef>
-          <a:fillRef idx="1">
-            <a:schemeClr val="accent1"/>
-          </a:fillRef>
-          <a:effectRef idx="0">
-            <a:schemeClr val="accent1"/>
-          </a:effectRef>
-          <a:fontRef idx="minor">
-            <a:schemeClr val="lt1"/>
-          </a:fontRef>
-        </p:style>
-        <p:txBody>
-          <a:bodyPr rtlCol="0" anchor="t" anchorCtr="0"/>
-          <a:lstStyle/>
-          <a:p>
-            <a:r>
-              <a:rPr lang="en-US" sz="1400" dirty="0" smtClean="0">
-                <a:solidFill>
-                  <a:schemeClr val="tx1"/>
-                </a:solidFill>
-              </a:rPr>
-              <a:t>Each resource module has </a:t>
-            </a:r>
-            <a:r>
-              <a:rPr lang="en-US" sz="1400" dirty="0" err="1" smtClean="0">
-                <a:solidFill>
-                  <a:schemeClr val="tx1"/>
-                </a:solidFill>
-              </a:rPr>
-              <a:t>XXXconfig.h</a:t>
-            </a:r>
-            <a:r>
-              <a:rPr lang="en-US" sz="1400" dirty="0" smtClean="0">
-                <a:solidFill>
-                  <a:schemeClr val="tx1"/>
-                </a:solidFill>
-              </a:rPr>
-              <a:t> for porting</a:t>
-            </a:r>
-            <a:endParaRPr lang="en-CA" sz="1400" dirty="0">
-              <a:solidFill>
-                <a:schemeClr val="tx1"/>
-              </a:solidFill>
-            </a:endParaRPr>
-          </a:p>
-        </p:txBody>
-      </p:sp>
       <p:cxnSp>
         <p:nvCxnSpPr>
           <p:cNvPr id="59" name="Straight Arrow Connector 58"/>
@@ -5160,9 +5186,9 @@
           <p:nvPr/>
         </p:nvCxnSpPr>
         <p:spPr>
-          <a:xfrm>
-            <a:off x="5299669" y="2312736"/>
-            <a:ext cx="4235" cy="374470"/>
+          <a:xfrm flipH="1">
+            <a:off x="5763093" y="2329303"/>
+            <a:ext cx="935548" cy="357903"/>
           </a:xfrm>
           <a:prstGeom prst="straightConnector1">
             <a:avLst/>
@@ -5194,15 +5220,16 @@
         </p:nvSpPr>
         <p:spPr>
           <a:xfrm>
-            <a:off x="11150600" y="2943910"/>
+            <a:off x="10660330" y="2820412"/>
             <a:ext cx="790357" cy="392550"/>
           </a:xfrm>
           <a:prstGeom prst="rect">
             <a:avLst/>
           </a:prstGeom>
           <a:solidFill>
-            <a:schemeClr val="bg1">
-              <a:lumMod val="65000"/>
+            <a:schemeClr val="accent2">
+              <a:lumMod val="40000"/>
+              <a:lumOff val="60000"/>
             </a:schemeClr>
           </a:solidFill>
           <a:ln>
@@ -5232,14 +5259,14 @@
           <a:lstStyle/>
           <a:p>
             <a:r>
-              <a:rPr lang="en-US" dirty="0" smtClean="0">
+              <a:rPr lang="en-US" sz="1600" dirty="0" smtClean="0">
                 <a:solidFill>
                   <a:schemeClr val="tx1"/>
                 </a:solidFill>
               </a:rPr>
               <a:t>color</a:t>
             </a:r>
-            <a:endParaRPr lang="en-CA" dirty="0">
+            <a:endParaRPr lang="en-CA" sz="1600" dirty="0">
               <a:solidFill>
                 <a:schemeClr val="tx1"/>
               </a:solidFill>
@@ -5255,15 +5282,16 @@
         </p:nvSpPr>
         <p:spPr>
           <a:xfrm>
-            <a:off x="11147875" y="3607950"/>
+            <a:off x="10660329" y="3392785"/>
             <a:ext cx="790357" cy="392550"/>
           </a:xfrm>
           <a:prstGeom prst="rect">
             <a:avLst/>
           </a:prstGeom>
           <a:solidFill>
-            <a:schemeClr val="bg1">
-              <a:lumMod val="65000"/>
+            <a:schemeClr val="accent2">
+              <a:lumMod val="40000"/>
+              <a:lumOff val="60000"/>
             </a:schemeClr>
           </a:solidFill>
           <a:ln>
@@ -5293,14 +5321,14 @@
           <a:lstStyle/>
           <a:p>
             <a:r>
-              <a:rPr lang="en-US" dirty="0" smtClean="0">
+              <a:rPr lang="en-US" sz="1600" dirty="0" smtClean="0">
                 <a:solidFill>
                   <a:schemeClr val="tx1"/>
                 </a:solidFill>
               </a:rPr>
               <a:t>font</a:t>
             </a:r>
-            <a:endParaRPr lang="en-CA" dirty="0">
+            <a:endParaRPr lang="en-CA" sz="1600" dirty="0">
               <a:solidFill>
                 <a:schemeClr val="tx1"/>
               </a:solidFill>
@@ -5310,25 +5338,63 @@
       </p:sp>
       <p:sp>
         <p:nvSpPr>
-          <p:cNvPr id="68" name="Rectangular Callout 67"/>
+          <p:cNvPr id="69" name="Rectangle 68"/>
           <p:cNvSpPr/>
           <p:nvPr/>
         </p:nvSpPr>
         <p:spPr>
           <a:xfrm>
-            <a:off x="498308" y="3336460"/>
-            <a:ext cx="1354258" cy="751126"/>
-          </a:xfrm>
-          <a:prstGeom prst="wedgeRectCallout">
-            <a:avLst>
-              <a:gd name="adj1" fmla="val 58337"/>
-              <a:gd name="adj2" fmla="val 82742"/>
-            </a:avLst>
+            <a:off x="10246149" y="2308756"/>
+            <a:ext cx="869212" cy="400110"/>
+          </a:xfrm>
+          <a:prstGeom prst="rect">
+            <a:avLst/>
+          </a:prstGeom>
+        </p:spPr>
+        <p:txBody>
+          <a:bodyPr wrap="none">
+            <a:spAutoFit/>
+          </a:bodyPr>
+          <a:lstStyle/>
+          <a:p>
+            <a:r>
+              <a:rPr lang="en-US" sz="2000" b="1" dirty="0" smtClean="0">
+                <a:solidFill>
+                  <a:schemeClr val="accent1">
+                    <a:lumMod val="50000"/>
+                  </a:schemeClr>
+                </a:solidFill>
+              </a:rPr>
+              <a:t>others</a:t>
+            </a:r>
+            <a:endParaRPr lang="en-CA" sz="2000" b="1" dirty="0">
+              <a:solidFill>
+                <a:schemeClr val="accent1">
+                  <a:lumMod val="50000"/>
+                </a:schemeClr>
+              </a:solidFill>
+            </a:endParaRPr>
+          </a:p>
+        </p:txBody>
+      </p:sp>
+      <p:sp>
+        <p:nvSpPr>
+          <p:cNvPr id="70" name="Up-Down Arrow 69"/>
+          <p:cNvSpPr/>
+          <p:nvPr/>
+        </p:nvSpPr>
+        <p:spPr>
+          <a:xfrm>
+            <a:off x="81644" y="4610111"/>
+            <a:ext cx="208200" cy="2247890"/>
+          </a:xfrm>
+          <a:prstGeom prst="upDownArrow">
+            <a:avLst/>
           </a:prstGeom>
           <a:solidFill>
-            <a:schemeClr val="accent6">
-              <a:lumMod val="20000"/>
-              <a:lumOff val="80000"/>
+            <a:schemeClr val="accent4">
+              <a:lumMod val="40000"/>
+              <a:lumOff val="60000"/>
             </a:schemeClr>
           </a:solidFill>
           <a:ln>
@@ -5354,91 +5420,24 @@
           </a:fontRef>
         </p:style>
         <p:txBody>
-          <a:bodyPr rtlCol="0" anchor="t" anchorCtr="0"/>
-          <a:lstStyle/>
-          <a:p>
-            <a:r>
-              <a:rPr lang="en-US" sz="1400" dirty="0" err="1" smtClean="0">
-                <a:solidFill>
-                  <a:schemeClr val="tx1"/>
-                </a:solidFill>
-              </a:rPr>
-              <a:t>myRetarget.h</a:t>
-            </a:r>
-            <a:endParaRPr lang="en-US" sz="1400" dirty="0" smtClean="0">
-              <a:solidFill>
-                <a:schemeClr val="tx1"/>
-              </a:solidFill>
-            </a:endParaRPr>
-          </a:p>
-          <a:p>
-            <a:r>
-              <a:rPr lang="en-US" sz="1400" dirty="0" smtClean="0">
-                <a:solidFill>
-                  <a:schemeClr val="tx1"/>
-                </a:solidFill>
-              </a:rPr>
-              <a:t>switches which resource to use</a:t>
-            </a:r>
-            <a:endParaRPr lang="en-CA" sz="1400" dirty="0">
-              <a:solidFill>
-                <a:schemeClr val="tx1"/>
-              </a:solidFill>
-            </a:endParaRPr>
-          </a:p>
-        </p:txBody>
-      </p:sp>
-      <p:sp>
-        <p:nvSpPr>
-          <p:cNvPr id="69" name="Rectangle 68"/>
+          <a:bodyPr rtlCol="0" anchor="ctr"/>
+          <a:lstStyle/>
+          <a:p>
+            <a:pPr algn="ctr"/>
+            <a:endParaRPr lang="en-CA" sz="1600"/>
+          </a:p>
+        </p:txBody>
+      </p:sp>
+      <p:sp>
+        <p:nvSpPr>
+          <p:cNvPr id="71" name="Up-Down Arrow 70"/>
           <p:cNvSpPr/>
           <p:nvPr/>
         </p:nvSpPr>
         <p:spPr>
           <a:xfrm>
-            <a:off x="9103071" y="2293923"/>
-            <a:ext cx="1006429" cy="461665"/>
-          </a:xfrm>
-          <a:prstGeom prst="rect">
-            <a:avLst/>
-          </a:prstGeom>
-        </p:spPr>
-        <p:txBody>
-          <a:bodyPr wrap="none">
-            <a:spAutoFit/>
-          </a:bodyPr>
-          <a:lstStyle/>
-          <a:p>
-            <a:r>
-              <a:rPr lang="en-US" sz="2400" b="1" dirty="0" smtClean="0">
-                <a:solidFill>
-                  <a:schemeClr val="accent1">
-                    <a:lumMod val="50000"/>
-                  </a:schemeClr>
-                </a:solidFill>
-              </a:rPr>
-              <a:t>others</a:t>
-            </a:r>
-            <a:endParaRPr lang="en-CA" sz="2400" b="1" dirty="0">
-              <a:solidFill>
-                <a:schemeClr val="accent1">
-                  <a:lumMod val="50000"/>
-                </a:schemeClr>
-              </a:solidFill>
-            </a:endParaRPr>
-          </a:p>
-        </p:txBody>
-      </p:sp>
-      <p:sp>
-        <p:nvSpPr>
-          <p:cNvPr id="70" name="Up-Down Arrow 69"/>
-          <p:cNvSpPr/>
-          <p:nvPr/>
-        </p:nvSpPr>
-        <p:spPr>
-          <a:xfrm>
-            <a:off x="81643" y="4991169"/>
-            <a:ext cx="213401" cy="1866831"/>
+            <a:off x="81643" y="2438710"/>
+            <a:ext cx="210799" cy="2171400"/>
           </a:xfrm>
           <a:prstGeom prst="upDownArrow">
             <a:avLst/>
@@ -5476,20 +5475,20 @@
           <a:lstStyle/>
           <a:p>
             <a:pPr algn="ctr"/>
-            <a:endParaRPr lang="en-CA"/>
-          </a:p>
-        </p:txBody>
-      </p:sp>
-      <p:sp>
-        <p:nvSpPr>
-          <p:cNvPr id="71" name="Up-Down Arrow 70"/>
+            <a:endParaRPr lang="en-CA" sz="1600"/>
+          </a:p>
+        </p:txBody>
+      </p:sp>
+      <p:sp>
+        <p:nvSpPr>
+          <p:cNvPr id="72" name="Up-Down Arrow 71"/>
           <p:cNvSpPr/>
           <p:nvPr/>
         </p:nvSpPr>
         <p:spPr>
           <a:xfrm>
-            <a:off x="81644" y="2438710"/>
-            <a:ext cx="190886" cy="2552460"/>
+            <a:off x="79343" y="1273865"/>
+            <a:ext cx="215701" cy="1164844"/>
           </a:xfrm>
           <a:prstGeom prst="upDownArrow">
             <a:avLst/>
@@ -5527,58 +5526,7 @@
           <a:lstStyle/>
           <a:p>
             <a:pPr algn="ctr"/>
-            <a:endParaRPr lang="en-CA"/>
-          </a:p>
-        </p:txBody>
-      </p:sp>
-      <p:sp>
-        <p:nvSpPr>
-          <p:cNvPr id="72" name="Up-Down Arrow 71"/>
-          <p:cNvSpPr/>
-          <p:nvPr/>
-        </p:nvSpPr>
-        <p:spPr>
-          <a:xfrm>
-            <a:off x="79343" y="1273865"/>
-            <a:ext cx="215701" cy="1164844"/>
-          </a:xfrm>
-          <a:prstGeom prst="upDownArrow">
-            <a:avLst/>
-          </a:prstGeom>
-          <a:solidFill>
-            <a:schemeClr val="accent4">
-              <a:lumMod val="40000"/>
-              <a:lumOff val="60000"/>
-            </a:schemeClr>
-          </a:solidFill>
-          <a:ln>
-            <a:solidFill>
-              <a:schemeClr val="tx1"/>
-            </a:solidFill>
-          </a:ln>
-        </p:spPr>
-        <p:style>
-          <a:lnRef idx="2">
-            <a:schemeClr val="accent1">
-              <a:shade val="50000"/>
-            </a:schemeClr>
-          </a:lnRef>
-          <a:fillRef idx="1">
-            <a:schemeClr val="accent1"/>
-          </a:fillRef>
-          <a:effectRef idx="0">
-            <a:schemeClr val="accent1"/>
-          </a:effectRef>
-          <a:fontRef idx="minor">
-            <a:schemeClr val="lt1"/>
-          </a:fontRef>
-        </p:style>
-        <p:txBody>
-          <a:bodyPr rtlCol="0" anchor="ctr"/>
-          <a:lstStyle/>
-          <a:p>
-            <a:pPr algn="ctr"/>
-            <a:endParaRPr lang="en-CA"/>
+            <a:endParaRPr lang="en-CA" sz="1600"/>
           </a:p>
         </p:txBody>
       </p:sp>
@@ -5591,7 +5539,7 @@
         <p:spPr>
           <a:xfrm>
             <a:off x="220087" y="1673496"/>
-            <a:ext cx="996170" cy="338554"/>
+            <a:ext cx="923201" cy="307777"/>
           </a:xfrm>
           <a:prstGeom prst="rect">
             <a:avLst/>
@@ -5604,14 +5552,14 @@
           <a:lstStyle/>
           <a:p>
             <a:r>
-              <a:rPr lang="en-US" sz="1600" b="1" dirty="0" smtClean="0">
+              <a:rPr lang="en-US" sz="1400" b="1" dirty="0" smtClean="0">
                 <a:solidFill>
                   <a:srgbClr val="FF0000"/>
                 </a:solidFill>
               </a:rPr>
-              <a:t>App layer</a:t>
-            </a:r>
-            <a:endParaRPr lang="en-CA" sz="1600" b="1" dirty="0">
+              <a:t>App Layer</a:t>
+            </a:r>
+            <a:endParaRPr lang="en-CA" sz="1400" b="1" dirty="0">
               <a:solidFill>
                 <a:srgbClr val="FF0000"/>
               </a:solidFill>
@@ -5628,7 +5576,7 @@
         <p:spPr>
           <a:xfrm>
             <a:off x="200659" y="2704603"/>
-            <a:ext cx="1049903" cy="338554"/>
+            <a:ext cx="969561" cy="307777"/>
           </a:xfrm>
           <a:prstGeom prst="rect">
             <a:avLst/>
@@ -5641,14 +5589,14 @@
           <a:lstStyle/>
           <a:p>
             <a:r>
-              <a:rPr lang="en-US" sz="1600" b="1" dirty="0" smtClean="0">
+              <a:rPr lang="en-US" sz="1400" b="1" dirty="0" smtClean="0">
                 <a:solidFill>
                   <a:srgbClr val="FF0000"/>
                 </a:solidFill>
               </a:rPr>
-              <a:t>Infra layer</a:t>
-            </a:r>
-            <a:endParaRPr lang="en-CA" sz="1600" b="1" dirty="0">
+              <a:t>Infra Layer</a:t>
+            </a:r>
+            <a:endParaRPr lang="en-CA" sz="1400" b="1" dirty="0">
               <a:solidFill>
                 <a:srgbClr val="FF0000"/>
               </a:solidFill>
@@ -5664,8 +5612,8 @@
         </p:nvSpPr>
         <p:spPr>
           <a:xfrm>
-            <a:off x="249415" y="5074758"/>
-            <a:ext cx="1427891" cy="338554"/>
+            <a:off x="215417" y="4722114"/>
+            <a:ext cx="1301125" cy="307777"/>
           </a:xfrm>
           <a:prstGeom prst="rect">
             <a:avLst/>
@@ -5678,14 +5626,14 @@
           <a:lstStyle/>
           <a:p>
             <a:r>
-              <a:rPr lang="en-US" sz="1600" b="1" dirty="0" smtClean="0">
+              <a:rPr lang="en-US" sz="1400" b="1" dirty="0" smtClean="0">
                 <a:solidFill>
                   <a:srgbClr val="FF0000"/>
                 </a:solidFill>
               </a:rPr>
-              <a:t>Resource layer</a:t>
-            </a:r>
-            <a:endParaRPr lang="en-CA" sz="1600" b="1" dirty="0">
+              <a:t>Resource Layer</a:t>
+            </a:r>
+            <a:endParaRPr lang="en-CA" sz="1400" b="1" dirty="0">
               <a:solidFill>
                 <a:srgbClr val="FF0000"/>
               </a:solidFill>
@@ -5712,7 +5660,7 @@
         </p:spPr>
         <p:txBody>
           <a:bodyPr vert="horz" lIns="91440" tIns="45720" rIns="91440" bIns="45720" rtlCol="0" anchor="b">
-            <a:normAutofit fontScale="92500" lnSpcReduction="10000"/>
+            <a:normAutofit/>
           </a:bodyPr>
           <a:lstStyle>
             <a:lvl1pPr algn="ctr" defTabSz="914400" rtl="0" eaLnBrk="1" latinLnBrk="0" hangingPunct="1">
@@ -5736,10 +5684,10 @@
           <a:p>
             <a:pPr algn="l"/>
             <a:r>
-              <a:rPr lang="en-US" dirty="0" smtClean="0"/>
+              <a:rPr lang="en-US" sz="5400" dirty="0" smtClean="0"/>
               <a:t>Software Structure</a:t>
             </a:r>
-            <a:endParaRPr lang="en-CA" dirty="0"/>
+            <a:endParaRPr lang="en-CA" sz="5400" dirty="0"/>
           </a:p>
         </p:txBody>
       </p:sp>
@@ -5751,7 +5699,7 @@
         </p:nvSpPr>
         <p:spPr>
           <a:xfrm>
-            <a:off x="6365674" y="1052350"/>
+            <a:off x="6698641" y="699002"/>
             <a:ext cx="471504" cy="346549"/>
           </a:xfrm>
           <a:prstGeom prst="rect">
@@ -5789,7 +5737,7 @@
           <a:bodyPr rtlCol="0" anchor="t" anchorCtr="0"/>
           <a:lstStyle/>
           <a:p>
-            <a:endParaRPr lang="en-CA" dirty="0">
+            <a:endParaRPr lang="en-CA" sz="1600" dirty="0">
               <a:solidFill>
                 <a:schemeClr val="tx1"/>
               </a:solidFill>
@@ -5805,8 +5753,8 @@
         </p:nvSpPr>
         <p:spPr>
           <a:xfrm>
-            <a:off x="7002657" y="921138"/>
-            <a:ext cx="827471" cy="461665"/>
+            <a:off x="7335624" y="567790"/>
+            <a:ext cx="720069" cy="400110"/>
           </a:xfrm>
           <a:prstGeom prst="rect">
             <a:avLst/>
@@ -5819,7 +5767,7 @@
           <a:lstStyle/>
           <a:p>
             <a:r>
-              <a:rPr lang="en-US" sz="2400" b="1" dirty="0" smtClean="0">
+              <a:rPr lang="en-US" sz="2000" b="1" dirty="0" smtClean="0">
                 <a:solidFill>
                   <a:schemeClr val="accent1">
                     <a:lumMod val="50000"/>
@@ -5828,7 +5776,7 @@
               </a:rPr>
               <a:t>main</a:t>
             </a:r>
-            <a:endParaRPr lang="en-CA" sz="2400" b="1" dirty="0">
+            <a:endParaRPr lang="en-CA" sz="2000" b="1" dirty="0">
               <a:solidFill>
                 <a:schemeClr val="accent1">
                   <a:lumMod val="50000"/>
@@ -5846,7 +5794,7 @@
         </p:nvSpPr>
         <p:spPr>
           <a:xfrm>
-            <a:off x="4245426" y="1713068"/>
+            <a:off x="5644398" y="1729635"/>
             <a:ext cx="2108485" cy="599668"/>
           </a:xfrm>
           <a:prstGeom prst="rect">
@@ -5884,112 +5832,6 @@
           <a:bodyPr rtlCol="0" anchor="t" anchorCtr="0"/>
           <a:lstStyle/>
           <a:p>
-            <a:endParaRPr lang="en-CA" dirty="0">
-              <a:solidFill>
-                <a:schemeClr val="tx1"/>
-              </a:solidFill>
-            </a:endParaRPr>
-          </a:p>
-        </p:txBody>
-      </p:sp>
-      <p:sp>
-        <p:nvSpPr>
-          <p:cNvPr id="45" name="Rectangle 44"/>
-          <p:cNvSpPr/>
-          <p:nvPr/>
-        </p:nvSpPr>
-        <p:spPr>
-          <a:xfrm>
-            <a:off x="6435155" y="1772892"/>
-            <a:ext cx="1606658" cy="461665"/>
-          </a:xfrm>
-          <a:prstGeom prst="rect">
-            <a:avLst/>
-          </a:prstGeom>
-        </p:spPr>
-        <p:txBody>
-          <a:bodyPr wrap="none">
-            <a:spAutoFit/>
-          </a:bodyPr>
-          <a:lstStyle/>
-          <a:p>
-            <a:r>
-              <a:rPr lang="en-US" sz="2400" b="1" dirty="0" smtClean="0">
-                <a:solidFill>
-                  <a:schemeClr val="accent1">
-                    <a:lumMod val="50000"/>
-                  </a:schemeClr>
-                </a:solidFill>
-              </a:rPr>
-              <a:t>application</a:t>
-            </a:r>
-            <a:endParaRPr lang="en-CA" sz="2400" b="1" dirty="0">
-              <a:solidFill>
-                <a:schemeClr val="accent1">
-                  <a:lumMod val="50000"/>
-                </a:schemeClr>
-              </a:solidFill>
-            </a:endParaRPr>
-          </a:p>
-        </p:txBody>
-      </p:sp>
-      <p:sp>
-        <p:nvSpPr>
-          <p:cNvPr id="47" name="Rectangular Callout 46"/>
-          <p:cNvSpPr/>
-          <p:nvPr/>
-        </p:nvSpPr>
-        <p:spPr>
-          <a:xfrm>
-            <a:off x="8380300" y="661353"/>
-            <a:ext cx="1561888" cy="668141"/>
-          </a:xfrm>
-          <a:prstGeom prst="wedgeRectCallout">
-            <a:avLst>
-              <a:gd name="adj1" fmla="val -78093"/>
-              <a:gd name="adj2" fmla="val 24034"/>
-            </a:avLst>
-          </a:prstGeom>
-          <a:solidFill>
-            <a:schemeClr val="accent6">
-              <a:lumMod val="20000"/>
-              <a:lumOff val="80000"/>
-            </a:schemeClr>
-          </a:solidFill>
-          <a:ln>
-            <a:solidFill>
-              <a:schemeClr val="tx1"/>
-            </a:solidFill>
-          </a:ln>
-        </p:spPr>
-        <p:style>
-          <a:lnRef idx="2">
-            <a:schemeClr val="accent1">
-              <a:shade val="50000"/>
-            </a:schemeClr>
-          </a:lnRef>
-          <a:fillRef idx="1">
-            <a:schemeClr val="accent1"/>
-          </a:fillRef>
-          <a:effectRef idx="0">
-            <a:schemeClr val="accent1"/>
-          </a:effectRef>
-          <a:fontRef idx="minor">
-            <a:schemeClr val="lt1"/>
-          </a:fontRef>
-        </p:style>
-        <p:txBody>
-          <a:bodyPr rtlCol="0" anchor="t" anchorCtr="0"/>
-          <a:lstStyle/>
-          <a:p>
-            <a:r>
-              <a:rPr lang="en-US" sz="1600" dirty="0" smtClean="0">
-                <a:solidFill>
-                  <a:schemeClr val="tx1"/>
-                </a:solidFill>
-              </a:rPr>
-              <a:t>Call application to run</a:t>
-            </a:r>
             <a:endParaRPr lang="en-CA" sz="1600" dirty="0">
               <a:solidFill>
                 <a:schemeClr val="tx1"/>
@@ -6009,8 +5851,8 @@
         </p:nvCxnSpPr>
         <p:spPr>
           <a:xfrm flipH="1">
-            <a:off x="5299669" y="1398899"/>
-            <a:ext cx="1301757" cy="314169"/>
+            <a:off x="6698641" y="1045551"/>
+            <a:ext cx="235752" cy="684084"/>
           </a:xfrm>
           <a:prstGeom prst="straightConnector1">
             <a:avLst/>
@@ -6036,25 +5878,22 @@
       </p:cxnSp>
       <p:sp>
         <p:nvSpPr>
-          <p:cNvPr id="49" name="Rectangular Callout 48"/>
+          <p:cNvPr id="50" name="Rectangle 49"/>
           <p:cNvSpPr/>
           <p:nvPr/>
         </p:nvSpPr>
         <p:spPr>
           <a:xfrm>
-            <a:off x="8582284" y="1548850"/>
-            <a:ext cx="1817411" cy="668141"/>
-          </a:xfrm>
-          <a:prstGeom prst="wedgeRectCallout">
-            <a:avLst>
-              <a:gd name="adj1" fmla="val -73152"/>
-              <a:gd name="adj2" fmla="val 20368"/>
-            </a:avLst>
+            <a:off x="5771726" y="1843331"/>
+            <a:ext cx="1381288" cy="392550"/>
+          </a:xfrm>
+          <a:prstGeom prst="rect">
+            <a:avLst/>
           </a:prstGeom>
           <a:solidFill>
-            <a:schemeClr val="accent6">
-              <a:lumMod val="20000"/>
-              <a:lumOff val="80000"/>
+            <a:schemeClr val="accent2">
+              <a:lumMod val="40000"/>
+              <a:lumOff val="60000"/>
             </a:schemeClr>
           </a:solidFill>
           <a:ln>
@@ -6084,12 +5923,12 @@
           <a:lstStyle/>
           <a:p>
             <a:r>
-              <a:rPr lang="en-US" sz="1600" dirty="0" smtClean="0">
-                <a:solidFill>
-                  <a:schemeClr val="tx1"/>
-                </a:solidFill>
-              </a:rPr>
-              <a:t>User level software goes here</a:t>
+              <a:rPr lang="en-US" sz="1600" dirty="0" err="1">
+                <a:solidFill>
+                  <a:schemeClr val="tx1"/>
+                </a:solidFill>
+              </a:rPr>
+              <a:t>tinyDisplay</a:t>
             </a:r>
             <a:endParaRPr lang="en-CA" sz="1600" dirty="0">
               <a:solidFill>
@@ -6099,24 +5938,60 @@
           </a:p>
         </p:txBody>
       </p:sp>
-      <p:sp>
-        <p:nvSpPr>
-          <p:cNvPr id="50" name="Rectangle 49"/>
+      <p:cxnSp>
+        <p:nvCxnSpPr>
+          <p:cNvPr id="51" name="Straight Arrow Connector 50"/>
+          <p:cNvCxnSpPr>
+            <a:stCxn id="9" idx="2"/>
+            <a:endCxn id="12" idx="0"/>
+          </p:cNvCxnSpPr>
+          <p:nvPr/>
+        </p:nvCxnSpPr>
+        <p:spPr>
+          <a:xfrm>
+            <a:off x="6569746" y="3975106"/>
+            <a:ext cx="844252" cy="985707"/>
+          </a:xfrm>
+          <a:prstGeom prst="straightConnector1">
+            <a:avLst/>
+          </a:prstGeom>
+          <a:ln>
+            <a:tailEnd type="triangle"/>
+          </a:ln>
+        </p:spPr>
+        <p:style>
+          <a:lnRef idx="1">
+            <a:schemeClr val="accent1"/>
+          </a:lnRef>
+          <a:fillRef idx="0">
+            <a:schemeClr val="accent1"/>
+          </a:fillRef>
+          <a:effectRef idx="0">
+            <a:schemeClr val="accent1"/>
+          </a:effectRef>
+          <a:fontRef idx="minor">
+            <a:schemeClr val="tx1"/>
+          </a:fontRef>
+        </p:style>
+      </p:cxnSp>
+      <p:sp>
+        <p:nvSpPr>
+          <p:cNvPr id="52" name="Rectangle 51"/>
           <p:cNvSpPr/>
           <p:nvPr/>
         </p:nvSpPr>
         <p:spPr>
           <a:xfrm>
-            <a:off x="4394603" y="1827289"/>
-            <a:ext cx="1381288" cy="392550"/>
+            <a:off x="3990005" y="2839383"/>
+            <a:ext cx="1480158" cy="1248356"/>
           </a:xfrm>
           <a:prstGeom prst="rect">
             <a:avLst/>
           </a:prstGeom>
           <a:solidFill>
-            <a:schemeClr val="accent2">
-              <a:lumMod val="40000"/>
-              <a:lumOff val="60000"/>
+            <a:schemeClr val="accent3">
+              <a:lumMod val="60000"/>
+              <a:lumOff val="40000"/>
             </a:schemeClr>
           </a:solidFill>
           <a:ln>
@@ -6146,14 +6021,1170 @@
           <a:lstStyle/>
           <a:p>
             <a:r>
-              <a:rPr lang="en-US" dirty="0" err="1" smtClean="0">
-                <a:solidFill>
-                  <a:schemeClr val="tx1"/>
-                </a:solidFill>
-              </a:rPr>
-              <a:t>tinyDisplay</a:t>
-            </a:r>
-            <a:endParaRPr lang="en-CA" dirty="0">
+              <a:rPr lang="en-US" sz="1600" dirty="0" err="1" smtClean="0">
+                <a:solidFill>
+                  <a:schemeClr val="tx1"/>
+                </a:solidFill>
+              </a:rPr>
+              <a:t>myInput</a:t>
+            </a:r>
+            <a:endParaRPr lang="en-US" sz="1600" dirty="0" smtClean="0">
+              <a:solidFill>
+                <a:schemeClr val="tx1"/>
+              </a:solidFill>
+            </a:endParaRPr>
+          </a:p>
+          <a:p>
+            <a:r>
+              <a:rPr lang="en-US" sz="1600" dirty="0">
+                <a:solidFill>
+                  <a:schemeClr val="tx1"/>
+                </a:solidFill>
+              </a:rPr>
+              <a:t> </a:t>
+            </a:r>
+            <a:r>
+              <a:rPr lang="en-US" sz="1600" dirty="0" smtClean="0">
+                <a:solidFill>
+                  <a:schemeClr val="tx1"/>
+                </a:solidFill>
+              </a:rPr>
+              <a:t>- </a:t>
+            </a:r>
+            <a:r>
+              <a:rPr lang="en-CA" sz="1400" dirty="0" err="1" smtClean="0">
+                <a:solidFill>
+                  <a:schemeClr val="tx1"/>
+                </a:solidFill>
+              </a:rPr>
+              <a:t>setInput</a:t>
+            </a:r>
+            <a:r>
+              <a:rPr lang="en-CA" sz="1400" dirty="0" smtClean="0">
+                <a:solidFill>
+                  <a:schemeClr val="tx1"/>
+                </a:solidFill>
+              </a:rPr>
+              <a:t> </a:t>
+            </a:r>
+            <a:r>
+              <a:rPr lang="en-CA" sz="1400" dirty="0" err="1" smtClean="0">
+                <a:solidFill>
+                  <a:schemeClr val="tx1"/>
+                </a:solidFill>
+              </a:rPr>
+              <a:t>DialCallback</a:t>
+            </a:r>
+            <a:endParaRPr lang="en-US" sz="1400" dirty="0" smtClean="0">
+              <a:solidFill>
+                <a:schemeClr val="tx1"/>
+              </a:solidFill>
+            </a:endParaRPr>
+          </a:p>
+          <a:p>
+            <a:r>
+              <a:rPr lang="en-US" sz="1600" dirty="0">
+                <a:solidFill>
+                  <a:schemeClr val="tx1"/>
+                </a:solidFill>
+              </a:rPr>
+              <a:t> </a:t>
+            </a:r>
+            <a:r>
+              <a:rPr lang="en-US" sz="1600" dirty="0" smtClean="0">
+                <a:solidFill>
+                  <a:schemeClr val="tx1"/>
+                </a:solidFill>
+              </a:rPr>
+              <a:t>- etc.</a:t>
+            </a:r>
+            <a:endParaRPr lang="en-CA" sz="1600" dirty="0">
+              <a:solidFill>
+                <a:schemeClr val="tx1"/>
+              </a:solidFill>
+            </a:endParaRPr>
+          </a:p>
+        </p:txBody>
+      </p:sp>
+      <p:sp>
+        <p:nvSpPr>
+          <p:cNvPr id="54" name="Rectangle 53"/>
+          <p:cNvSpPr/>
+          <p:nvPr/>
+        </p:nvSpPr>
+        <p:spPr>
+          <a:xfrm>
+            <a:off x="3437705" y="6244825"/>
+            <a:ext cx="709910" cy="392550"/>
+          </a:xfrm>
+          <a:prstGeom prst="rect">
+            <a:avLst/>
+          </a:prstGeom>
+          <a:solidFill>
+            <a:schemeClr val="accent3">
+              <a:lumMod val="60000"/>
+              <a:lumOff val="40000"/>
+            </a:schemeClr>
+          </a:solidFill>
+          <a:ln>
+            <a:solidFill>
+              <a:schemeClr val="tx1"/>
+            </a:solidFill>
+          </a:ln>
+        </p:spPr>
+        <p:style>
+          <a:lnRef idx="2">
+            <a:schemeClr val="accent1">
+              <a:shade val="50000"/>
+            </a:schemeClr>
+          </a:lnRef>
+          <a:fillRef idx="1">
+            <a:schemeClr val="accent1"/>
+          </a:fillRef>
+          <a:effectRef idx="0">
+            <a:schemeClr val="accent1"/>
+          </a:effectRef>
+          <a:fontRef idx="minor">
+            <a:schemeClr val="lt1"/>
+          </a:fontRef>
+        </p:style>
+        <p:txBody>
+          <a:bodyPr rtlCol="0" anchor="t" anchorCtr="0"/>
+          <a:lstStyle/>
+          <a:p>
+            <a:r>
+              <a:rPr lang="en-US" sz="1600" dirty="0" smtClean="0">
+                <a:solidFill>
+                  <a:schemeClr val="tx1"/>
+                </a:solidFill>
+              </a:rPr>
+              <a:t>i2c</a:t>
+            </a:r>
+            <a:endParaRPr lang="en-CA" sz="1600" dirty="0">
+              <a:solidFill>
+                <a:schemeClr val="tx1"/>
+              </a:solidFill>
+            </a:endParaRPr>
+          </a:p>
+        </p:txBody>
+      </p:sp>
+      <p:sp>
+        <p:nvSpPr>
+          <p:cNvPr id="56" name="Rectangle 55"/>
+          <p:cNvSpPr/>
+          <p:nvPr/>
+        </p:nvSpPr>
+        <p:spPr>
+          <a:xfrm>
+            <a:off x="3478522" y="4964418"/>
+            <a:ext cx="1474499" cy="392550"/>
+          </a:xfrm>
+          <a:prstGeom prst="rect">
+            <a:avLst/>
+          </a:prstGeom>
+          <a:solidFill>
+            <a:schemeClr val="accent3">
+              <a:lumMod val="60000"/>
+              <a:lumOff val="40000"/>
+            </a:schemeClr>
+          </a:solidFill>
+          <a:ln>
+            <a:solidFill>
+              <a:schemeClr val="tx1"/>
+            </a:solidFill>
+          </a:ln>
+        </p:spPr>
+        <p:style>
+          <a:lnRef idx="2">
+            <a:schemeClr val="accent1">
+              <a:shade val="50000"/>
+            </a:schemeClr>
+          </a:lnRef>
+          <a:fillRef idx="1">
+            <a:schemeClr val="accent1"/>
+          </a:fillRef>
+          <a:effectRef idx="0">
+            <a:schemeClr val="accent1"/>
+          </a:effectRef>
+          <a:fontRef idx="minor">
+            <a:schemeClr val="lt1"/>
+          </a:fontRef>
+        </p:style>
+        <p:txBody>
+          <a:bodyPr rtlCol="0" anchor="t" anchorCtr="0"/>
+          <a:lstStyle/>
+          <a:p>
+            <a:r>
+              <a:rPr lang="en-US" sz="1600" dirty="0">
+                <a:solidFill>
+                  <a:schemeClr val="tx1"/>
+                </a:solidFill>
+              </a:rPr>
+              <a:t>accelADXL345</a:t>
+            </a:r>
+            <a:endParaRPr lang="en-CA" sz="1600" dirty="0">
+              <a:solidFill>
+                <a:schemeClr val="tx1"/>
+              </a:solidFill>
+            </a:endParaRPr>
+          </a:p>
+        </p:txBody>
+      </p:sp>
+      <p:sp>
+        <p:nvSpPr>
+          <p:cNvPr id="57" name="Rectangle 56"/>
+          <p:cNvSpPr/>
+          <p:nvPr/>
+        </p:nvSpPr>
+        <p:spPr>
+          <a:xfrm>
+            <a:off x="2414672" y="6244825"/>
+            <a:ext cx="674024" cy="392550"/>
+          </a:xfrm>
+          <a:prstGeom prst="rect">
+            <a:avLst/>
+          </a:prstGeom>
+          <a:solidFill>
+            <a:schemeClr val="accent3">
+              <a:lumMod val="60000"/>
+              <a:lumOff val="40000"/>
+            </a:schemeClr>
+          </a:solidFill>
+          <a:ln>
+            <a:solidFill>
+              <a:schemeClr val="tx1"/>
+            </a:solidFill>
+          </a:ln>
+        </p:spPr>
+        <p:style>
+          <a:lnRef idx="2">
+            <a:schemeClr val="accent1">
+              <a:shade val="50000"/>
+            </a:schemeClr>
+          </a:lnRef>
+          <a:fillRef idx="1">
+            <a:schemeClr val="accent1"/>
+          </a:fillRef>
+          <a:effectRef idx="0">
+            <a:schemeClr val="accent1"/>
+          </a:effectRef>
+          <a:fontRef idx="minor">
+            <a:schemeClr val="lt1"/>
+          </a:fontRef>
+        </p:style>
+        <p:txBody>
+          <a:bodyPr rtlCol="0" anchor="t" anchorCtr="0"/>
+          <a:lstStyle/>
+          <a:p>
+            <a:r>
+              <a:rPr lang="en-US" sz="1600" dirty="0" err="1" smtClean="0">
+                <a:solidFill>
+                  <a:schemeClr val="tx1"/>
+                </a:solidFill>
+              </a:rPr>
+              <a:t>adc</a:t>
+            </a:r>
+            <a:endParaRPr lang="en-CA" sz="1600" dirty="0">
+              <a:solidFill>
+                <a:schemeClr val="tx1"/>
+              </a:solidFill>
+            </a:endParaRPr>
+          </a:p>
+        </p:txBody>
+      </p:sp>
+      <p:sp>
+        <p:nvSpPr>
+          <p:cNvPr id="58" name="Rectangle 57"/>
+          <p:cNvSpPr/>
+          <p:nvPr/>
+        </p:nvSpPr>
+        <p:spPr>
+          <a:xfrm>
+            <a:off x="5446972" y="4899547"/>
+            <a:ext cx="878912" cy="392550"/>
+          </a:xfrm>
+          <a:prstGeom prst="rect">
+            <a:avLst/>
+          </a:prstGeom>
+          <a:solidFill>
+            <a:schemeClr val="accent3">
+              <a:lumMod val="60000"/>
+              <a:lumOff val="40000"/>
+            </a:schemeClr>
+          </a:solidFill>
+          <a:ln>
+            <a:solidFill>
+              <a:schemeClr val="tx1"/>
+            </a:solidFill>
+          </a:ln>
+        </p:spPr>
+        <p:style>
+          <a:lnRef idx="2">
+            <a:schemeClr val="accent1">
+              <a:shade val="50000"/>
+            </a:schemeClr>
+          </a:lnRef>
+          <a:fillRef idx="1">
+            <a:schemeClr val="accent1"/>
+          </a:fillRef>
+          <a:effectRef idx="0">
+            <a:schemeClr val="accent1"/>
+          </a:effectRef>
+          <a:fontRef idx="minor">
+            <a:schemeClr val="lt1"/>
+          </a:fontRef>
+        </p:style>
+        <p:txBody>
+          <a:bodyPr rtlCol="0" anchor="t" anchorCtr="0"/>
+          <a:lstStyle/>
+          <a:p>
+            <a:r>
+              <a:rPr lang="en-US" sz="1600" dirty="0" smtClean="0">
+                <a:solidFill>
+                  <a:schemeClr val="tx1"/>
+                </a:solidFill>
+              </a:rPr>
+              <a:t>keys</a:t>
+            </a:r>
+            <a:endParaRPr lang="en-CA" sz="1600" dirty="0">
+              <a:solidFill>
+                <a:schemeClr val="tx1"/>
+              </a:solidFill>
+            </a:endParaRPr>
+          </a:p>
+        </p:txBody>
+      </p:sp>
+      <p:sp>
+        <p:nvSpPr>
+          <p:cNvPr id="60" name="Rectangle 59"/>
+          <p:cNvSpPr/>
+          <p:nvPr/>
+        </p:nvSpPr>
+        <p:spPr>
+          <a:xfrm>
+            <a:off x="4361902" y="5316278"/>
+            <a:ext cx="1547628" cy="392550"/>
+          </a:xfrm>
+          <a:prstGeom prst="rect">
+            <a:avLst/>
+          </a:prstGeom>
+          <a:solidFill>
+            <a:schemeClr val="accent3">
+              <a:lumMod val="60000"/>
+              <a:lumOff val="40000"/>
+            </a:schemeClr>
+          </a:solidFill>
+          <a:ln>
+            <a:solidFill>
+              <a:schemeClr val="tx1"/>
+            </a:solidFill>
+          </a:ln>
+        </p:spPr>
+        <p:style>
+          <a:lnRef idx="2">
+            <a:schemeClr val="accent1">
+              <a:shade val="50000"/>
+            </a:schemeClr>
+          </a:lnRef>
+          <a:fillRef idx="1">
+            <a:schemeClr val="accent1"/>
+          </a:fillRef>
+          <a:effectRef idx="0">
+            <a:schemeClr val="accent1"/>
+          </a:effectRef>
+          <a:fontRef idx="minor">
+            <a:schemeClr val="lt1"/>
+          </a:fontRef>
+        </p:style>
+        <p:txBody>
+          <a:bodyPr rtlCol="0" anchor="t" anchorCtr="0"/>
+          <a:lstStyle/>
+          <a:p>
+            <a:r>
+              <a:rPr lang="en-US" sz="1600" dirty="0" err="1">
+                <a:solidFill>
+                  <a:schemeClr val="tx1"/>
+                </a:solidFill>
+              </a:rPr>
+              <a:t>rotaryEncoder</a:t>
+            </a:r>
+            <a:endParaRPr lang="en-CA" sz="1600" dirty="0">
+              <a:solidFill>
+                <a:schemeClr val="tx1"/>
+              </a:solidFill>
+            </a:endParaRPr>
+          </a:p>
+        </p:txBody>
+      </p:sp>
+      <p:sp>
+        <p:nvSpPr>
+          <p:cNvPr id="63" name="Rectangle 62"/>
+          <p:cNvSpPr/>
+          <p:nvPr/>
+        </p:nvSpPr>
+        <p:spPr>
+          <a:xfrm>
+            <a:off x="8709396" y="1254218"/>
+            <a:ext cx="2108485" cy="599668"/>
+          </a:xfrm>
+          <a:prstGeom prst="rect">
+            <a:avLst/>
+          </a:prstGeom>
+          <a:solidFill>
+            <a:schemeClr val="accent4">
+              <a:lumMod val="20000"/>
+              <a:lumOff val="80000"/>
+            </a:schemeClr>
+          </a:solidFill>
+          <a:ln>
+            <a:solidFill>
+              <a:schemeClr val="tx1"/>
+            </a:solidFill>
+          </a:ln>
+        </p:spPr>
+        <p:style>
+          <a:lnRef idx="2">
+            <a:schemeClr val="accent1">
+              <a:shade val="50000"/>
+            </a:schemeClr>
+          </a:lnRef>
+          <a:fillRef idx="1">
+            <a:schemeClr val="accent1"/>
+          </a:fillRef>
+          <a:effectRef idx="0">
+            <a:schemeClr val="accent1"/>
+          </a:effectRef>
+          <a:fontRef idx="minor">
+            <a:schemeClr val="lt1"/>
+          </a:fontRef>
+        </p:style>
+        <p:txBody>
+          <a:bodyPr rtlCol="0" anchor="t" anchorCtr="0"/>
+          <a:lstStyle/>
+          <a:p>
+            <a:endParaRPr lang="en-CA" sz="1600" dirty="0">
+              <a:solidFill>
+                <a:schemeClr val="tx1"/>
+              </a:solidFill>
+            </a:endParaRPr>
+          </a:p>
+        </p:txBody>
+      </p:sp>
+      <p:sp>
+        <p:nvSpPr>
+          <p:cNvPr id="65" name="Rectangle 64"/>
+          <p:cNvSpPr/>
+          <p:nvPr/>
+        </p:nvSpPr>
+        <p:spPr>
+          <a:xfrm>
+            <a:off x="8862416" y="1371881"/>
+            <a:ext cx="1381288" cy="392550"/>
+          </a:xfrm>
+          <a:prstGeom prst="rect">
+            <a:avLst/>
+          </a:prstGeom>
+          <a:solidFill>
+            <a:schemeClr val="accent2">
+              <a:lumMod val="40000"/>
+              <a:lumOff val="60000"/>
+            </a:schemeClr>
+          </a:solidFill>
+          <a:ln>
+            <a:solidFill>
+              <a:schemeClr val="tx1"/>
+            </a:solidFill>
+          </a:ln>
+        </p:spPr>
+        <p:style>
+          <a:lnRef idx="2">
+            <a:schemeClr val="accent1">
+              <a:shade val="50000"/>
+            </a:schemeClr>
+          </a:lnRef>
+          <a:fillRef idx="1">
+            <a:schemeClr val="accent1"/>
+          </a:fillRef>
+          <a:effectRef idx="0">
+            <a:schemeClr val="accent1"/>
+          </a:effectRef>
+          <a:fontRef idx="minor">
+            <a:schemeClr val="lt1"/>
+          </a:fontRef>
+        </p:style>
+        <p:txBody>
+          <a:bodyPr rtlCol="0" anchor="t" anchorCtr="0"/>
+          <a:lstStyle/>
+          <a:p>
+            <a:r>
+              <a:rPr lang="en-US" sz="1600" dirty="0" err="1" smtClean="0">
+                <a:solidFill>
+                  <a:schemeClr val="tx1"/>
+                </a:solidFill>
+              </a:rPr>
+              <a:t>taskManager</a:t>
+            </a:r>
+            <a:endParaRPr lang="en-CA" sz="1600" dirty="0">
+              <a:solidFill>
+                <a:schemeClr val="tx1"/>
+              </a:solidFill>
+            </a:endParaRPr>
+          </a:p>
+        </p:txBody>
+      </p:sp>
+      <p:sp>
+        <p:nvSpPr>
+          <p:cNvPr id="75" name="Rectangle 74"/>
+          <p:cNvSpPr/>
+          <p:nvPr/>
+        </p:nvSpPr>
+        <p:spPr>
+          <a:xfrm>
+            <a:off x="10138345" y="854108"/>
+            <a:ext cx="926536" cy="400110"/>
+          </a:xfrm>
+          <a:prstGeom prst="rect">
+            <a:avLst/>
+          </a:prstGeom>
+        </p:spPr>
+        <p:txBody>
+          <a:bodyPr wrap="none">
+            <a:spAutoFit/>
+          </a:bodyPr>
+          <a:lstStyle/>
+          <a:p>
+            <a:r>
+              <a:rPr lang="en-US" sz="2000" b="1" dirty="0" smtClean="0">
+                <a:solidFill>
+                  <a:schemeClr val="accent1">
+                    <a:lumMod val="50000"/>
+                  </a:schemeClr>
+                </a:solidFill>
+              </a:rPr>
+              <a:t>system</a:t>
+            </a:r>
+            <a:endParaRPr lang="en-CA" sz="2000" b="1" dirty="0">
+              <a:solidFill>
+                <a:schemeClr val="accent1">
+                  <a:lumMod val="50000"/>
+                </a:schemeClr>
+              </a:solidFill>
+            </a:endParaRPr>
+          </a:p>
+        </p:txBody>
+      </p:sp>
+      <p:cxnSp>
+        <p:nvCxnSpPr>
+          <p:cNvPr id="77" name="Straight Arrow Connector 76"/>
+          <p:cNvCxnSpPr>
+            <a:stCxn id="41" idx="2"/>
+            <a:endCxn id="63" idx="1"/>
+          </p:cNvCxnSpPr>
+          <p:nvPr/>
+        </p:nvCxnSpPr>
+        <p:spPr>
+          <a:xfrm>
+            <a:off x="6934393" y="1045551"/>
+            <a:ext cx="1775003" cy="508501"/>
+          </a:xfrm>
+          <a:prstGeom prst="straightConnector1">
+            <a:avLst/>
+          </a:prstGeom>
+          <a:ln>
+            <a:tailEnd type="triangle"/>
+          </a:ln>
+        </p:spPr>
+        <p:style>
+          <a:lnRef idx="1">
+            <a:schemeClr val="accent1"/>
+          </a:lnRef>
+          <a:fillRef idx="0">
+            <a:schemeClr val="accent1"/>
+          </a:fillRef>
+          <a:effectRef idx="0">
+            <a:schemeClr val="accent1"/>
+          </a:effectRef>
+          <a:fontRef idx="minor">
+            <a:schemeClr val="tx1"/>
+          </a:fontRef>
+        </p:style>
+      </p:cxnSp>
+      <p:sp>
+        <p:nvSpPr>
+          <p:cNvPr id="120" name="Rectangle 119"/>
+          <p:cNvSpPr/>
+          <p:nvPr/>
+        </p:nvSpPr>
+        <p:spPr>
+          <a:xfrm>
+            <a:off x="997797" y="5966269"/>
+            <a:ext cx="916533" cy="400110"/>
+          </a:xfrm>
+          <a:prstGeom prst="rect">
+            <a:avLst/>
+          </a:prstGeom>
+        </p:spPr>
+        <p:txBody>
+          <a:bodyPr wrap="none">
+            <a:spAutoFit/>
+          </a:bodyPr>
+          <a:lstStyle/>
+          <a:p>
+            <a:r>
+              <a:rPr lang="en-US" sz="2000" b="1" dirty="0" smtClean="0">
+                <a:solidFill>
+                  <a:schemeClr val="accent1">
+                    <a:lumMod val="50000"/>
+                  </a:schemeClr>
+                </a:solidFill>
+              </a:rPr>
+              <a:t>drivers</a:t>
+            </a:r>
+            <a:endParaRPr lang="en-CA" sz="2000" b="1" dirty="0">
+              <a:solidFill>
+                <a:schemeClr val="accent1">
+                  <a:lumMod val="50000"/>
+                </a:schemeClr>
+              </a:solidFill>
+            </a:endParaRPr>
+          </a:p>
+        </p:txBody>
+      </p:sp>
+      <p:cxnSp>
+        <p:nvCxnSpPr>
+          <p:cNvPr id="137" name="Straight Arrow Connector 136"/>
+          <p:cNvCxnSpPr>
+            <a:endCxn id="56" idx="0"/>
+          </p:cNvCxnSpPr>
+          <p:nvPr/>
+        </p:nvCxnSpPr>
+        <p:spPr>
+          <a:xfrm flipH="1">
+            <a:off x="4215772" y="4095164"/>
+            <a:ext cx="484448" cy="869254"/>
+          </a:xfrm>
+          <a:prstGeom prst="straightConnector1">
+            <a:avLst/>
+          </a:prstGeom>
+          <a:ln>
+            <a:tailEnd type="triangle"/>
+          </a:ln>
+        </p:spPr>
+        <p:style>
+          <a:lnRef idx="1">
+            <a:schemeClr val="accent1"/>
+          </a:lnRef>
+          <a:fillRef idx="0">
+            <a:schemeClr val="accent1"/>
+          </a:fillRef>
+          <a:effectRef idx="0">
+            <a:schemeClr val="accent1"/>
+          </a:effectRef>
+          <a:fontRef idx="minor">
+            <a:schemeClr val="tx1"/>
+          </a:fontRef>
+        </p:style>
+      </p:cxnSp>
+      <p:cxnSp>
+        <p:nvCxnSpPr>
+          <p:cNvPr id="141" name="Straight Arrow Connector 140"/>
+          <p:cNvCxnSpPr/>
+          <p:nvPr/>
+        </p:nvCxnSpPr>
+        <p:spPr>
+          <a:xfrm>
+            <a:off x="4700220" y="4107063"/>
+            <a:ext cx="310846" cy="1207342"/>
+          </a:xfrm>
+          <a:prstGeom prst="straightConnector1">
+            <a:avLst/>
+          </a:prstGeom>
+          <a:ln>
+            <a:tailEnd type="triangle"/>
+          </a:ln>
+        </p:spPr>
+        <p:style>
+          <a:lnRef idx="1">
+            <a:schemeClr val="accent1"/>
+          </a:lnRef>
+          <a:fillRef idx="0">
+            <a:schemeClr val="accent1"/>
+          </a:fillRef>
+          <a:effectRef idx="0">
+            <a:schemeClr val="accent1"/>
+          </a:effectRef>
+          <a:fontRef idx="minor">
+            <a:schemeClr val="tx1"/>
+          </a:fontRef>
+        </p:style>
+      </p:cxnSp>
+      <p:cxnSp>
+        <p:nvCxnSpPr>
+          <p:cNvPr id="145" name="Straight Arrow Connector 144"/>
+          <p:cNvCxnSpPr>
+            <a:endCxn id="58" idx="0"/>
+          </p:cNvCxnSpPr>
+          <p:nvPr/>
+        </p:nvCxnSpPr>
+        <p:spPr>
+          <a:xfrm>
+            <a:off x="4692348" y="4089612"/>
+            <a:ext cx="1194080" cy="809935"/>
+          </a:xfrm>
+          <a:prstGeom prst="straightConnector1">
+            <a:avLst/>
+          </a:prstGeom>
+          <a:ln>
+            <a:tailEnd type="triangle"/>
+          </a:ln>
+        </p:spPr>
+        <p:style>
+          <a:lnRef idx="1">
+            <a:schemeClr val="accent1"/>
+          </a:lnRef>
+          <a:fillRef idx="0">
+            <a:schemeClr val="accent1"/>
+          </a:fillRef>
+          <a:effectRef idx="0">
+            <a:schemeClr val="accent1"/>
+          </a:effectRef>
+          <a:fontRef idx="minor">
+            <a:schemeClr val="tx1"/>
+          </a:fontRef>
+        </p:style>
+      </p:cxnSp>
+      <p:cxnSp>
+        <p:nvCxnSpPr>
+          <p:cNvPr id="148" name="Straight Arrow Connector 147"/>
+          <p:cNvCxnSpPr>
+            <a:stCxn id="56" idx="2"/>
+            <a:endCxn id="54" idx="0"/>
+          </p:cNvCxnSpPr>
+          <p:nvPr/>
+        </p:nvCxnSpPr>
+        <p:spPr>
+          <a:xfrm flipH="1">
+            <a:off x="3792660" y="5356968"/>
+            <a:ext cx="423112" cy="887857"/>
+          </a:xfrm>
+          <a:prstGeom prst="straightConnector1">
+            <a:avLst/>
+          </a:prstGeom>
+          <a:ln>
+            <a:tailEnd type="triangle"/>
+          </a:ln>
+        </p:spPr>
+        <p:style>
+          <a:lnRef idx="1">
+            <a:schemeClr val="accent1"/>
+          </a:lnRef>
+          <a:fillRef idx="0">
+            <a:schemeClr val="accent1"/>
+          </a:fillRef>
+          <a:effectRef idx="0">
+            <a:schemeClr val="accent1"/>
+          </a:effectRef>
+          <a:fontRef idx="minor">
+            <a:schemeClr val="tx1"/>
+          </a:fontRef>
+        </p:style>
+      </p:cxnSp>
+      <p:cxnSp>
+        <p:nvCxnSpPr>
+          <p:cNvPr id="152" name="Straight Arrow Connector 151"/>
+          <p:cNvCxnSpPr>
+            <a:stCxn id="52" idx="2"/>
+            <a:endCxn id="57" idx="0"/>
+          </p:cNvCxnSpPr>
+          <p:nvPr/>
+        </p:nvCxnSpPr>
+        <p:spPr>
+          <a:xfrm flipH="1">
+            <a:off x="2751684" y="4087739"/>
+            <a:ext cx="1978400" cy="2157086"/>
+          </a:xfrm>
+          <a:prstGeom prst="straightConnector1">
+            <a:avLst/>
+          </a:prstGeom>
+          <a:ln>
+            <a:tailEnd type="triangle"/>
+          </a:ln>
+        </p:spPr>
+        <p:style>
+          <a:lnRef idx="1">
+            <a:schemeClr val="accent1"/>
+          </a:lnRef>
+          <a:fillRef idx="0">
+            <a:schemeClr val="accent1"/>
+          </a:fillRef>
+          <a:effectRef idx="0">
+            <a:schemeClr val="accent1"/>
+          </a:effectRef>
+          <a:fontRef idx="minor">
+            <a:schemeClr val="tx1"/>
+          </a:fontRef>
+        </p:style>
+      </p:cxnSp>
+      <p:cxnSp>
+        <p:nvCxnSpPr>
+          <p:cNvPr id="155" name="Straight Arrow Connector 154"/>
+          <p:cNvCxnSpPr>
+            <a:stCxn id="44" idx="2"/>
+          </p:cNvCxnSpPr>
+          <p:nvPr/>
+        </p:nvCxnSpPr>
+        <p:spPr>
+          <a:xfrm>
+            <a:off x="6698641" y="2329303"/>
+            <a:ext cx="3782093" cy="529188"/>
+          </a:xfrm>
+          <a:prstGeom prst="straightConnector1">
+            <a:avLst/>
+          </a:prstGeom>
+          <a:ln>
+            <a:tailEnd type="triangle"/>
+          </a:ln>
+        </p:spPr>
+        <p:style>
+          <a:lnRef idx="1">
+            <a:schemeClr val="accent1"/>
+          </a:lnRef>
+          <a:fillRef idx="0">
+            <a:schemeClr val="accent1"/>
+          </a:fillRef>
+          <a:effectRef idx="0">
+            <a:schemeClr val="accent1"/>
+          </a:effectRef>
+          <a:fontRef idx="minor">
+            <a:schemeClr val="tx1"/>
+          </a:fontRef>
+        </p:style>
+      </p:cxnSp>
+      <p:sp>
+        <p:nvSpPr>
+          <p:cNvPr id="165" name="Rectangular Callout 164"/>
+          <p:cNvSpPr/>
+          <p:nvPr/>
+        </p:nvSpPr>
+        <p:spPr>
+          <a:xfrm>
+            <a:off x="8471852" y="226182"/>
+            <a:ext cx="3102309" cy="404738"/>
+          </a:xfrm>
+          <a:prstGeom prst="wedgeRectCallout">
+            <a:avLst>
+              <a:gd name="adj1" fmla="val -59771"/>
+              <a:gd name="adj2" fmla="val 89165"/>
+            </a:avLst>
+          </a:prstGeom>
+          <a:solidFill>
+            <a:schemeClr val="accent6">
+              <a:lumMod val="20000"/>
+              <a:lumOff val="80000"/>
+            </a:schemeClr>
+          </a:solidFill>
+          <a:ln>
+            <a:solidFill>
+              <a:schemeClr val="tx1"/>
+            </a:solidFill>
+          </a:ln>
+        </p:spPr>
+        <p:style>
+          <a:lnRef idx="2">
+            <a:schemeClr val="accent1">
+              <a:shade val="50000"/>
+            </a:schemeClr>
+          </a:lnRef>
+          <a:fillRef idx="1">
+            <a:schemeClr val="accent1"/>
+          </a:fillRef>
+          <a:effectRef idx="0">
+            <a:schemeClr val="accent1"/>
+          </a:effectRef>
+          <a:fontRef idx="minor">
+            <a:schemeClr val="lt1"/>
+          </a:fontRef>
+        </p:style>
+        <p:txBody>
+          <a:bodyPr rtlCol="0" anchor="t" anchorCtr="0"/>
+          <a:lstStyle/>
+          <a:p>
+            <a:r>
+              <a:rPr lang="en-US" sz="1600" dirty="0" smtClean="0">
+                <a:solidFill>
+                  <a:schemeClr val="tx1"/>
+                </a:solidFill>
+              </a:rPr>
+              <a:t>Register application tasks to run</a:t>
+            </a:r>
+            <a:endParaRPr lang="en-CA" sz="1600" dirty="0">
+              <a:solidFill>
+                <a:schemeClr val="tx1"/>
+              </a:solidFill>
+            </a:endParaRPr>
+          </a:p>
+        </p:txBody>
+      </p:sp>
+      <p:sp>
+        <p:nvSpPr>
+          <p:cNvPr id="167" name="Rectangular Callout 166"/>
+          <p:cNvSpPr/>
+          <p:nvPr/>
+        </p:nvSpPr>
+        <p:spPr>
+          <a:xfrm>
+            <a:off x="10480734" y="4982846"/>
+            <a:ext cx="1684240" cy="645975"/>
+          </a:xfrm>
+          <a:prstGeom prst="wedgeRectCallout">
+            <a:avLst>
+              <a:gd name="adj1" fmla="val -67489"/>
+              <a:gd name="adj2" fmla="val -23948"/>
+            </a:avLst>
+          </a:prstGeom>
+          <a:solidFill>
+            <a:schemeClr val="accent6">
+              <a:lumMod val="20000"/>
+              <a:lumOff val="80000"/>
+            </a:schemeClr>
+          </a:solidFill>
+          <a:ln>
+            <a:solidFill>
+              <a:schemeClr val="tx1"/>
+            </a:solidFill>
+          </a:ln>
+        </p:spPr>
+        <p:style>
+          <a:lnRef idx="2">
+            <a:schemeClr val="accent1">
+              <a:shade val="50000"/>
+            </a:schemeClr>
+          </a:lnRef>
+          <a:fillRef idx="1">
+            <a:schemeClr val="accent1"/>
+          </a:fillRef>
+          <a:effectRef idx="0">
+            <a:schemeClr val="accent1"/>
+          </a:effectRef>
+          <a:fontRef idx="minor">
+            <a:schemeClr val="lt1"/>
+          </a:fontRef>
+        </p:style>
+        <p:txBody>
+          <a:bodyPr rtlCol="0" anchor="t" anchorCtr="0"/>
+          <a:lstStyle/>
+          <a:p>
+            <a:r>
+              <a:rPr lang="en-US" sz="1200" dirty="0" smtClean="0">
+                <a:solidFill>
+                  <a:schemeClr val="tx1"/>
+                </a:solidFill>
+              </a:rPr>
+              <a:t>Each resource module has </a:t>
+            </a:r>
+            <a:r>
+              <a:rPr lang="en-US" sz="1200" dirty="0" err="1" smtClean="0">
+                <a:solidFill>
+                  <a:schemeClr val="tx1"/>
+                </a:solidFill>
+              </a:rPr>
+              <a:t>XXXconfig.h</a:t>
+            </a:r>
+            <a:r>
+              <a:rPr lang="en-US" sz="1200" dirty="0" smtClean="0">
+                <a:solidFill>
+                  <a:schemeClr val="tx1"/>
+                </a:solidFill>
+              </a:rPr>
+              <a:t> for porting</a:t>
+            </a:r>
+            <a:endParaRPr lang="en-CA" sz="1200" dirty="0">
+              <a:solidFill>
+                <a:schemeClr val="tx1"/>
+              </a:solidFill>
+            </a:endParaRPr>
+          </a:p>
+        </p:txBody>
+      </p:sp>
+      <p:sp>
+        <p:nvSpPr>
+          <p:cNvPr id="168" name="Rectangular Callout 167"/>
+          <p:cNvSpPr/>
+          <p:nvPr/>
+        </p:nvSpPr>
+        <p:spPr>
+          <a:xfrm>
+            <a:off x="234893" y="3511184"/>
+            <a:ext cx="1354258" cy="751126"/>
+          </a:xfrm>
+          <a:prstGeom prst="wedgeRectCallout">
+            <a:avLst>
+              <a:gd name="adj1" fmla="val 76467"/>
+              <a:gd name="adj2" fmla="val 44417"/>
+            </a:avLst>
+          </a:prstGeom>
+          <a:solidFill>
+            <a:schemeClr val="accent6">
+              <a:lumMod val="20000"/>
+              <a:lumOff val="80000"/>
+            </a:schemeClr>
+          </a:solidFill>
+          <a:ln>
+            <a:solidFill>
+              <a:schemeClr val="tx1"/>
+            </a:solidFill>
+          </a:ln>
+        </p:spPr>
+        <p:style>
+          <a:lnRef idx="2">
+            <a:schemeClr val="accent1">
+              <a:shade val="50000"/>
+            </a:schemeClr>
+          </a:lnRef>
+          <a:fillRef idx="1">
+            <a:schemeClr val="accent1"/>
+          </a:fillRef>
+          <a:effectRef idx="0">
+            <a:schemeClr val="accent1"/>
+          </a:effectRef>
+          <a:fontRef idx="minor">
+            <a:schemeClr val="lt1"/>
+          </a:fontRef>
+        </p:style>
+        <p:txBody>
+          <a:bodyPr rtlCol="0" anchor="t" anchorCtr="0"/>
+          <a:lstStyle/>
+          <a:p>
+            <a:r>
+              <a:rPr lang="en-US" sz="1400" dirty="0" err="1" smtClean="0">
+                <a:solidFill>
+                  <a:schemeClr val="tx1"/>
+                </a:solidFill>
+              </a:rPr>
+              <a:t>myRetarget.h</a:t>
+            </a:r>
+            <a:endParaRPr lang="en-US" sz="1400" dirty="0" smtClean="0">
+              <a:solidFill>
+                <a:schemeClr val="tx1"/>
+              </a:solidFill>
+            </a:endParaRPr>
+          </a:p>
+          <a:p>
+            <a:r>
+              <a:rPr lang="en-US" sz="1400" dirty="0" smtClean="0">
+                <a:solidFill>
+                  <a:schemeClr val="tx1"/>
+                </a:solidFill>
+              </a:rPr>
+              <a:t>switches which resource to use</a:t>
+            </a:r>
+            <a:endParaRPr lang="en-CA" sz="1400" dirty="0">
+              <a:solidFill>
+                <a:schemeClr val="tx1"/>
+              </a:solidFill>
+            </a:endParaRPr>
+          </a:p>
+        </p:txBody>
+      </p:sp>
+      <p:sp>
+        <p:nvSpPr>
+          <p:cNvPr id="61" name="Rectangle 60"/>
+          <p:cNvSpPr/>
+          <p:nvPr/>
+        </p:nvSpPr>
+        <p:spPr>
+          <a:xfrm>
+            <a:off x="4957240" y="1380456"/>
+            <a:ext cx="1368644" cy="400110"/>
+          </a:xfrm>
+          <a:prstGeom prst="rect">
+            <a:avLst/>
+          </a:prstGeom>
+        </p:spPr>
+        <p:txBody>
+          <a:bodyPr wrap="none">
+            <a:spAutoFit/>
+          </a:bodyPr>
+          <a:lstStyle/>
+          <a:p>
+            <a:r>
+              <a:rPr lang="en-US" sz="2000" b="1" dirty="0" smtClean="0">
+                <a:solidFill>
+                  <a:schemeClr val="accent1">
+                    <a:lumMod val="50000"/>
+                  </a:schemeClr>
+                </a:solidFill>
+              </a:rPr>
+              <a:t>application</a:t>
+            </a:r>
+            <a:endParaRPr lang="en-CA" sz="2000" b="1" dirty="0">
+              <a:solidFill>
+                <a:schemeClr val="accent1">
+                  <a:lumMod val="50000"/>
+                </a:schemeClr>
+              </a:solidFill>
+            </a:endParaRPr>
+          </a:p>
+        </p:txBody>
+      </p:sp>
+      <p:sp>
+        <p:nvSpPr>
+          <p:cNvPr id="62" name="Rectangular Callout 61"/>
+          <p:cNvSpPr/>
+          <p:nvPr/>
+        </p:nvSpPr>
+        <p:spPr>
+          <a:xfrm>
+            <a:off x="2896875" y="1408669"/>
+            <a:ext cx="1817411" cy="668141"/>
+          </a:xfrm>
+          <a:prstGeom prst="wedgeRectCallout">
+            <a:avLst>
+              <a:gd name="adj1" fmla="val 63737"/>
+              <a:gd name="adj2" fmla="val 22834"/>
+            </a:avLst>
+          </a:prstGeom>
+          <a:solidFill>
+            <a:schemeClr val="accent6">
+              <a:lumMod val="20000"/>
+              <a:lumOff val="80000"/>
+            </a:schemeClr>
+          </a:solidFill>
+          <a:ln>
+            <a:solidFill>
+              <a:schemeClr val="tx1"/>
+            </a:solidFill>
+          </a:ln>
+        </p:spPr>
+        <p:style>
+          <a:lnRef idx="2">
+            <a:schemeClr val="accent1">
+              <a:shade val="50000"/>
+            </a:schemeClr>
+          </a:lnRef>
+          <a:fillRef idx="1">
+            <a:schemeClr val="accent1"/>
+          </a:fillRef>
+          <a:effectRef idx="0">
+            <a:schemeClr val="accent1"/>
+          </a:effectRef>
+          <a:fontRef idx="minor">
+            <a:schemeClr val="lt1"/>
+          </a:fontRef>
+        </p:style>
+        <p:txBody>
+          <a:bodyPr rtlCol="0" anchor="t" anchorCtr="0"/>
+          <a:lstStyle/>
+          <a:p>
+            <a:r>
+              <a:rPr lang="en-US" sz="1600" dirty="0" smtClean="0">
+                <a:solidFill>
+                  <a:schemeClr val="tx1"/>
+                </a:solidFill>
+              </a:rPr>
+              <a:t>User level software goes here</a:t>
+            </a:r>
+            <a:endParaRPr lang="en-CA" sz="1600" dirty="0">
               <a:solidFill>
                 <a:schemeClr val="tx1"/>
               </a:solidFill>
@@ -6164,7 +7195,7 @@
     </p:spTree>
     <p:extLst>
       <p:ext uri="{BB962C8B-B14F-4D97-AF65-F5344CB8AC3E}">
-        <p14:creationId xmlns:p14="http://schemas.microsoft.com/office/powerpoint/2010/main" val="3211786239"/>
+        <p14:creationId xmlns:p14="http://schemas.microsoft.com/office/powerpoint/2010/main" val="271374526"/>
       </p:ext>
     </p:extLst>
   </p:cSld>
@@ -6193,14 +7224,14 @@
       </p:grpSpPr>
       <p:sp>
         <p:nvSpPr>
-          <p:cNvPr id="64" name="Rectangle 63"/>
+          <p:cNvPr id="6" name="Rectangle 5"/>
           <p:cNvSpPr/>
           <p:nvPr/>
         </p:nvSpPr>
         <p:spPr>
           <a:xfrm>
-            <a:off x="9337656" y="2687206"/>
-            <a:ext cx="2818965" cy="1908071"/>
+            <a:off x="1790309" y="2687206"/>
+            <a:ext cx="7945567" cy="1773573"/>
           </a:xfrm>
           <a:prstGeom prst="rect">
             <a:avLst/>
@@ -6237,7 +7268,7 @@
           <a:bodyPr rtlCol="0" anchor="t" anchorCtr="0"/>
           <a:lstStyle/>
           <a:p>
-            <a:endParaRPr lang="en-CA" dirty="0">
+            <a:endParaRPr lang="en-CA" sz="1600" dirty="0">
               <a:solidFill>
                 <a:schemeClr val="tx1"/>
               </a:solidFill>
@@ -6247,14 +7278,65 @@
       </p:sp>
       <p:sp>
         <p:nvSpPr>
-          <p:cNvPr id="5" name="Rectangle 4"/>
+          <p:cNvPr id="169" name="Rounded Rectangle 168"/>
           <p:cNvSpPr/>
           <p:nvPr/>
         </p:nvSpPr>
         <p:spPr>
           <a:xfrm>
-            <a:off x="6365674" y="1052350"/>
-            <a:ext cx="471504" cy="346549"/>
+            <a:off x="1954769" y="4212351"/>
+            <a:ext cx="7604170" cy="153293"/>
+          </a:xfrm>
+          <a:prstGeom prst="roundRect">
+            <a:avLst/>
+          </a:prstGeom>
+          <a:solidFill>
+            <a:srgbClr val="BFBFBF"/>
+          </a:solidFill>
+          <a:ln w="3175">
+            <a:solidFill>
+              <a:srgbClr val="000000"/>
+            </a:solidFill>
+          </a:ln>
+        </p:spPr>
+        <p:style>
+          <a:lnRef idx="2">
+            <a:schemeClr val="accent1">
+              <a:shade val="50000"/>
+            </a:schemeClr>
+          </a:lnRef>
+          <a:fillRef idx="1">
+            <a:schemeClr val="accent1"/>
+          </a:fillRef>
+          <a:effectRef idx="0">
+            <a:schemeClr val="accent1"/>
+          </a:effectRef>
+          <a:fontRef idx="minor">
+            <a:schemeClr val="lt1"/>
+          </a:fontRef>
+        </p:style>
+        <p:txBody>
+          <a:bodyPr rtlCol="0" anchor="t" anchorCtr="0"/>
+          <a:lstStyle/>
+          <a:p>
+            <a:endParaRPr lang="en-CA" sz="1600" dirty="0">
+              <a:solidFill>
+                <a:schemeClr val="tx1"/>
+              </a:solidFill>
+            </a:endParaRPr>
+          </a:p>
+        </p:txBody>
+      </p:sp>
+      <p:sp>
+        <p:nvSpPr>
+          <p:cNvPr id="119" name="Rectangle 118"/>
+          <p:cNvSpPr/>
+          <p:nvPr/>
+        </p:nvSpPr>
+        <p:spPr>
+          <a:xfrm>
+            <a:off x="1906568" y="5916586"/>
+            <a:ext cx="9025170" cy="884927"/>
           </a:xfrm>
           <a:prstGeom prst="rect">
             <a:avLst/>
@@ -6291,7 +7373,7 @@
           <a:bodyPr rtlCol="0" anchor="t" anchorCtr="0"/>
           <a:lstStyle/>
           <a:p>
-            <a:endParaRPr lang="en-CA" dirty="0">
+            <a:endParaRPr lang="en-CA" sz="1600" dirty="0">
               <a:solidFill>
                 <a:schemeClr val="tx1"/>
               </a:solidFill>
@@ -6301,14 +7383,14 @@
       </p:sp>
       <p:sp>
         <p:nvSpPr>
-          <p:cNvPr id="6" name="Rectangle 5"/>
+          <p:cNvPr id="64" name="Rectangle 63"/>
           <p:cNvSpPr/>
           <p:nvPr/>
         </p:nvSpPr>
         <p:spPr>
           <a:xfrm>
-            <a:off x="1790309" y="2687206"/>
-            <a:ext cx="7027190" cy="1908071"/>
+            <a:off x="10480734" y="2702039"/>
+            <a:ext cx="1480225" cy="1908071"/>
           </a:xfrm>
           <a:prstGeom prst="rect">
             <a:avLst/>
@@ -6345,7 +7427,7 @@
           <a:bodyPr rtlCol="0" anchor="t" anchorCtr="0"/>
           <a:lstStyle/>
           <a:p>
-            <a:endParaRPr lang="en-CA" dirty="0">
+            <a:endParaRPr lang="en-CA" sz="1600" dirty="0">
               <a:solidFill>
                 <a:schemeClr val="tx1"/>
               </a:solidFill>
@@ -6355,14 +7437,14 @@
       </p:sp>
       <p:sp>
         <p:nvSpPr>
-          <p:cNvPr id="7" name="Rectangle 6"/>
+          <p:cNvPr id="8" name="Rectangle 7"/>
           <p:cNvSpPr/>
           <p:nvPr/>
         </p:nvSpPr>
         <p:spPr>
           <a:xfrm>
-            <a:off x="7002657" y="921138"/>
-            <a:ext cx="827471" cy="461665"/>
+            <a:off x="942990" y="2248494"/>
+            <a:ext cx="1418337" cy="400110"/>
           </a:xfrm>
           <a:prstGeom prst="rect">
             <a:avLst/>
@@ -6375,16 +7457,16 @@
           <a:lstStyle/>
           <a:p>
             <a:r>
-              <a:rPr lang="en-US" sz="2400" b="1" dirty="0" smtClean="0">
+              <a:rPr lang="en-US" sz="2000" b="1" dirty="0" err="1" smtClean="0">
                 <a:solidFill>
                   <a:schemeClr val="accent1">
                     <a:lumMod val="50000"/>
                   </a:schemeClr>
                 </a:solidFill>
               </a:rPr>
-              <a:t>main</a:t>
-            </a:r>
-            <a:endParaRPr lang="en-CA" sz="2400" b="1" dirty="0">
+              <a:t>myLibraries</a:t>
+            </a:r>
+            <a:endParaRPr lang="en-CA" sz="2000" b="1" dirty="0">
               <a:solidFill>
                 <a:schemeClr val="accent1">
                   <a:lumMod val="50000"/>
@@ -6396,55 +7478,14 @@
       </p:sp>
       <p:sp>
         <p:nvSpPr>
-          <p:cNvPr id="8" name="Rectangle 7"/>
-          <p:cNvSpPr/>
-          <p:nvPr/>
-        </p:nvSpPr>
-        <p:spPr>
-          <a:xfrm>
-            <a:off x="942990" y="2248494"/>
-            <a:ext cx="1663148" cy="461665"/>
-          </a:xfrm>
-          <a:prstGeom prst="rect">
-            <a:avLst/>
-          </a:prstGeom>
-        </p:spPr>
-        <p:txBody>
-          <a:bodyPr wrap="none">
-            <a:spAutoFit/>
-          </a:bodyPr>
-          <a:lstStyle/>
-          <a:p>
-            <a:r>
-              <a:rPr lang="en-US" sz="2400" b="1" dirty="0" err="1" smtClean="0">
-                <a:solidFill>
-                  <a:schemeClr val="accent1">
-                    <a:lumMod val="50000"/>
-                  </a:schemeClr>
-                </a:solidFill>
-              </a:rPr>
-              <a:t>myLibraries</a:t>
-            </a:r>
-            <a:endParaRPr lang="en-CA" sz="2400" b="1" dirty="0">
-              <a:solidFill>
-                <a:schemeClr val="accent1">
-                  <a:lumMod val="50000"/>
-                </a:schemeClr>
-              </a:solidFill>
-            </a:endParaRPr>
-          </a:p>
-        </p:txBody>
-      </p:sp>
-      <p:sp>
-        <p:nvSpPr>
           <p:cNvPr id="9" name="Rectangle 8"/>
           <p:cNvSpPr/>
           <p:nvPr/>
         </p:nvSpPr>
         <p:spPr>
           <a:xfrm>
-            <a:off x="2092461" y="2951863"/>
-            <a:ext cx="1392804" cy="1248356"/>
+            <a:off x="5919614" y="2839383"/>
+            <a:ext cx="1300264" cy="1135723"/>
           </a:xfrm>
           <a:prstGeom prst="rect">
             <a:avLst/>
@@ -6482,14 +7523,14 @@
           <a:lstStyle/>
           <a:p>
             <a:r>
-              <a:rPr lang="en-US" dirty="0" err="1" smtClean="0">
+              <a:rPr lang="en-US" sz="1600" dirty="0" err="1" smtClean="0">
                 <a:solidFill>
                   <a:schemeClr val="tx1"/>
                 </a:solidFill>
               </a:rPr>
               <a:t>myStdio</a:t>
             </a:r>
-            <a:endParaRPr lang="en-US" dirty="0" smtClean="0">
+            <a:endParaRPr lang="en-US" sz="1600" dirty="0" smtClean="0">
               <a:solidFill>
                 <a:schemeClr val="tx1"/>
               </a:solidFill>
@@ -6497,7 +7538,7 @@
           </a:p>
           <a:p>
             <a:r>
-              <a:rPr lang="en-US" dirty="0">
+              <a:rPr lang="en-US" sz="1600" dirty="0">
                 <a:solidFill>
                   <a:schemeClr val="tx1"/>
                 </a:solidFill>
@@ -6505,7 +7546,7 @@
               <a:t> </a:t>
             </a:r>
             <a:r>
-              <a:rPr lang="en-US" dirty="0" smtClean="0">
+              <a:rPr lang="en-US" sz="1600" dirty="0" smtClean="0">
                 <a:solidFill>
                   <a:schemeClr val="tx1"/>
                 </a:solidFill>
@@ -6515,7 +7556,7 @@
           </a:p>
           <a:p>
             <a:r>
-              <a:rPr lang="en-US" dirty="0">
+              <a:rPr lang="en-US" sz="1600" dirty="0">
                 <a:solidFill>
                   <a:schemeClr val="tx1"/>
                 </a:solidFill>
@@ -6523,7 +7564,7 @@
               <a:t> </a:t>
             </a:r>
             <a:r>
-              <a:rPr lang="en-US" dirty="0" smtClean="0">
+              <a:rPr lang="en-US" sz="1600" dirty="0" smtClean="0">
                 <a:solidFill>
                   <a:schemeClr val="tx1"/>
                 </a:solidFill>
@@ -6531,14 +7572,14 @@
               <a:t>- </a:t>
             </a:r>
             <a:r>
-              <a:rPr lang="en-US" dirty="0" err="1" smtClean="0">
+              <a:rPr lang="en-US" sz="1600" dirty="0" err="1" smtClean="0">
                 <a:solidFill>
                   <a:schemeClr val="tx1"/>
                 </a:solidFill>
               </a:rPr>
               <a:t>getchar</a:t>
             </a:r>
-            <a:endParaRPr lang="en-US" dirty="0" smtClean="0">
+            <a:endParaRPr lang="en-US" sz="1600" dirty="0" smtClean="0">
               <a:solidFill>
                 <a:schemeClr val="tx1"/>
               </a:solidFill>
@@ -6546,7 +7587,7 @@
           </a:p>
           <a:p>
             <a:r>
-              <a:rPr lang="en-US" dirty="0">
+              <a:rPr lang="en-US" sz="1600" dirty="0">
                 <a:solidFill>
                   <a:schemeClr val="tx1"/>
                 </a:solidFill>
@@ -6554,14 +7595,14 @@
               <a:t> </a:t>
             </a:r>
             <a:r>
-              <a:rPr lang="en-US" dirty="0" smtClean="0">
+              <a:rPr lang="en-US" sz="1600" dirty="0" smtClean="0">
                 <a:solidFill>
                   <a:schemeClr val="tx1"/>
                 </a:solidFill>
               </a:rPr>
               <a:t>-etc.</a:t>
             </a:r>
-            <a:endParaRPr lang="en-CA" dirty="0">
+            <a:endParaRPr lang="en-CA" sz="1600" dirty="0">
               <a:solidFill>
                 <a:schemeClr val="tx1"/>
               </a:solidFill>
@@ -6577,8 +7618,8 @@
         </p:nvSpPr>
         <p:spPr>
           <a:xfrm>
-            <a:off x="6837178" y="2951863"/>
-            <a:ext cx="1606164" cy="1248356"/>
+            <a:off x="1943910" y="2839383"/>
+            <a:ext cx="1480158" cy="1248356"/>
           </a:xfrm>
           <a:prstGeom prst="rect">
             <a:avLst/>
@@ -6616,14 +7657,14 @@
           <a:lstStyle/>
           <a:p>
             <a:r>
-              <a:rPr lang="en-US" dirty="0" err="1" smtClean="0">
+              <a:rPr lang="en-US" sz="1600" dirty="0" err="1" smtClean="0">
                 <a:solidFill>
                   <a:schemeClr val="tx1"/>
                 </a:solidFill>
               </a:rPr>
               <a:t>myTimer</a:t>
             </a:r>
-            <a:endParaRPr lang="en-US" dirty="0" smtClean="0">
+            <a:endParaRPr lang="en-US" sz="1600" dirty="0" smtClean="0">
               <a:solidFill>
                 <a:schemeClr val="tx1"/>
               </a:solidFill>
@@ -6631,7 +7672,7 @@
           </a:p>
           <a:p>
             <a:r>
-              <a:rPr lang="en-US" dirty="0">
+              <a:rPr lang="en-US" sz="1600" dirty="0">
                 <a:solidFill>
                   <a:schemeClr val="tx1"/>
                 </a:solidFill>
@@ -6639,7 +7680,7 @@
               <a:t> </a:t>
             </a:r>
             <a:r>
-              <a:rPr lang="en-US" dirty="0" smtClean="0">
+              <a:rPr lang="en-US" sz="1600" dirty="0" smtClean="0">
                 <a:solidFill>
                   <a:schemeClr val="tx1"/>
                 </a:solidFill>
@@ -6647,14 +7688,14 @@
               <a:t>- </a:t>
             </a:r>
             <a:r>
-              <a:rPr lang="en-US" dirty="0" err="1" smtClean="0">
+              <a:rPr lang="en-US" sz="1600" dirty="0" err="1" smtClean="0">
                 <a:solidFill>
                   <a:schemeClr val="tx1"/>
                 </a:solidFill>
               </a:rPr>
               <a:t>getTimerMS</a:t>
             </a:r>
-            <a:endParaRPr lang="en-US" dirty="0" smtClean="0">
+            <a:endParaRPr lang="en-US" sz="1600" dirty="0" smtClean="0">
               <a:solidFill>
                 <a:schemeClr val="tx1"/>
               </a:solidFill>
@@ -6662,7 +7703,7 @@
           </a:p>
           <a:p>
             <a:r>
-              <a:rPr lang="en-US" dirty="0">
+              <a:rPr lang="en-US" sz="1600" dirty="0">
                 <a:solidFill>
                   <a:schemeClr val="tx1"/>
                 </a:solidFill>
@@ -6670,14 +7711,14 @@
               <a:t> </a:t>
             </a:r>
             <a:r>
-              <a:rPr lang="en-US" dirty="0" smtClean="0">
+              <a:rPr lang="en-US" sz="1600" dirty="0" smtClean="0">
                 <a:solidFill>
                   <a:schemeClr val="tx1"/>
                 </a:solidFill>
               </a:rPr>
               <a:t>- etc.</a:t>
             </a:r>
-            <a:endParaRPr lang="en-CA" dirty="0">
+            <a:endParaRPr lang="en-CA" sz="1600" dirty="0">
               <a:solidFill>
                 <a:schemeClr val="tx1"/>
               </a:solidFill>
@@ -6693,8 +7734,8 @@
         </p:nvSpPr>
         <p:spPr>
           <a:xfrm>
-            <a:off x="4230479" y="2943910"/>
-            <a:ext cx="1886670" cy="1256309"/>
+            <a:off x="7803799" y="2839383"/>
+            <a:ext cx="1684938" cy="1256309"/>
           </a:xfrm>
           <a:prstGeom prst="rect">
             <a:avLst/>
@@ -6732,14 +7773,14 @@
           <a:lstStyle/>
           <a:p>
             <a:r>
-              <a:rPr lang="en-US" dirty="0" err="1" smtClean="0">
+              <a:rPr lang="en-US" sz="1600" dirty="0" err="1" smtClean="0">
                 <a:solidFill>
                   <a:schemeClr val="tx1"/>
                 </a:solidFill>
               </a:rPr>
               <a:t>myVideo</a:t>
             </a:r>
-            <a:endParaRPr lang="en-US" dirty="0" smtClean="0">
+            <a:endParaRPr lang="en-US" sz="1600" dirty="0" smtClean="0">
               <a:solidFill>
                 <a:schemeClr val="tx1"/>
               </a:solidFill>
@@ -6747,7 +7788,7 @@
           </a:p>
           <a:p>
             <a:r>
-              <a:rPr lang="en-US" dirty="0">
+              <a:rPr lang="en-US" sz="1600" dirty="0">
                 <a:solidFill>
                   <a:schemeClr val="tx1"/>
                 </a:solidFill>
@@ -6755,7 +7796,7 @@
               <a:t> </a:t>
             </a:r>
             <a:r>
-              <a:rPr lang="en-US" dirty="0" smtClean="0">
+              <a:rPr lang="en-US" sz="1600" dirty="0" smtClean="0">
                 <a:solidFill>
                   <a:schemeClr val="tx1"/>
                 </a:solidFill>
@@ -6763,14 +7804,14 @@
               <a:t>- </a:t>
             </a:r>
             <a:r>
-              <a:rPr lang="en-US" dirty="0" err="1" smtClean="0">
+              <a:rPr lang="en-US" sz="1600" dirty="0" err="1" smtClean="0">
                 <a:solidFill>
                   <a:schemeClr val="tx1"/>
                 </a:solidFill>
               </a:rPr>
               <a:t>drawPixel</a:t>
             </a:r>
-            <a:endParaRPr lang="en-US" dirty="0" smtClean="0">
+            <a:endParaRPr lang="en-US" sz="1600" dirty="0" smtClean="0">
               <a:solidFill>
                 <a:schemeClr val="tx1"/>
               </a:solidFill>
@@ -6778,7 +7819,7 @@
           </a:p>
           <a:p>
             <a:r>
-              <a:rPr lang="en-US" dirty="0">
+              <a:rPr lang="en-US" sz="1600" dirty="0">
                 <a:solidFill>
                   <a:schemeClr val="tx1"/>
                 </a:solidFill>
@@ -6786,7 +7827,7 @@
               <a:t> </a:t>
             </a:r>
             <a:r>
-              <a:rPr lang="en-US" dirty="0" smtClean="0">
+              <a:rPr lang="en-US" sz="1600" dirty="0" smtClean="0">
                 <a:solidFill>
                   <a:schemeClr val="tx1"/>
                 </a:solidFill>
@@ -6794,14 +7835,14 @@
               <a:t>- </a:t>
             </a:r>
             <a:r>
-              <a:rPr lang="en-US" dirty="0" err="1" smtClean="0">
+              <a:rPr lang="en-US" sz="1600" dirty="0" err="1" smtClean="0">
                 <a:solidFill>
                   <a:schemeClr val="tx1"/>
                 </a:solidFill>
               </a:rPr>
               <a:t>drawLineBuffer</a:t>
             </a:r>
-            <a:endParaRPr lang="en-US" dirty="0" smtClean="0">
+            <a:endParaRPr lang="en-US" sz="1600" dirty="0" smtClean="0">
               <a:solidFill>
                 <a:schemeClr val="tx1"/>
               </a:solidFill>
@@ -6809,7 +7850,7 @@
           </a:p>
           <a:p>
             <a:r>
-              <a:rPr lang="en-US" dirty="0">
+              <a:rPr lang="en-US" sz="1600" dirty="0">
                 <a:solidFill>
                   <a:schemeClr val="tx1"/>
                 </a:solidFill>
@@ -6817,14 +7858,14 @@
               <a:t> </a:t>
             </a:r>
             <a:r>
-              <a:rPr lang="en-US" dirty="0" smtClean="0">
+              <a:rPr lang="en-US" sz="1600" dirty="0" smtClean="0">
                 <a:solidFill>
                   <a:schemeClr val="tx1"/>
                 </a:solidFill>
               </a:rPr>
               <a:t>- etc.</a:t>
             </a:r>
-            <a:endParaRPr lang="en-CA" dirty="0">
+            <a:endParaRPr lang="en-CA" sz="1600" dirty="0">
               <a:solidFill>
                 <a:schemeClr val="tx1"/>
               </a:solidFill>
@@ -6840,7 +7881,7 @@
         </p:nvSpPr>
         <p:spPr>
           <a:xfrm>
-            <a:off x="966974" y="5576597"/>
+            <a:off x="6828140" y="4960813"/>
             <a:ext cx="1171715" cy="392550"/>
           </a:xfrm>
           <a:prstGeom prst="rect">
@@ -6879,14 +7920,14 @@
           <a:lstStyle/>
           <a:p>
             <a:r>
-              <a:rPr lang="en-US" dirty="0" err="1" smtClean="0">
+              <a:rPr lang="en-US" sz="1600" dirty="0" err="1" smtClean="0">
                 <a:solidFill>
                   <a:schemeClr val="tx1"/>
                 </a:solidFill>
               </a:rPr>
               <a:t>charLcd</a:t>
             </a:r>
-            <a:endParaRPr lang="en-CA" dirty="0">
+            <a:endParaRPr lang="en-CA" sz="1600" dirty="0">
               <a:solidFill>
                 <a:schemeClr val="tx1"/>
               </a:solidFill>
@@ -6902,7 +7943,7 @@
         </p:nvSpPr>
         <p:spPr>
           <a:xfrm>
-            <a:off x="3733530" y="5568646"/>
+            <a:off x="8276801" y="4947799"/>
             <a:ext cx="1736755" cy="392550"/>
           </a:xfrm>
           <a:prstGeom prst="rect">
@@ -6941,14 +7982,14 @@
           <a:lstStyle/>
           <a:p>
             <a:r>
-              <a:rPr lang="en-US" dirty="0" smtClean="0">
+              <a:rPr lang="en-US" sz="1600" dirty="0" smtClean="0">
                 <a:solidFill>
                   <a:schemeClr val="tx1"/>
                 </a:solidFill>
               </a:rPr>
               <a:t>lcdST7735R_SPI</a:t>
             </a:r>
-            <a:endParaRPr lang="en-CA" dirty="0">
+            <a:endParaRPr lang="en-CA" sz="1600" dirty="0">
               <a:solidFill>
                 <a:schemeClr val="tx1"/>
               </a:solidFill>
@@ -6964,8 +8005,8 @@
         </p:nvSpPr>
         <p:spPr>
           <a:xfrm>
-            <a:off x="7066758" y="5568646"/>
-            <a:ext cx="1708044" cy="392550"/>
+            <a:off x="1712155" y="5024003"/>
+            <a:ext cx="1376541" cy="392550"/>
           </a:xfrm>
           <a:prstGeom prst="rect">
             <a:avLst/>
@@ -7003,14 +8044,14 @@
           <a:lstStyle/>
           <a:p>
             <a:r>
-              <a:rPr lang="en-US" dirty="0" smtClean="0">
+              <a:rPr lang="en-US" sz="1600" dirty="0" smtClean="0">
                 <a:solidFill>
                   <a:schemeClr val="tx1"/>
                 </a:solidFill>
               </a:rPr>
               <a:t>timer0System</a:t>
             </a:r>
-            <a:endParaRPr lang="en-CA" dirty="0">
+            <a:endParaRPr lang="en-CA" sz="1600" dirty="0">
               <a:solidFill>
                 <a:schemeClr val="tx1"/>
               </a:solidFill>
@@ -7026,7 +8067,7 @@
         </p:nvSpPr>
         <p:spPr>
           <a:xfrm>
-            <a:off x="2515572" y="5584548"/>
+            <a:off x="6210733" y="6244825"/>
             <a:ext cx="795666" cy="392550"/>
           </a:xfrm>
           <a:prstGeom prst="rect">
@@ -7065,14 +8106,14 @@
           <a:lstStyle/>
           <a:p>
             <a:r>
-              <a:rPr lang="en-US" dirty="0" smtClean="0">
+              <a:rPr lang="en-US" sz="1600" dirty="0" smtClean="0">
                 <a:solidFill>
                   <a:schemeClr val="tx1"/>
                 </a:solidFill>
               </a:rPr>
               <a:t>uart0</a:t>
             </a:r>
-            <a:endParaRPr lang="en-CA" dirty="0">
+            <a:endParaRPr lang="en-CA" sz="1600" dirty="0">
               <a:solidFill>
                 <a:schemeClr val="tx1"/>
               </a:solidFill>
@@ -7088,7 +8129,7 @@
         </p:nvSpPr>
         <p:spPr>
           <a:xfrm>
-            <a:off x="8248132" y="6335666"/>
+            <a:off x="9482737" y="6244825"/>
             <a:ext cx="878912" cy="392550"/>
           </a:xfrm>
           <a:prstGeom prst="rect">
@@ -7127,14 +8168,14 @@
           <a:lstStyle/>
           <a:p>
             <a:r>
-              <a:rPr lang="en-US" dirty="0" err="1" smtClean="0">
+              <a:rPr lang="en-US" sz="1600" dirty="0" err="1" smtClean="0">
                 <a:solidFill>
                   <a:schemeClr val="tx1"/>
                 </a:solidFill>
               </a:rPr>
               <a:t>spi</a:t>
             </a:r>
-            <a:endParaRPr lang="en-CA" dirty="0">
+            <a:endParaRPr lang="en-CA" sz="1600" dirty="0">
               <a:solidFill>
                 <a:schemeClr val="tx1"/>
               </a:solidFill>
@@ -7150,8 +8191,8 @@
         </p:nvSpPr>
         <p:spPr>
           <a:xfrm>
-            <a:off x="9478891" y="2951863"/>
-            <a:ext cx="1377565" cy="392550"/>
+            <a:off x="10660329" y="4008524"/>
+            <a:ext cx="1114968" cy="392550"/>
           </a:xfrm>
           <a:prstGeom prst="rect">
             <a:avLst/>
@@ -7189,14 +8230,14 @@
           <a:lstStyle/>
           <a:p>
             <a:r>
-              <a:rPr lang="en-US" dirty="0" err="1" smtClean="0">
+              <a:rPr lang="en-US" sz="1600" dirty="0" err="1" smtClean="0">
                 <a:solidFill>
                   <a:schemeClr val="tx1"/>
                 </a:solidFill>
               </a:rPr>
               <a:t>petitFatFS</a:t>
             </a:r>
-            <a:endParaRPr lang="en-CA" dirty="0">
+            <a:endParaRPr lang="en-CA" sz="1600" dirty="0">
               <a:solidFill>
                 <a:schemeClr val="tx1"/>
               </a:solidFill>
@@ -7204,137 +8245,6 @@
           </a:p>
         </p:txBody>
       </p:sp>
-      <p:sp>
-        <p:nvSpPr>
-          <p:cNvPr id="19" name="Rectangle 18"/>
-          <p:cNvSpPr/>
-          <p:nvPr/>
-        </p:nvSpPr>
-        <p:spPr>
-          <a:xfrm>
-            <a:off x="4944185" y="1713068"/>
-            <a:ext cx="729753" cy="349857"/>
-          </a:xfrm>
-          <a:prstGeom prst="rect">
-            <a:avLst/>
-          </a:prstGeom>
-          <a:solidFill>
-            <a:schemeClr val="accent4">
-              <a:lumMod val="20000"/>
-              <a:lumOff val="80000"/>
-            </a:schemeClr>
-          </a:solidFill>
-          <a:ln>
-            <a:solidFill>
-              <a:schemeClr val="tx1"/>
-            </a:solidFill>
-          </a:ln>
-        </p:spPr>
-        <p:style>
-          <a:lnRef idx="2">
-            <a:schemeClr val="accent1">
-              <a:shade val="50000"/>
-            </a:schemeClr>
-          </a:lnRef>
-          <a:fillRef idx="1">
-            <a:schemeClr val="accent1"/>
-          </a:fillRef>
-          <a:effectRef idx="0">
-            <a:schemeClr val="accent1"/>
-          </a:effectRef>
-          <a:fontRef idx="minor">
-            <a:schemeClr val="lt1"/>
-          </a:fontRef>
-        </p:style>
-        <p:txBody>
-          <a:bodyPr rtlCol="0" anchor="t" anchorCtr="0"/>
-          <a:lstStyle/>
-          <a:p>
-            <a:endParaRPr lang="en-CA" dirty="0">
-              <a:solidFill>
-                <a:schemeClr val="tx1"/>
-              </a:solidFill>
-            </a:endParaRPr>
-          </a:p>
-        </p:txBody>
-      </p:sp>
-      <p:sp>
-        <p:nvSpPr>
-          <p:cNvPr id="20" name="Rectangle 19"/>
-          <p:cNvSpPr/>
-          <p:nvPr/>
-        </p:nvSpPr>
-        <p:spPr>
-          <a:xfrm>
-            <a:off x="5716701" y="1764728"/>
-            <a:ext cx="1606658" cy="461665"/>
-          </a:xfrm>
-          <a:prstGeom prst="rect">
-            <a:avLst/>
-          </a:prstGeom>
-        </p:spPr>
-        <p:txBody>
-          <a:bodyPr wrap="none">
-            <a:spAutoFit/>
-          </a:bodyPr>
-          <a:lstStyle/>
-          <a:p>
-            <a:r>
-              <a:rPr lang="en-US" sz="2400" b="1" dirty="0" smtClean="0">
-                <a:solidFill>
-                  <a:schemeClr val="accent1">
-                    <a:lumMod val="50000"/>
-                  </a:schemeClr>
-                </a:solidFill>
-              </a:rPr>
-              <a:t>application</a:t>
-            </a:r>
-            <a:endParaRPr lang="en-CA" sz="2400" b="1" dirty="0">
-              <a:solidFill>
-                <a:schemeClr val="accent1">
-                  <a:lumMod val="50000"/>
-                </a:schemeClr>
-              </a:solidFill>
-            </a:endParaRPr>
-          </a:p>
-        </p:txBody>
-      </p:sp>
-      <p:cxnSp>
-        <p:nvCxnSpPr>
-          <p:cNvPr id="23" name="Straight Arrow Connector 22"/>
-          <p:cNvCxnSpPr>
-            <a:stCxn id="9" idx="2"/>
-            <a:endCxn id="12" idx="0"/>
-          </p:cNvCxnSpPr>
-          <p:nvPr/>
-        </p:nvCxnSpPr>
-        <p:spPr>
-          <a:xfrm flipH="1">
-            <a:off x="1552832" y="4200219"/>
-            <a:ext cx="1236031" cy="1376378"/>
-          </a:xfrm>
-          <a:prstGeom prst="straightConnector1">
-            <a:avLst/>
-          </a:prstGeom>
-          <a:ln>
-            <a:tailEnd type="triangle"/>
-          </a:ln>
-        </p:spPr>
-        <p:style>
-          <a:lnRef idx="1">
-            <a:schemeClr val="accent1"/>
-          </a:lnRef>
-          <a:fillRef idx="0">
-            <a:schemeClr val="accent1"/>
-          </a:fillRef>
-          <a:effectRef idx="0">
-            <a:schemeClr val="accent1"/>
-          </a:effectRef>
-          <a:fontRef idx="minor">
-            <a:schemeClr val="tx1"/>
-          </a:fontRef>
-        </p:style>
-      </p:cxnSp>
       <p:cxnSp>
         <p:nvCxnSpPr>
           <p:cNvPr id="24" name="Straight Arrow Connector 23"/>
@@ -7346,8 +8256,8 @@
         </p:nvCxnSpPr>
         <p:spPr>
           <a:xfrm>
-            <a:off x="2788863" y="4200219"/>
-            <a:ext cx="1813045" cy="1368427"/>
+            <a:off x="6569746" y="3975106"/>
+            <a:ext cx="2575433" cy="972693"/>
           </a:xfrm>
           <a:prstGeom prst="straightConnector1">
             <a:avLst/>
@@ -7381,9 +8291,9 @@
           <p:nvPr/>
         </p:nvCxnSpPr>
         <p:spPr>
-          <a:xfrm flipH="1">
-            <a:off x="4601908" y="4200219"/>
-            <a:ext cx="571906" cy="1368427"/>
+          <a:xfrm>
+            <a:off x="8646268" y="4095692"/>
+            <a:ext cx="498911" cy="852107"/>
           </a:xfrm>
           <a:prstGeom prst="straightConnector1">
             <a:avLst/>
@@ -7418,8 +8328,8 @@
         </p:nvCxnSpPr>
         <p:spPr>
           <a:xfrm>
-            <a:off x="2788863" y="4200219"/>
-            <a:ext cx="124542" cy="1384329"/>
+            <a:off x="6569746" y="3975106"/>
+            <a:ext cx="38820" cy="2269719"/>
           </a:xfrm>
           <a:prstGeom prst="straightConnector1">
             <a:avLst/>
@@ -7453,9 +8363,9 @@
           <p:nvPr/>
         </p:nvCxnSpPr>
         <p:spPr>
-          <a:xfrm>
-            <a:off x="7640260" y="4200219"/>
-            <a:ext cx="280520" cy="1368427"/>
+          <a:xfrm flipH="1">
+            <a:off x="2400426" y="4087739"/>
+            <a:ext cx="283563" cy="936264"/>
           </a:xfrm>
           <a:prstGeom prst="straightConnector1">
             <a:avLst/>
@@ -7490,8 +8400,8 @@
         </p:nvCxnSpPr>
         <p:spPr>
           <a:xfrm>
-            <a:off x="4601908" y="5961196"/>
-            <a:ext cx="4085680" cy="374470"/>
+            <a:off x="9145179" y="5340349"/>
+            <a:ext cx="777014" cy="904476"/>
           </a:xfrm>
           <a:prstGeom prst="straightConnector1">
             <a:avLst/>
@@ -7526,8 +8436,8 @@
         </p:nvCxnSpPr>
         <p:spPr>
           <a:xfrm flipH="1">
-            <a:off x="8687588" y="3344413"/>
-            <a:ext cx="1480086" cy="2991253"/>
+            <a:off x="9922193" y="4401074"/>
+            <a:ext cx="1295620" cy="1843751"/>
           </a:xfrm>
           <a:prstGeom prst="straightConnector1">
             <a:avLst/>
@@ -7551,27 +8461,60 @@
           </a:fontRef>
         </p:style>
       </p:cxnSp>
-      <p:sp>
-        <p:nvSpPr>
-          <p:cNvPr id="54" name="Rectangular Callout 53"/>
+      <p:cxnSp>
+        <p:nvCxnSpPr>
+          <p:cNvPr id="59" name="Straight Arrow Connector 58"/>
+          <p:cNvCxnSpPr>
+            <a:stCxn id="44" idx="2"/>
+            <a:endCxn id="6" idx="0"/>
+          </p:cNvCxnSpPr>
+          <p:nvPr/>
+        </p:nvCxnSpPr>
+        <p:spPr>
+          <a:xfrm flipH="1">
+            <a:off x="5763093" y="2329303"/>
+            <a:ext cx="935548" cy="357903"/>
+          </a:xfrm>
+          <a:prstGeom prst="straightConnector1">
+            <a:avLst/>
+          </a:prstGeom>
+          <a:ln>
+            <a:tailEnd type="triangle"/>
+          </a:ln>
+        </p:spPr>
+        <p:style>
+          <a:lnRef idx="1">
+            <a:schemeClr val="accent1"/>
+          </a:lnRef>
+          <a:fillRef idx="0">
+            <a:schemeClr val="accent1"/>
+          </a:fillRef>
+          <a:effectRef idx="0">
+            <a:schemeClr val="accent1"/>
+          </a:effectRef>
+          <a:fontRef idx="minor">
+            <a:schemeClr val="tx1"/>
+          </a:fontRef>
+        </p:style>
+      </p:cxnSp>
+      <p:sp>
+        <p:nvSpPr>
+          <p:cNvPr id="66" name="Rectangle 65"/>
           <p:cNvSpPr/>
           <p:nvPr/>
         </p:nvSpPr>
         <p:spPr>
           <a:xfrm>
-            <a:off x="8380300" y="661353"/>
-            <a:ext cx="1561888" cy="668141"/>
-          </a:xfrm>
-          <a:prstGeom prst="wedgeRectCallout">
-            <a:avLst>
-              <a:gd name="adj1" fmla="val -78093"/>
-              <a:gd name="adj2" fmla="val 24034"/>
-            </a:avLst>
+            <a:off x="10660330" y="2820412"/>
+            <a:ext cx="790357" cy="392550"/>
+          </a:xfrm>
+          <a:prstGeom prst="rect">
+            <a:avLst/>
           </a:prstGeom>
           <a:solidFill>
-            <a:schemeClr val="accent6">
-              <a:lumMod val="20000"/>
-              <a:lumOff val="80000"/>
+            <a:schemeClr val="accent2">
+              <a:lumMod val="40000"/>
+              <a:lumOff val="60000"/>
             </a:schemeClr>
           </a:solidFill>
           <a:ln>
@@ -7606,7 +8549,7 @@
                   <a:schemeClr val="tx1"/>
                 </a:solidFill>
               </a:rPr>
-              <a:t>Call application to run</a:t>
+              <a:t>color</a:t>
             </a:r>
             <a:endParaRPr lang="en-CA" sz="1600" dirty="0">
               <a:solidFill>
@@ -7618,25 +8561,22 @@
       </p:sp>
       <p:sp>
         <p:nvSpPr>
-          <p:cNvPr id="55" name="Rectangular Callout 54"/>
+          <p:cNvPr id="67" name="Rectangle 66"/>
           <p:cNvSpPr/>
           <p:nvPr/>
         </p:nvSpPr>
         <p:spPr>
           <a:xfrm>
-            <a:off x="942990" y="6287851"/>
-            <a:ext cx="2090661" cy="574993"/>
-          </a:xfrm>
-          <a:prstGeom prst="wedgeRectCallout">
-            <a:avLst>
-              <a:gd name="adj1" fmla="val 30782"/>
-              <a:gd name="adj2" fmla="val -61075"/>
-            </a:avLst>
+            <a:off x="10660329" y="3392785"/>
+            <a:ext cx="790357" cy="392550"/>
+          </a:xfrm>
+          <a:prstGeom prst="rect">
+            <a:avLst/>
           </a:prstGeom>
           <a:solidFill>
-            <a:schemeClr val="accent6">
-              <a:lumMod val="20000"/>
-              <a:lumOff val="80000"/>
+            <a:schemeClr val="accent2">
+              <a:lumMod val="40000"/>
+              <a:lumOff val="60000"/>
             </a:schemeClr>
           </a:solidFill>
           <a:ln>
@@ -7666,30 +8606,14 @@
           <a:lstStyle/>
           <a:p>
             <a:r>
-              <a:rPr lang="en-US" sz="1400" dirty="0" smtClean="0">
-                <a:solidFill>
-                  <a:schemeClr val="tx1"/>
-                </a:solidFill>
-              </a:rPr>
-              <a:t>Each resource module has </a:t>
-            </a:r>
-            <a:r>
-              <a:rPr lang="en-US" sz="1400" dirty="0" err="1" smtClean="0">
-                <a:solidFill>
-                  <a:schemeClr val="tx1"/>
-                </a:solidFill>
-              </a:rPr>
-              <a:t>XXXconfig.h</a:t>
-            </a:r>
-            <a:r>
-              <a:rPr lang="en-US" sz="1400" dirty="0" smtClean="0">
-                <a:solidFill>
-                  <a:schemeClr val="tx1"/>
-                </a:solidFill>
-              </a:rPr>
-              <a:t> for porting</a:t>
-            </a:r>
-            <a:endParaRPr lang="en-CA" sz="1400" dirty="0">
+              <a:rPr lang="en-US" sz="1600" dirty="0" smtClean="0">
+                <a:solidFill>
+                  <a:schemeClr val="tx1"/>
+                </a:solidFill>
+              </a:rPr>
+              <a:t>font</a:t>
+            </a:r>
+            <a:endParaRPr lang="en-CA" sz="1600" dirty="0">
               <a:solidFill>
                 <a:schemeClr val="tx1"/>
               </a:solidFill>
@@ -7697,94 +8621,63 @@
           </a:p>
         </p:txBody>
       </p:sp>
-      <p:cxnSp>
-        <p:nvCxnSpPr>
-          <p:cNvPr id="56" name="Straight Arrow Connector 55"/>
-          <p:cNvCxnSpPr>
-            <a:stCxn id="5" idx="2"/>
-            <a:endCxn id="19" idx="0"/>
-          </p:cNvCxnSpPr>
-          <p:nvPr/>
-        </p:nvCxnSpPr>
-        <p:spPr>
-          <a:xfrm flipH="1">
-            <a:off x="5309062" y="1398899"/>
-            <a:ext cx="1292364" cy="314169"/>
-          </a:xfrm>
-          <a:prstGeom prst="straightConnector1">
-            <a:avLst/>
-          </a:prstGeom>
-          <a:ln>
-            <a:tailEnd type="triangle"/>
-          </a:ln>
-        </p:spPr>
-        <p:style>
-          <a:lnRef idx="1">
-            <a:schemeClr val="accent1"/>
-          </a:lnRef>
-          <a:fillRef idx="0">
-            <a:schemeClr val="accent1"/>
-          </a:fillRef>
-          <a:effectRef idx="0">
-            <a:schemeClr val="accent1"/>
-          </a:effectRef>
-          <a:fontRef idx="minor">
-            <a:schemeClr val="tx1"/>
-          </a:fontRef>
-        </p:style>
-      </p:cxnSp>
-      <p:cxnSp>
-        <p:nvCxnSpPr>
-          <p:cNvPr id="59" name="Straight Arrow Connector 58"/>
-          <p:cNvCxnSpPr>
-            <a:stCxn id="19" idx="2"/>
-            <a:endCxn id="6" idx="0"/>
-          </p:cNvCxnSpPr>
-          <p:nvPr/>
-        </p:nvCxnSpPr>
-        <p:spPr>
-          <a:xfrm flipH="1">
-            <a:off x="5303904" y="2062925"/>
-            <a:ext cx="5158" cy="624281"/>
-          </a:xfrm>
-          <a:prstGeom prst="straightConnector1">
-            <a:avLst/>
-          </a:prstGeom>
-          <a:ln>
-            <a:tailEnd type="triangle"/>
-          </a:ln>
-        </p:spPr>
-        <p:style>
-          <a:lnRef idx="1">
-            <a:schemeClr val="accent1"/>
-          </a:lnRef>
-          <a:fillRef idx="0">
-            <a:schemeClr val="accent1"/>
-          </a:fillRef>
-          <a:effectRef idx="0">
-            <a:schemeClr val="accent1"/>
-          </a:effectRef>
-          <a:fontRef idx="minor">
-            <a:schemeClr val="tx1"/>
-          </a:fontRef>
-        </p:style>
-      </p:cxnSp>
-      <p:sp>
-        <p:nvSpPr>
-          <p:cNvPr id="66" name="Rectangle 65"/>
+      <p:sp>
+        <p:nvSpPr>
+          <p:cNvPr id="69" name="Rectangle 68"/>
           <p:cNvSpPr/>
           <p:nvPr/>
         </p:nvSpPr>
         <p:spPr>
           <a:xfrm>
-            <a:off x="11150600" y="2943910"/>
-            <a:ext cx="790357" cy="392550"/>
+            <a:off x="10246149" y="2308756"/>
+            <a:ext cx="869212" cy="400110"/>
           </a:xfrm>
           <a:prstGeom prst="rect">
             <a:avLst/>
           </a:prstGeom>
+        </p:spPr>
+        <p:txBody>
+          <a:bodyPr wrap="none">
+            <a:spAutoFit/>
+          </a:bodyPr>
+          <a:lstStyle/>
+          <a:p>
+            <a:r>
+              <a:rPr lang="en-US" sz="2000" b="1" dirty="0" smtClean="0">
+                <a:solidFill>
+                  <a:schemeClr val="accent1">
+                    <a:lumMod val="50000"/>
+                  </a:schemeClr>
+                </a:solidFill>
+              </a:rPr>
+              <a:t>others</a:t>
+            </a:r>
+            <a:endParaRPr lang="en-CA" sz="2000" b="1" dirty="0">
+              <a:solidFill>
+                <a:schemeClr val="accent1">
+                  <a:lumMod val="50000"/>
+                </a:schemeClr>
+              </a:solidFill>
+            </a:endParaRPr>
+          </a:p>
+        </p:txBody>
+      </p:sp>
+      <p:sp>
+        <p:nvSpPr>
+          <p:cNvPr id="70" name="Up-Down Arrow 69"/>
+          <p:cNvSpPr/>
+          <p:nvPr/>
+        </p:nvSpPr>
+        <p:spPr>
+          <a:xfrm>
+            <a:off x="81644" y="4610111"/>
+            <a:ext cx="208200" cy="2247890"/>
+          </a:xfrm>
+          <a:prstGeom prst="upDownArrow">
+            <a:avLst/>
+          </a:prstGeom>
           <a:solidFill>
-            <a:schemeClr val="accent2">
+            <a:schemeClr val="accent4">
               <a:lumMod val="40000"/>
               <a:lumOff val="60000"/>
             </a:schemeClr>
@@ -7812,41 +8705,30 @@
           </a:fontRef>
         </p:style>
         <p:txBody>
-          <a:bodyPr rtlCol="0" anchor="t" anchorCtr="0"/>
-          <a:lstStyle/>
-          <a:p>
-            <a:r>
-              <a:rPr lang="en-US" dirty="0" smtClean="0">
-                <a:solidFill>
-                  <a:schemeClr val="tx1"/>
-                </a:solidFill>
-              </a:rPr>
-              <a:t>color</a:t>
-            </a:r>
-            <a:endParaRPr lang="en-CA" dirty="0">
-              <a:solidFill>
-                <a:schemeClr val="tx1"/>
-              </a:solidFill>
-            </a:endParaRPr>
-          </a:p>
-        </p:txBody>
-      </p:sp>
-      <p:sp>
-        <p:nvSpPr>
-          <p:cNvPr id="67" name="Rectangle 66"/>
+          <a:bodyPr rtlCol="0" anchor="ctr"/>
+          <a:lstStyle/>
+          <a:p>
+            <a:pPr algn="ctr"/>
+            <a:endParaRPr lang="en-CA" sz="1600"/>
+          </a:p>
+        </p:txBody>
+      </p:sp>
+      <p:sp>
+        <p:nvSpPr>
+          <p:cNvPr id="71" name="Up-Down Arrow 70"/>
           <p:cNvSpPr/>
           <p:nvPr/>
         </p:nvSpPr>
         <p:spPr>
           <a:xfrm>
-            <a:off x="11147875" y="3607950"/>
-            <a:ext cx="790357" cy="392550"/>
-          </a:xfrm>
-          <a:prstGeom prst="rect">
+            <a:off x="81643" y="2438710"/>
+            <a:ext cx="210799" cy="2171400"/>
+          </a:xfrm>
+          <a:prstGeom prst="upDownArrow">
             <a:avLst/>
           </a:prstGeom>
           <a:solidFill>
-            <a:schemeClr val="accent2">
+            <a:schemeClr val="accent4">
               <a:lumMod val="40000"/>
               <a:lumOff val="60000"/>
             </a:schemeClr>
@@ -7874,46 +8756,32 @@
           </a:fontRef>
         </p:style>
         <p:txBody>
-          <a:bodyPr rtlCol="0" anchor="t" anchorCtr="0"/>
-          <a:lstStyle/>
-          <a:p>
-            <a:r>
-              <a:rPr lang="en-US" dirty="0" smtClean="0">
-                <a:solidFill>
-                  <a:schemeClr val="tx1"/>
-                </a:solidFill>
-              </a:rPr>
-              <a:t>font</a:t>
-            </a:r>
-            <a:endParaRPr lang="en-CA" dirty="0">
-              <a:solidFill>
-                <a:schemeClr val="tx1"/>
-              </a:solidFill>
-            </a:endParaRPr>
-          </a:p>
-        </p:txBody>
-      </p:sp>
-      <p:sp>
-        <p:nvSpPr>
-          <p:cNvPr id="68" name="Rectangular Callout 67"/>
+          <a:bodyPr rtlCol="0" anchor="ctr"/>
+          <a:lstStyle/>
+          <a:p>
+            <a:pPr algn="ctr"/>
+            <a:endParaRPr lang="en-CA" sz="1600"/>
+          </a:p>
+        </p:txBody>
+      </p:sp>
+      <p:sp>
+        <p:nvSpPr>
+          <p:cNvPr id="72" name="Up-Down Arrow 71"/>
           <p:cNvSpPr/>
           <p:nvPr/>
         </p:nvSpPr>
         <p:spPr>
           <a:xfrm>
-            <a:off x="498308" y="3336460"/>
-            <a:ext cx="1354258" cy="751126"/>
-          </a:xfrm>
-          <a:prstGeom prst="wedgeRectCallout">
-            <a:avLst>
-              <a:gd name="adj1" fmla="val 58337"/>
-              <a:gd name="adj2" fmla="val 82742"/>
-            </a:avLst>
+            <a:off x="79343" y="1273865"/>
+            <a:ext cx="215701" cy="1164844"/>
+          </a:xfrm>
+          <a:prstGeom prst="upDownArrow">
+            <a:avLst/>
           </a:prstGeom>
           <a:solidFill>
-            <a:schemeClr val="accent6">
-              <a:lumMod val="20000"/>
-              <a:lumOff val="80000"/>
+            <a:schemeClr val="accent4">
+              <a:lumMod val="40000"/>
+              <a:lumOff val="60000"/>
             </a:schemeClr>
           </a:solidFill>
           <a:ln>
@@ -7939,50 +8807,24 @@
           </a:fontRef>
         </p:style>
         <p:txBody>
-          <a:bodyPr rtlCol="0" anchor="t" anchorCtr="0"/>
-          <a:lstStyle/>
-          <a:p>
-            <a:r>
-              <a:rPr lang="en-US" sz="1400" dirty="0" err="1" smtClean="0">
-                <a:solidFill>
-                  <a:schemeClr val="tx1"/>
-                </a:solidFill>
-              </a:rPr>
-              <a:t>myRetarget.h</a:t>
-            </a:r>
-            <a:endParaRPr lang="en-US" sz="1400" dirty="0" smtClean="0">
-              <a:solidFill>
-                <a:schemeClr val="tx1"/>
-              </a:solidFill>
-            </a:endParaRPr>
-          </a:p>
-          <a:p>
-            <a:r>
-              <a:rPr lang="en-US" sz="1400" dirty="0" smtClean="0">
-                <a:solidFill>
-                  <a:schemeClr val="tx1"/>
-                </a:solidFill>
-              </a:rPr>
-              <a:t>switches which resource to use</a:t>
-            </a:r>
-            <a:endParaRPr lang="en-CA" sz="1400" dirty="0">
-              <a:solidFill>
-                <a:schemeClr val="tx1"/>
-              </a:solidFill>
-            </a:endParaRPr>
-          </a:p>
-        </p:txBody>
-      </p:sp>
-      <p:sp>
-        <p:nvSpPr>
-          <p:cNvPr id="69" name="Rectangle 68"/>
+          <a:bodyPr rtlCol="0" anchor="ctr"/>
+          <a:lstStyle/>
+          <a:p>
+            <a:pPr algn="ctr"/>
+            <a:endParaRPr lang="en-CA" sz="1600"/>
+          </a:p>
+        </p:txBody>
+      </p:sp>
+      <p:sp>
+        <p:nvSpPr>
+          <p:cNvPr id="73" name="Rectangle 72"/>
           <p:cNvSpPr/>
           <p:nvPr/>
         </p:nvSpPr>
         <p:spPr>
           <a:xfrm>
-            <a:off x="9161244" y="2142145"/>
-            <a:ext cx="1006429" cy="461665"/>
+            <a:off x="220087" y="1673496"/>
+            <a:ext cx="923201" cy="307777"/>
           </a:xfrm>
           <a:prstGeom prst="rect">
             <a:avLst/>
@@ -7995,188 +8837,31 @@
           <a:lstStyle/>
           <a:p>
             <a:r>
-              <a:rPr lang="en-US" sz="2400" b="1" dirty="0" smtClean="0">
-                <a:solidFill>
-                  <a:schemeClr val="accent1">
-                    <a:lumMod val="50000"/>
-                  </a:schemeClr>
-                </a:solidFill>
-              </a:rPr>
-              <a:t>others</a:t>
-            </a:r>
-            <a:endParaRPr lang="en-CA" sz="2400" b="1" dirty="0">
-              <a:solidFill>
-                <a:schemeClr val="accent1">
-                  <a:lumMod val="50000"/>
-                </a:schemeClr>
-              </a:solidFill>
-            </a:endParaRPr>
-          </a:p>
-        </p:txBody>
-      </p:sp>
-      <p:sp>
-        <p:nvSpPr>
-          <p:cNvPr id="70" name="Up-Down Arrow 69"/>
+              <a:rPr lang="en-US" sz="1400" b="1" dirty="0" smtClean="0">
+                <a:solidFill>
+                  <a:srgbClr val="FF0000"/>
+                </a:solidFill>
+              </a:rPr>
+              <a:t>App Layer</a:t>
+            </a:r>
+            <a:endParaRPr lang="en-CA" sz="1400" b="1" dirty="0">
+              <a:solidFill>
+                <a:srgbClr val="FF0000"/>
+              </a:solidFill>
+            </a:endParaRPr>
+          </a:p>
+        </p:txBody>
+      </p:sp>
+      <p:sp>
+        <p:nvSpPr>
+          <p:cNvPr id="74" name="Rectangle 73"/>
           <p:cNvSpPr/>
           <p:nvPr/>
         </p:nvSpPr>
         <p:spPr>
           <a:xfrm>
-            <a:off x="81643" y="4991169"/>
-            <a:ext cx="213401" cy="1866831"/>
-          </a:xfrm>
-          <a:prstGeom prst="upDownArrow">
-            <a:avLst/>
-          </a:prstGeom>
-          <a:solidFill>
-            <a:schemeClr val="accent4">
-              <a:lumMod val="40000"/>
-              <a:lumOff val="60000"/>
-            </a:schemeClr>
-          </a:solidFill>
-          <a:ln>
-            <a:solidFill>
-              <a:schemeClr val="tx1"/>
-            </a:solidFill>
-          </a:ln>
-        </p:spPr>
-        <p:style>
-          <a:lnRef idx="2">
-            <a:schemeClr val="accent1">
-              <a:shade val="50000"/>
-            </a:schemeClr>
-          </a:lnRef>
-          <a:fillRef idx="1">
-            <a:schemeClr val="accent1"/>
-          </a:fillRef>
-          <a:effectRef idx="0">
-            <a:schemeClr val="accent1"/>
-          </a:effectRef>
-          <a:fontRef idx="minor">
-            <a:schemeClr val="lt1"/>
-          </a:fontRef>
-        </p:style>
-        <p:txBody>
-          <a:bodyPr rtlCol="0" anchor="ctr"/>
-          <a:lstStyle/>
-          <a:p>
-            <a:pPr algn="ctr"/>
-            <a:endParaRPr lang="en-CA"/>
-          </a:p>
-        </p:txBody>
-      </p:sp>
-      <p:sp>
-        <p:nvSpPr>
-          <p:cNvPr id="71" name="Up-Down Arrow 70"/>
-          <p:cNvSpPr/>
-          <p:nvPr/>
-        </p:nvSpPr>
-        <p:spPr>
-          <a:xfrm>
-            <a:off x="81644" y="2438710"/>
-            <a:ext cx="190886" cy="2552460"/>
-          </a:xfrm>
-          <a:prstGeom prst="upDownArrow">
-            <a:avLst/>
-          </a:prstGeom>
-          <a:solidFill>
-            <a:schemeClr val="accent4">
-              <a:lumMod val="40000"/>
-              <a:lumOff val="60000"/>
-            </a:schemeClr>
-          </a:solidFill>
-          <a:ln>
-            <a:solidFill>
-              <a:schemeClr val="tx1"/>
-            </a:solidFill>
-          </a:ln>
-        </p:spPr>
-        <p:style>
-          <a:lnRef idx="2">
-            <a:schemeClr val="accent1">
-              <a:shade val="50000"/>
-            </a:schemeClr>
-          </a:lnRef>
-          <a:fillRef idx="1">
-            <a:schemeClr val="accent1"/>
-          </a:fillRef>
-          <a:effectRef idx="0">
-            <a:schemeClr val="accent1"/>
-          </a:effectRef>
-          <a:fontRef idx="minor">
-            <a:schemeClr val="lt1"/>
-          </a:fontRef>
-        </p:style>
-        <p:txBody>
-          <a:bodyPr rtlCol="0" anchor="ctr"/>
-          <a:lstStyle/>
-          <a:p>
-            <a:pPr algn="ctr"/>
-            <a:endParaRPr lang="en-CA"/>
-          </a:p>
-        </p:txBody>
-      </p:sp>
-      <p:sp>
-        <p:nvSpPr>
-          <p:cNvPr id="72" name="Up-Down Arrow 71"/>
-          <p:cNvSpPr/>
-          <p:nvPr/>
-        </p:nvSpPr>
-        <p:spPr>
-          <a:xfrm>
-            <a:off x="79343" y="1273865"/>
-            <a:ext cx="215701" cy="1164844"/>
-          </a:xfrm>
-          <a:prstGeom prst="upDownArrow">
-            <a:avLst/>
-          </a:prstGeom>
-          <a:solidFill>
-            <a:schemeClr val="accent4">
-              <a:lumMod val="40000"/>
-              <a:lumOff val="60000"/>
-            </a:schemeClr>
-          </a:solidFill>
-          <a:ln>
-            <a:solidFill>
-              <a:schemeClr val="tx1"/>
-            </a:solidFill>
-          </a:ln>
-        </p:spPr>
-        <p:style>
-          <a:lnRef idx="2">
-            <a:schemeClr val="accent1">
-              <a:shade val="50000"/>
-            </a:schemeClr>
-          </a:lnRef>
-          <a:fillRef idx="1">
-            <a:schemeClr val="accent1"/>
-          </a:fillRef>
-          <a:effectRef idx="0">
-            <a:schemeClr val="accent1"/>
-          </a:effectRef>
-          <a:fontRef idx="minor">
-            <a:schemeClr val="lt1"/>
-          </a:fontRef>
-        </p:style>
-        <p:txBody>
-          <a:bodyPr rtlCol="0" anchor="ctr"/>
-          <a:lstStyle/>
-          <a:p>
-            <a:pPr algn="ctr"/>
-            <a:endParaRPr lang="en-CA"/>
-          </a:p>
-        </p:txBody>
-      </p:sp>
-      <p:sp>
-        <p:nvSpPr>
-          <p:cNvPr id="73" name="Rectangle 72"/>
-          <p:cNvSpPr/>
-          <p:nvPr/>
-        </p:nvSpPr>
-        <p:spPr>
-          <a:xfrm>
-            <a:off x="220087" y="1673496"/>
-            <a:ext cx="996170" cy="338554"/>
+            <a:off x="200659" y="2704603"/>
+            <a:ext cx="969561" cy="307777"/>
           </a:xfrm>
           <a:prstGeom prst="rect">
             <a:avLst/>
@@ -8189,14 +8874,14 @@
           <a:lstStyle/>
           <a:p>
             <a:r>
-              <a:rPr lang="en-US" sz="1600" b="1" dirty="0" smtClean="0">
+              <a:rPr lang="en-US" sz="1400" b="1" dirty="0" smtClean="0">
                 <a:solidFill>
                   <a:srgbClr val="FF0000"/>
                 </a:solidFill>
               </a:rPr>
-              <a:t>App layer</a:t>
-            </a:r>
-            <a:endParaRPr lang="en-CA" sz="1600" b="1" dirty="0">
+              <a:t>Infra Layer</a:t>
+            </a:r>
+            <a:endParaRPr lang="en-CA" sz="1400" b="1" dirty="0">
               <a:solidFill>
                 <a:srgbClr val="FF0000"/>
               </a:solidFill>
@@ -8206,14 +8891,14 @@
       </p:sp>
       <p:sp>
         <p:nvSpPr>
-          <p:cNvPr id="74" name="Rectangle 73"/>
+          <p:cNvPr id="76" name="Rectangle 75"/>
           <p:cNvSpPr/>
           <p:nvPr/>
         </p:nvSpPr>
         <p:spPr>
           <a:xfrm>
-            <a:off x="200659" y="2704603"/>
-            <a:ext cx="1049903" cy="338554"/>
+            <a:off x="215417" y="4722114"/>
+            <a:ext cx="1301125" cy="307777"/>
           </a:xfrm>
           <a:prstGeom prst="rect">
             <a:avLst/>
@@ -8226,51 +8911,14 @@
           <a:lstStyle/>
           <a:p>
             <a:r>
-              <a:rPr lang="en-US" sz="1600" b="1" dirty="0" smtClean="0">
+              <a:rPr lang="en-US" sz="1400" b="1" dirty="0" smtClean="0">
                 <a:solidFill>
                   <a:srgbClr val="FF0000"/>
                 </a:solidFill>
               </a:rPr>
-              <a:t>Infra layer</a:t>
-            </a:r>
-            <a:endParaRPr lang="en-CA" sz="1600" b="1" dirty="0">
-              <a:solidFill>
-                <a:srgbClr val="FF0000"/>
-              </a:solidFill>
-            </a:endParaRPr>
-          </a:p>
-        </p:txBody>
-      </p:sp>
-      <p:sp>
-        <p:nvSpPr>
-          <p:cNvPr id="76" name="Rectangle 75"/>
-          <p:cNvSpPr/>
-          <p:nvPr/>
-        </p:nvSpPr>
-        <p:spPr>
-          <a:xfrm>
-            <a:off x="249415" y="5074758"/>
-            <a:ext cx="1427891" cy="338554"/>
-          </a:xfrm>
-          <a:prstGeom prst="rect">
-            <a:avLst/>
-          </a:prstGeom>
-        </p:spPr>
-        <p:txBody>
-          <a:bodyPr wrap="none">
-            <a:spAutoFit/>
-          </a:bodyPr>
-          <a:lstStyle/>
-          <a:p>
-            <a:r>
-              <a:rPr lang="en-US" sz="1600" b="1" dirty="0" smtClean="0">
-                <a:solidFill>
-                  <a:srgbClr val="FF0000"/>
-                </a:solidFill>
-              </a:rPr>
-              <a:t>Resource layer</a:t>
-            </a:r>
-            <a:endParaRPr lang="en-CA" sz="1600" b="1" dirty="0">
+              <a:t>Resource Layer</a:t>
+            </a:r>
+            <a:endParaRPr lang="en-CA" sz="1400" b="1" dirty="0">
               <a:solidFill>
                 <a:srgbClr val="FF0000"/>
               </a:solidFill>
@@ -8297,7 +8945,7 @@
         </p:spPr>
         <p:txBody>
           <a:bodyPr vert="horz" lIns="91440" tIns="45720" rIns="91440" bIns="45720" rtlCol="0" anchor="b">
-            <a:normAutofit fontScale="92500" lnSpcReduction="10000"/>
+            <a:normAutofit/>
           </a:bodyPr>
           <a:lstStyle>
             <a:lvl1pPr algn="ctr" defTabSz="914400" rtl="0" eaLnBrk="1" latinLnBrk="0" hangingPunct="1">
@@ -8321,32 +8969,29 @@
           <a:p>
             <a:pPr algn="l"/>
             <a:r>
-              <a:rPr lang="en-US" dirty="0" smtClean="0"/>
+              <a:rPr lang="en-US" sz="5400" dirty="0" smtClean="0"/>
               <a:t>Software Structure</a:t>
             </a:r>
-            <a:endParaRPr lang="en-CA" dirty="0"/>
-          </a:p>
-        </p:txBody>
-      </p:sp>
-      <p:sp>
-        <p:nvSpPr>
-          <p:cNvPr id="80" name="Rectangular Callout 79"/>
+            <a:endParaRPr lang="en-CA" sz="5400" dirty="0"/>
+          </a:p>
+        </p:txBody>
+      </p:sp>
+      <p:sp>
+        <p:nvSpPr>
+          <p:cNvPr id="41" name="Rectangle 40"/>
           <p:cNvSpPr/>
           <p:nvPr/>
         </p:nvSpPr>
         <p:spPr>
           <a:xfrm>
-            <a:off x="7708708" y="1548850"/>
-            <a:ext cx="1817411" cy="668141"/>
-          </a:xfrm>
-          <a:prstGeom prst="wedgeRectCallout">
-            <a:avLst>
-              <a:gd name="adj1" fmla="val -73152"/>
-              <a:gd name="adj2" fmla="val 20368"/>
-            </a:avLst>
+            <a:off x="6698641" y="699002"/>
+            <a:ext cx="471504" cy="346549"/>
+          </a:xfrm>
+          <a:prstGeom prst="rect">
+            <a:avLst/>
           </a:prstGeom>
           <a:solidFill>
-            <a:schemeClr val="accent6">
+            <a:schemeClr val="accent4">
               <a:lumMod val="20000"/>
               <a:lumOff val="80000"/>
             </a:schemeClr>
@@ -8377,6 +9022,1437 @@
           <a:bodyPr rtlCol="0" anchor="t" anchorCtr="0"/>
           <a:lstStyle/>
           <a:p>
+            <a:endParaRPr lang="en-CA" sz="1600" dirty="0">
+              <a:solidFill>
+                <a:schemeClr val="tx1"/>
+              </a:solidFill>
+            </a:endParaRPr>
+          </a:p>
+        </p:txBody>
+      </p:sp>
+      <p:sp>
+        <p:nvSpPr>
+          <p:cNvPr id="42" name="Rectangle 41"/>
+          <p:cNvSpPr/>
+          <p:nvPr/>
+        </p:nvSpPr>
+        <p:spPr>
+          <a:xfrm>
+            <a:off x="7335624" y="567790"/>
+            <a:ext cx="720069" cy="400110"/>
+          </a:xfrm>
+          <a:prstGeom prst="rect">
+            <a:avLst/>
+          </a:prstGeom>
+        </p:spPr>
+        <p:txBody>
+          <a:bodyPr wrap="none">
+            <a:spAutoFit/>
+          </a:bodyPr>
+          <a:lstStyle/>
+          <a:p>
+            <a:r>
+              <a:rPr lang="en-US" sz="2000" b="1" dirty="0" smtClean="0">
+                <a:solidFill>
+                  <a:schemeClr val="accent1">
+                    <a:lumMod val="50000"/>
+                  </a:schemeClr>
+                </a:solidFill>
+              </a:rPr>
+              <a:t>main</a:t>
+            </a:r>
+            <a:endParaRPr lang="en-CA" sz="2000" b="1" dirty="0">
+              <a:solidFill>
+                <a:schemeClr val="accent1">
+                  <a:lumMod val="50000"/>
+                </a:schemeClr>
+              </a:solidFill>
+            </a:endParaRPr>
+          </a:p>
+        </p:txBody>
+      </p:sp>
+      <p:sp>
+        <p:nvSpPr>
+          <p:cNvPr id="44" name="Rectangle 43"/>
+          <p:cNvSpPr/>
+          <p:nvPr/>
+        </p:nvSpPr>
+        <p:spPr>
+          <a:xfrm>
+            <a:off x="5644398" y="1729635"/>
+            <a:ext cx="2108485" cy="599668"/>
+          </a:xfrm>
+          <a:prstGeom prst="rect">
+            <a:avLst/>
+          </a:prstGeom>
+          <a:solidFill>
+            <a:schemeClr val="accent4">
+              <a:lumMod val="20000"/>
+              <a:lumOff val="80000"/>
+            </a:schemeClr>
+          </a:solidFill>
+          <a:ln>
+            <a:solidFill>
+              <a:schemeClr val="tx1"/>
+            </a:solidFill>
+          </a:ln>
+        </p:spPr>
+        <p:style>
+          <a:lnRef idx="2">
+            <a:schemeClr val="accent1">
+              <a:shade val="50000"/>
+            </a:schemeClr>
+          </a:lnRef>
+          <a:fillRef idx="1">
+            <a:schemeClr val="accent1"/>
+          </a:fillRef>
+          <a:effectRef idx="0">
+            <a:schemeClr val="accent1"/>
+          </a:effectRef>
+          <a:fontRef idx="minor">
+            <a:schemeClr val="lt1"/>
+          </a:fontRef>
+        </p:style>
+        <p:txBody>
+          <a:bodyPr rtlCol="0" anchor="t" anchorCtr="0"/>
+          <a:lstStyle/>
+          <a:p>
+            <a:endParaRPr lang="en-CA" sz="1600" dirty="0">
+              <a:solidFill>
+                <a:schemeClr val="tx1"/>
+              </a:solidFill>
+            </a:endParaRPr>
+          </a:p>
+        </p:txBody>
+      </p:sp>
+      <p:cxnSp>
+        <p:nvCxnSpPr>
+          <p:cNvPr id="48" name="Straight Arrow Connector 47"/>
+          <p:cNvCxnSpPr>
+            <a:stCxn id="41" idx="2"/>
+            <a:endCxn id="44" idx="0"/>
+          </p:cNvCxnSpPr>
+          <p:nvPr/>
+        </p:nvCxnSpPr>
+        <p:spPr>
+          <a:xfrm flipH="1">
+            <a:off x="6698641" y="1045551"/>
+            <a:ext cx="235752" cy="684084"/>
+          </a:xfrm>
+          <a:prstGeom prst="straightConnector1">
+            <a:avLst/>
+          </a:prstGeom>
+          <a:ln>
+            <a:tailEnd type="triangle"/>
+          </a:ln>
+        </p:spPr>
+        <p:style>
+          <a:lnRef idx="1">
+            <a:schemeClr val="accent1"/>
+          </a:lnRef>
+          <a:fillRef idx="0">
+            <a:schemeClr val="accent1"/>
+          </a:fillRef>
+          <a:effectRef idx="0">
+            <a:schemeClr val="accent1"/>
+          </a:effectRef>
+          <a:fontRef idx="minor">
+            <a:schemeClr val="tx1"/>
+          </a:fontRef>
+        </p:style>
+      </p:cxnSp>
+      <p:sp>
+        <p:nvSpPr>
+          <p:cNvPr id="50" name="Rectangle 49"/>
+          <p:cNvSpPr/>
+          <p:nvPr/>
+        </p:nvSpPr>
+        <p:spPr>
+          <a:xfrm>
+            <a:off x="5771726" y="1843331"/>
+            <a:ext cx="1381288" cy="392550"/>
+          </a:xfrm>
+          <a:prstGeom prst="rect">
+            <a:avLst/>
+          </a:prstGeom>
+          <a:solidFill>
+            <a:schemeClr val="accent2">
+              <a:lumMod val="40000"/>
+              <a:lumOff val="60000"/>
+            </a:schemeClr>
+          </a:solidFill>
+          <a:ln>
+            <a:solidFill>
+              <a:schemeClr val="tx1"/>
+            </a:solidFill>
+          </a:ln>
+        </p:spPr>
+        <p:style>
+          <a:lnRef idx="2">
+            <a:schemeClr val="accent1">
+              <a:shade val="50000"/>
+            </a:schemeClr>
+          </a:lnRef>
+          <a:fillRef idx="1">
+            <a:schemeClr val="accent1"/>
+          </a:fillRef>
+          <a:effectRef idx="0">
+            <a:schemeClr val="accent1"/>
+          </a:effectRef>
+          <a:fontRef idx="minor">
+            <a:schemeClr val="lt1"/>
+          </a:fontRef>
+        </p:style>
+        <p:txBody>
+          <a:bodyPr rtlCol="0" anchor="t" anchorCtr="0"/>
+          <a:lstStyle/>
+          <a:p>
+            <a:endParaRPr lang="en-CA" sz="1600" dirty="0">
+              <a:solidFill>
+                <a:schemeClr val="tx1"/>
+              </a:solidFill>
+            </a:endParaRPr>
+          </a:p>
+        </p:txBody>
+      </p:sp>
+      <p:cxnSp>
+        <p:nvCxnSpPr>
+          <p:cNvPr id="51" name="Straight Arrow Connector 50"/>
+          <p:cNvCxnSpPr>
+            <a:stCxn id="9" idx="2"/>
+            <a:endCxn id="12" idx="0"/>
+          </p:cNvCxnSpPr>
+          <p:nvPr/>
+        </p:nvCxnSpPr>
+        <p:spPr>
+          <a:xfrm>
+            <a:off x="6569746" y="3975106"/>
+            <a:ext cx="844252" cy="985707"/>
+          </a:xfrm>
+          <a:prstGeom prst="straightConnector1">
+            <a:avLst/>
+          </a:prstGeom>
+          <a:ln>
+            <a:tailEnd type="triangle"/>
+          </a:ln>
+        </p:spPr>
+        <p:style>
+          <a:lnRef idx="1">
+            <a:schemeClr val="accent1"/>
+          </a:lnRef>
+          <a:fillRef idx="0">
+            <a:schemeClr val="accent1"/>
+          </a:fillRef>
+          <a:effectRef idx="0">
+            <a:schemeClr val="accent1"/>
+          </a:effectRef>
+          <a:fontRef idx="minor">
+            <a:schemeClr val="tx1"/>
+          </a:fontRef>
+        </p:style>
+      </p:cxnSp>
+      <p:sp>
+        <p:nvSpPr>
+          <p:cNvPr id="52" name="Rectangle 51"/>
+          <p:cNvSpPr/>
+          <p:nvPr/>
+        </p:nvSpPr>
+        <p:spPr>
+          <a:xfrm>
+            <a:off x="3990005" y="2839383"/>
+            <a:ext cx="1480158" cy="1248356"/>
+          </a:xfrm>
+          <a:prstGeom prst="rect">
+            <a:avLst/>
+          </a:prstGeom>
+          <a:solidFill>
+            <a:schemeClr val="accent2">
+              <a:lumMod val="40000"/>
+              <a:lumOff val="60000"/>
+            </a:schemeClr>
+          </a:solidFill>
+          <a:ln>
+            <a:solidFill>
+              <a:schemeClr val="tx1"/>
+            </a:solidFill>
+          </a:ln>
+        </p:spPr>
+        <p:style>
+          <a:lnRef idx="2">
+            <a:schemeClr val="accent1">
+              <a:shade val="50000"/>
+            </a:schemeClr>
+          </a:lnRef>
+          <a:fillRef idx="1">
+            <a:schemeClr val="accent1"/>
+          </a:fillRef>
+          <a:effectRef idx="0">
+            <a:schemeClr val="accent1"/>
+          </a:effectRef>
+          <a:fontRef idx="minor">
+            <a:schemeClr val="lt1"/>
+          </a:fontRef>
+        </p:style>
+        <p:txBody>
+          <a:bodyPr rtlCol="0" anchor="t" anchorCtr="0"/>
+          <a:lstStyle/>
+          <a:p>
+            <a:r>
+              <a:rPr lang="en-US" sz="1600" dirty="0" err="1" smtClean="0">
+                <a:solidFill>
+                  <a:schemeClr val="tx1"/>
+                </a:solidFill>
+              </a:rPr>
+              <a:t>myInput</a:t>
+            </a:r>
+            <a:endParaRPr lang="en-US" sz="1600" dirty="0" smtClean="0">
+              <a:solidFill>
+                <a:schemeClr val="tx1"/>
+              </a:solidFill>
+            </a:endParaRPr>
+          </a:p>
+          <a:p>
+            <a:r>
+              <a:rPr lang="en-US" sz="1600" dirty="0">
+                <a:solidFill>
+                  <a:schemeClr val="tx1"/>
+                </a:solidFill>
+              </a:rPr>
+              <a:t> </a:t>
+            </a:r>
+            <a:r>
+              <a:rPr lang="en-US" sz="1600" dirty="0" smtClean="0">
+                <a:solidFill>
+                  <a:schemeClr val="tx1"/>
+                </a:solidFill>
+              </a:rPr>
+              <a:t>- </a:t>
+            </a:r>
+            <a:r>
+              <a:rPr lang="en-CA" sz="1400" dirty="0" err="1" smtClean="0">
+                <a:solidFill>
+                  <a:schemeClr val="tx1"/>
+                </a:solidFill>
+              </a:rPr>
+              <a:t>setInput</a:t>
+            </a:r>
+            <a:r>
+              <a:rPr lang="en-CA" sz="1400" dirty="0" smtClean="0">
+                <a:solidFill>
+                  <a:schemeClr val="tx1"/>
+                </a:solidFill>
+              </a:rPr>
+              <a:t> </a:t>
+            </a:r>
+            <a:r>
+              <a:rPr lang="en-CA" sz="1400" dirty="0" err="1" smtClean="0">
+                <a:solidFill>
+                  <a:schemeClr val="tx1"/>
+                </a:solidFill>
+              </a:rPr>
+              <a:t>DialCallback</a:t>
+            </a:r>
+            <a:endParaRPr lang="en-US" sz="1400" dirty="0" smtClean="0">
+              <a:solidFill>
+                <a:schemeClr val="tx1"/>
+              </a:solidFill>
+            </a:endParaRPr>
+          </a:p>
+          <a:p>
+            <a:r>
+              <a:rPr lang="en-US" sz="1600" dirty="0">
+                <a:solidFill>
+                  <a:schemeClr val="tx1"/>
+                </a:solidFill>
+              </a:rPr>
+              <a:t> </a:t>
+            </a:r>
+            <a:r>
+              <a:rPr lang="en-US" sz="1600" dirty="0" smtClean="0">
+                <a:solidFill>
+                  <a:schemeClr val="tx1"/>
+                </a:solidFill>
+              </a:rPr>
+              <a:t>- etc.</a:t>
+            </a:r>
+            <a:endParaRPr lang="en-CA" sz="1600" dirty="0">
+              <a:solidFill>
+                <a:schemeClr val="tx1"/>
+              </a:solidFill>
+            </a:endParaRPr>
+          </a:p>
+        </p:txBody>
+      </p:sp>
+      <p:sp>
+        <p:nvSpPr>
+          <p:cNvPr id="54" name="Rectangle 53"/>
+          <p:cNvSpPr/>
+          <p:nvPr/>
+        </p:nvSpPr>
+        <p:spPr>
+          <a:xfrm>
+            <a:off x="3437705" y="6244825"/>
+            <a:ext cx="709910" cy="392550"/>
+          </a:xfrm>
+          <a:prstGeom prst="rect">
+            <a:avLst/>
+          </a:prstGeom>
+          <a:solidFill>
+            <a:schemeClr val="accent2">
+              <a:lumMod val="40000"/>
+              <a:lumOff val="60000"/>
+            </a:schemeClr>
+          </a:solidFill>
+          <a:ln>
+            <a:solidFill>
+              <a:schemeClr val="tx1"/>
+            </a:solidFill>
+          </a:ln>
+        </p:spPr>
+        <p:style>
+          <a:lnRef idx="2">
+            <a:schemeClr val="accent1">
+              <a:shade val="50000"/>
+            </a:schemeClr>
+          </a:lnRef>
+          <a:fillRef idx="1">
+            <a:schemeClr val="accent1"/>
+          </a:fillRef>
+          <a:effectRef idx="0">
+            <a:schemeClr val="accent1"/>
+          </a:effectRef>
+          <a:fontRef idx="minor">
+            <a:schemeClr val="lt1"/>
+          </a:fontRef>
+        </p:style>
+        <p:txBody>
+          <a:bodyPr rtlCol="0" anchor="t" anchorCtr="0"/>
+          <a:lstStyle/>
+          <a:p>
+            <a:r>
+              <a:rPr lang="en-US" sz="1600" dirty="0" smtClean="0">
+                <a:solidFill>
+                  <a:schemeClr val="tx1"/>
+                </a:solidFill>
+              </a:rPr>
+              <a:t>i2c</a:t>
+            </a:r>
+            <a:endParaRPr lang="en-CA" sz="1600" dirty="0">
+              <a:solidFill>
+                <a:schemeClr val="tx1"/>
+              </a:solidFill>
+            </a:endParaRPr>
+          </a:p>
+        </p:txBody>
+      </p:sp>
+      <p:sp>
+        <p:nvSpPr>
+          <p:cNvPr id="56" name="Rectangle 55"/>
+          <p:cNvSpPr/>
+          <p:nvPr/>
+        </p:nvSpPr>
+        <p:spPr>
+          <a:xfrm>
+            <a:off x="3478522" y="4964418"/>
+            <a:ext cx="1474499" cy="392550"/>
+          </a:xfrm>
+          <a:prstGeom prst="rect">
+            <a:avLst/>
+          </a:prstGeom>
+          <a:solidFill>
+            <a:schemeClr val="accent2">
+              <a:lumMod val="40000"/>
+              <a:lumOff val="60000"/>
+            </a:schemeClr>
+          </a:solidFill>
+          <a:ln>
+            <a:solidFill>
+              <a:schemeClr val="tx1"/>
+            </a:solidFill>
+          </a:ln>
+        </p:spPr>
+        <p:style>
+          <a:lnRef idx="2">
+            <a:schemeClr val="accent1">
+              <a:shade val="50000"/>
+            </a:schemeClr>
+          </a:lnRef>
+          <a:fillRef idx="1">
+            <a:schemeClr val="accent1"/>
+          </a:fillRef>
+          <a:effectRef idx="0">
+            <a:schemeClr val="accent1"/>
+          </a:effectRef>
+          <a:fontRef idx="minor">
+            <a:schemeClr val="lt1"/>
+          </a:fontRef>
+        </p:style>
+        <p:txBody>
+          <a:bodyPr rtlCol="0" anchor="t" anchorCtr="0"/>
+          <a:lstStyle/>
+          <a:p>
+            <a:r>
+              <a:rPr lang="en-US" sz="1600" dirty="0">
+                <a:solidFill>
+                  <a:schemeClr val="tx1"/>
+                </a:solidFill>
+              </a:rPr>
+              <a:t>accelADXL345</a:t>
+            </a:r>
+            <a:endParaRPr lang="en-CA" sz="1600" dirty="0">
+              <a:solidFill>
+                <a:schemeClr val="tx1"/>
+              </a:solidFill>
+            </a:endParaRPr>
+          </a:p>
+        </p:txBody>
+      </p:sp>
+      <p:sp>
+        <p:nvSpPr>
+          <p:cNvPr id="57" name="Rectangle 56"/>
+          <p:cNvSpPr/>
+          <p:nvPr/>
+        </p:nvSpPr>
+        <p:spPr>
+          <a:xfrm>
+            <a:off x="2414672" y="6244825"/>
+            <a:ext cx="674024" cy="392550"/>
+          </a:xfrm>
+          <a:prstGeom prst="rect">
+            <a:avLst/>
+          </a:prstGeom>
+          <a:solidFill>
+            <a:schemeClr val="accent2">
+              <a:lumMod val="40000"/>
+              <a:lumOff val="60000"/>
+            </a:schemeClr>
+          </a:solidFill>
+          <a:ln>
+            <a:solidFill>
+              <a:schemeClr val="tx1"/>
+            </a:solidFill>
+          </a:ln>
+        </p:spPr>
+        <p:style>
+          <a:lnRef idx="2">
+            <a:schemeClr val="accent1">
+              <a:shade val="50000"/>
+            </a:schemeClr>
+          </a:lnRef>
+          <a:fillRef idx="1">
+            <a:schemeClr val="accent1"/>
+          </a:fillRef>
+          <a:effectRef idx="0">
+            <a:schemeClr val="accent1"/>
+          </a:effectRef>
+          <a:fontRef idx="minor">
+            <a:schemeClr val="lt1"/>
+          </a:fontRef>
+        </p:style>
+        <p:txBody>
+          <a:bodyPr rtlCol="0" anchor="t" anchorCtr="0"/>
+          <a:lstStyle/>
+          <a:p>
+            <a:r>
+              <a:rPr lang="en-US" sz="1600" dirty="0" err="1" smtClean="0">
+                <a:solidFill>
+                  <a:schemeClr val="tx1"/>
+                </a:solidFill>
+              </a:rPr>
+              <a:t>adc</a:t>
+            </a:r>
+            <a:endParaRPr lang="en-CA" sz="1600" dirty="0">
+              <a:solidFill>
+                <a:schemeClr val="tx1"/>
+              </a:solidFill>
+            </a:endParaRPr>
+          </a:p>
+        </p:txBody>
+      </p:sp>
+      <p:sp>
+        <p:nvSpPr>
+          <p:cNvPr id="58" name="Rectangle 57"/>
+          <p:cNvSpPr/>
+          <p:nvPr/>
+        </p:nvSpPr>
+        <p:spPr>
+          <a:xfrm>
+            <a:off x="5446972" y="4899547"/>
+            <a:ext cx="878912" cy="392550"/>
+          </a:xfrm>
+          <a:prstGeom prst="rect">
+            <a:avLst/>
+          </a:prstGeom>
+          <a:solidFill>
+            <a:schemeClr val="accent2">
+              <a:lumMod val="40000"/>
+              <a:lumOff val="60000"/>
+            </a:schemeClr>
+          </a:solidFill>
+          <a:ln>
+            <a:solidFill>
+              <a:schemeClr val="tx1"/>
+            </a:solidFill>
+          </a:ln>
+        </p:spPr>
+        <p:style>
+          <a:lnRef idx="2">
+            <a:schemeClr val="accent1">
+              <a:shade val="50000"/>
+            </a:schemeClr>
+          </a:lnRef>
+          <a:fillRef idx="1">
+            <a:schemeClr val="accent1"/>
+          </a:fillRef>
+          <a:effectRef idx="0">
+            <a:schemeClr val="accent1"/>
+          </a:effectRef>
+          <a:fontRef idx="minor">
+            <a:schemeClr val="lt1"/>
+          </a:fontRef>
+        </p:style>
+        <p:txBody>
+          <a:bodyPr rtlCol="0" anchor="t" anchorCtr="0"/>
+          <a:lstStyle/>
+          <a:p>
+            <a:r>
+              <a:rPr lang="en-US" sz="1600" dirty="0" smtClean="0">
+                <a:solidFill>
+                  <a:schemeClr val="tx1"/>
+                </a:solidFill>
+              </a:rPr>
+              <a:t>keys</a:t>
+            </a:r>
+            <a:endParaRPr lang="en-CA" sz="1600" dirty="0">
+              <a:solidFill>
+                <a:schemeClr val="tx1"/>
+              </a:solidFill>
+            </a:endParaRPr>
+          </a:p>
+        </p:txBody>
+      </p:sp>
+      <p:sp>
+        <p:nvSpPr>
+          <p:cNvPr id="60" name="Rectangle 59"/>
+          <p:cNvSpPr/>
+          <p:nvPr/>
+        </p:nvSpPr>
+        <p:spPr>
+          <a:xfrm>
+            <a:off x="4361902" y="5316278"/>
+            <a:ext cx="1547628" cy="392550"/>
+          </a:xfrm>
+          <a:prstGeom prst="rect">
+            <a:avLst/>
+          </a:prstGeom>
+          <a:solidFill>
+            <a:schemeClr val="accent2">
+              <a:lumMod val="40000"/>
+              <a:lumOff val="60000"/>
+            </a:schemeClr>
+          </a:solidFill>
+          <a:ln>
+            <a:solidFill>
+              <a:schemeClr val="tx1"/>
+            </a:solidFill>
+          </a:ln>
+        </p:spPr>
+        <p:style>
+          <a:lnRef idx="2">
+            <a:schemeClr val="accent1">
+              <a:shade val="50000"/>
+            </a:schemeClr>
+          </a:lnRef>
+          <a:fillRef idx="1">
+            <a:schemeClr val="accent1"/>
+          </a:fillRef>
+          <a:effectRef idx="0">
+            <a:schemeClr val="accent1"/>
+          </a:effectRef>
+          <a:fontRef idx="minor">
+            <a:schemeClr val="lt1"/>
+          </a:fontRef>
+        </p:style>
+        <p:txBody>
+          <a:bodyPr rtlCol="0" anchor="t" anchorCtr="0"/>
+          <a:lstStyle/>
+          <a:p>
+            <a:r>
+              <a:rPr lang="en-US" sz="1600" dirty="0" err="1">
+                <a:solidFill>
+                  <a:schemeClr val="tx1"/>
+                </a:solidFill>
+              </a:rPr>
+              <a:t>rotaryEncoder</a:t>
+            </a:r>
+            <a:endParaRPr lang="en-CA" sz="1600" dirty="0">
+              <a:solidFill>
+                <a:schemeClr val="tx1"/>
+              </a:solidFill>
+            </a:endParaRPr>
+          </a:p>
+        </p:txBody>
+      </p:sp>
+      <p:sp>
+        <p:nvSpPr>
+          <p:cNvPr id="63" name="Rectangle 62"/>
+          <p:cNvSpPr/>
+          <p:nvPr/>
+        </p:nvSpPr>
+        <p:spPr>
+          <a:xfrm>
+            <a:off x="8709396" y="1254218"/>
+            <a:ext cx="2108485" cy="599668"/>
+          </a:xfrm>
+          <a:prstGeom prst="rect">
+            <a:avLst/>
+          </a:prstGeom>
+          <a:solidFill>
+            <a:schemeClr val="accent4">
+              <a:lumMod val="20000"/>
+              <a:lumOff val="80000"/>
+            </a:schemeClr>
+          </a:solidFill>
+          <a:ln>
+            <a:solidFill>
+              <a:schemeClr val="tx1"/>
+            </a:solidFill>
+          </a:ln>
+        </p:spPr>
+        <p:style>
+          <a:lnRef idx="2">
+            <a:schemeClr val="accent1">
+              <a:shade val="50000"/>
+            </a:schemeClr>
+          </a:lnRef>
+          <a:fillRef idx="1">
+            <a:schemeClr val="accent1"/>
+          </a:fillRef>
+          <a:effectRef idx="0">
+            <a:schemeClr val="accent1"/>
+          </a:effectRef>
+          <a:fontRef idx="minor">
+            <a:schemeClr val="lt1"/>
+          </a:fontRef>
+        </p:style>
+        <p:txBody>
+          <a:bodyPr rtlCol="0" anchor="t" anchorCtr="0"/>
+          <a:lstStyle/>
+          <a:p>
+            <a:endParaRPr lang="en-CA" sz="1600" dirty="0">
+              <a:solidFill>
+                <a:schemeClr val="tx1"/>
+              </a:solidFill>
+            </a:endParaRPr>
+          </a:p>
+        </p:txBody>
+      </p:sp>
+      <p:sp>
+        <p:nvSpPr>
+          <p:cNvPr id="65" name="Rectangle 64"/>
+          <p:cNvSpPr/>
+          <p:nvPr/>
+        </p:nvSpPr>
+        <p:spPr>
+          <a:xfrm>
+            <a:off x="8862416" y="1371881"/>
+            <a:ext cx="1381288" cy="392550"/>
+          </a:xfrm>
+          <a:prstGeom prst="rect">
+            <a:avLst/>
+          </a:prstGeom>
+          <a:solidFill>
+            <a:schemeClr val="accent2">
+              <a:lumMod val="40000"/>
+              <a:lumOff val="60000"/>
+            </a:schemeClr>
+          </a:solidFill>
+          <a:ln>
+            <a:solidFill>
+              <a:schemeClr val="tx1"/>
+            </a:solidFill>
+          </a:ln>
+        </p:spPr>
+        <p:style>
+          <a:lnRef idx="2">
+            <a:schemeClr val="accent1">
+              <a:shade val="50000"/>
+            </a:schemeClr>
+          </a:lnRef>
+          <a:fillRef idx="1">
+            <a:schemeClr val="accent1"/>
+          </a:fillRef>
+          <a:effectRef idx="0">
+            <a:schemeClr val="accent1"/>
+          </a:effectRef>
+          <a:fontRef idx="minor">
+            <a:schemeClr val="lt1"/>
+          </a:fontRef>
+        </p:style>
+        <p:txBody>
+          <a:bodyPr rtlCol="0" anchor="t" anchorCtr="0"/>
+          <a:lstStyle/>
+          <a:p>
+            <a:r>
+              <a:rPr lang="en-US" sz="1600" dirty="0" err="1" smtClean="0">
+                <a:solidFill>
+                  <a:schemeClr val="tx1"/>
+                </a:solidFill>
+              </a:rPr>
+              <a:t>taskManager</a:t>
+            </a:r>
+            <a:endParaRPr lang="en-CA" sz="1600" dirty="0">
+              <a:solidFill>
+                <a:schemeClr val="tx1"/>
+              </a:solidFill>
+            </a:endParaRPr>
+          </a:p>
+        </p:txBody>
+      </p:sp>
+      <p:sp>
+        <p:nvSpPr>
+          <p:cNvPr id="75" name="Rectangle 74"/>
+          <p:cNvSpPr/>
+          <p:nvPr/>
+        </p:nvSpPr>
+        <p:spPr>
+          <a:xfrm>
+            <a:off x="10138345" y="854108"/>
+            <a:ext cx="926536" cy="400110"/>
+          </a:xfrm>
+          <a:prstGeom prst="rect">
+            <a:avLst/>
+          </a:prstGeom>
+        </p:spPr>
+        <p:txBody>
+          <a:bodyPr wrap="none">
+            <a:spAutoFit/>
+          </a:bodyPr>
+          <a:lstStyle/>
+          <a:p>
+            <a:r>
+              <a:rPr lang="en-US" sz="2000" b="1" dirty="0" smtClean="0">
+                <a:solidFill>
+                  <a:schemeClr val="accent1">
+                    <a:lumMod val="50000"/>
+                  </a:schemeClr>
+                </a:solidFill>
+              </a:rPr>
+              <a:t>system</a:t>
+            </a:r>
+            <a:endParaRPr lang="en-CA" sz="2000" b="1" dirty="0">
+              <a:solidFill>
+                <a:schemeClr val="accent1">
+                  <a:lumMod val="50000"/>
+                </a:schemeClr>
+              </a:solidFill>
+            </a:endParaRPr>
+          </a:p>
+        </p:txBody>
+      </p:sp>
+      <p:cxnSp>
+        <p:nvCxnSpPr>
+          <p:cNvPr id="77" name="Straight Arrow Connector 76"/>
+          <p:cNvCxnSpPr>
+            <a:stCxn id="41" idx="2"/>
+            <a:endCxn id="63" idx="1"/>
+          </p:cNvCxnSpPr>
+          <p:nvPr/>
+        </p:nvCxnSpPr>
+        <p:spPr>
+          <a:xfrm>
+            <a:off x="6934393" y="1045551"/>
+            <a:ext cx="1775003" cy="508501"/>
+          </a:xfrm>
+          <a:prstGeom prst="straightConnector1">
+            <a:avLst/>
+          </a:prstGeom>
+          <a:ln>
+            <a:tailEnd type="triangle"/>
+          </a:ln>
+        </p:spPr>
+        <p:style>
+          <a:lnRef idx="1">
+            <a:schemeClr val="accent1"/>
+          </a:lnRef>
+          <a:fillRef idx="0">
+            <a:schemeClr val="accent1"/>
+          </a:fillRef>
+          <a:effectRef idx="0">
+            <a:schemeClr val="accent1"/>
+          </a:effectRef>
+          <a:fontRef idx="minor">
+            <a:schemeClr val="tx1"/>
+          </a:fontRef>
+        </p:style>
+      </p:cxnSp>
+      <p:sp>
+        <p:nvSpPr>
+          <p:cNvPr id="120" name="Rectangle 119"/>
+          <p:cNvSpPr/>
+          <p:nvPr/>
+        </p:nvSpPr>
+        <p:spPr>
+          <a:xfrm>
+            <a:off x="997797" y="5966269"/>
+            <a:ext cx="916533" cy="400110"/>
+          </a:xfrm>
+          <a:prstGeom prst="rect">
+            <a:avLst/>
+          </a:prstGeom>
+        </p:spPr>
+        <p:txBody>
+          <a:bodyPr wrap="none">
+            <a:spAutoFit/>
+          </a:bodyPr>
+          <a:lstStyle/>
+          <a:p>
+            <a:r>
+              <a:rPr lang="en-US" sz="2000" b="1" dirty="0" smtClean="0">
+                <a:solidFill>
+                  <a:schemeClr val="accent1">
+                    <a:lumMod val="50000"/>
+                  </a:schemeClr>
+                </a:solidFill>
+              </a:rPr>
+              <a:t>drivers</a:t>
+            </a:r>
+            <a:endParaRPr lang="en-CA" sz="2000" b="1" dirty="0">
+              <a:solidFill>
+                <a:schemeClr val="accent1">
+                  <a:lumMod val="50000"/>
+                </a:schemeClr>
+              </a:solidFill>
+            </a:endParaRPr>
+          </a:p>
+        </p:txBody>
+      </p:sp>
+      <p:cxnSp>
+        <p:nvCxnSpPr>
+          <p:cNvPr id="137" name="Straight Arrow Connector 136"/>
+          <p:cNvCxnSpPr>
+            <a:endCxn id="56" idx="0"/>
+          </p:cNvCxnSpPr>
+          <p:nvPr/>
+        </p:nvCxnSpPr>
+        <p:spPr>
+          <a:xfrm flipH="1">
+            <a:off x="4215772" y="4095164"/>
+            <a:ext cx="484448" cy="869254"/>
+          </a:xfrm>
+          <a:prstGeom prst="straightConnector1">
+            <a:avLst/>
+          </a:prstGeom>
+          <a:ln>
+            <a:tailEnd type="triangle"/>
+          </a:ln>
+        </p:spPr>
+        <p:style>
+          <a:lnRef idx="1">
+            <a:schemeClr val="accent1"/>
+          </a:lnRef>
+          <a:fillRef idx="0">
+            <a:schemeClr val="accent1"/>
+          </a:fillRef>
+          <a:effectRef idx="0">
+            <a:schemeClr val="accent1"/>
+          </a:effectRef>
+          <a:fontRef idx="minor">
+            <a:schemeClr val="tx1"/>
+          </a:fontRef>
+        </p:style>
+      </p:cxnSp>
+      <p:cxnSp>
+        <p:nvCxnSpPr>
+          <p:cNvPr id="141" name="Straight Arrow Connector 140"/>
+          <p:cNvCxnSpPr/>
+          <p:nvPr/>
+        </p:nvCxnSpPr>
+        <p:spPr>
+          <a:xfrm>
+            <a:off x="4700220" y="4107063"/>
+            <a:ext cx="310846" cy="1207342"/>
+          </a:xfrm>
+          <a:prstGeom prst="straightConnector1">
+            <a:avLst/>
+          </a:prstGeom>
+          <a:ln>
+            <a:tailEnd type="triangle"/>
+          </a:ln>
+        </p:spPr>
+        <p:style>
+          <a:lnRef idx="1">
+            <a:schemeClr val="accent1"/>
+          </a:lnRef>
+          <a:fillRef idx="0">
+            <a:schemeClr val="accent1"/>
+          </a:fillRef>
+          <a:effectRef idx="0">
+            <a:schemeClr val="accent1"/>
+          </a:effectRef>
+          <a:fontRef idx="minor">
+            <a:schemeClr val="tx1"/>
+          </a:fontRef>
+        </p:style>
+      </p:cxnSp>
+      <p:cxnSp>
+        <p:nvCxnSpPr>
+          <p:cNvPr id="145" name="Straight Arrow Connector 144"/>
+          <p:cNvCxnSpPr>
+            <a:endCxn id="58" idx="0"/>
+          </p:cNvCxnSpPr>
+          <p:nvPr/>
+        </p:nvCxnSpPr>
+        <p:spPr>
+          <a:xfrm>
+            <a:off x="4692348" y="4089612"/>
+            <a:ext cx="1194080" cy="809935"/>
+          </a:xfrm>
+          <a:prstGeom prst="straightConnector1">
+            <a:avLst/>
+          </a:prstGeom>
+          <a:ln>
+            <a:tailEnd type="triangle"/>
+          </a:ln>
+        </p:spPr>
+        <p:style>
+          <a:lnRef idx="1">
+            <a:schemeClr val="accent1"/>
+          </a:lnRef>
+          <a:fillRef idx="0">
+            <a:schemeClr val="accent1"/>
+          </a:fillRef>
+          <a:effectRef idx="0">
+            <a:schemeClr val="accent1"/>
+          </a:effectRef>
+          <a:fontRef idx="minor">
+            <a:schemeClr val="tx1"/>
+          </a:fontRef>
+        </p:style>
+      </p:cxnSp>
+      <p:cxnSp>
+        <p:nvCxnSpPr>
+          <p:cNvPr id="148" name="Straight Arrow Connector 147"/>
+          <p:cNvCxnSpPr>
+            <a:stCxn id="56" idx="2"/>
+            <a:endCxn id="54" idx="0"/>
+          </p:cNvCxnSpPr>
+          <p:nvPr/>
+        </p:nvCxnSpPr>
+        <p:spPr>
+          <a:xfrm flipH="1">
+            <a:off x="3792660" y="5356968"/>
+            <a:ext cx="423112" cy="887857"/>
+          </a:xfrm>
+          <a:prstGeom prst="straightConnector1">
+            <a:avLst/>
+          </a:prstGeom>
+          <a:ln>
+            <a:tailEnd type="triangle"/>
+          </a:ln>
+        </p:spPr>
+        <p:style>
+          <a:lnRef idx="1">
+            <a:schemeClr val="accent1"/>
+          </a:lnRef>
+          <a:fillRef idx="0">
+            <a:schemeClr val="accent1"/>
+          </a:fillRef>
+          <a:effectRef idx="0">
+            <a:schemeClr val="accent1"/>
+          </a:effectRef>
+          <a:fontRef idx="minor">
+            <a:schemeClr val="tx1"/>
+          </a:fontRef>
+        </p:style>
+      </p:cxnSp>
+      <p:cxnSp>
+        <p:nvCxnSpPr>
+          <p:cNvPr id="152" name="Straight Arrow Connector 151"/>
+          <p:cNvCxnSpPr>
+            <a:stCxn id="52" idx="2"/>
+            <a:endCxn id="57" idx="0"/>
+          </p:cNvCxnSpPr>
+          <p:nvPr/>
+        </p:nvCxnSpPr>
+        <p:spPr>
+          <a:xfrm flipH="1">
+            <a:off x="2751684" y="4087739"/>
+            <a:ext cx="1978400" cy="2157086"/>
+          </a:xfrm>
+          <a:prstGeom prst="straightConnector1">
+            <a:avLst/>
+          </a:prstGeom>
+          <a:ln>
+            <a:tailEnd type="triangle"/>
+          </a:ln>
+        </p:spPr>
+        <p:style>
+          <a:lnRef idx="1">
+            <a:schemeClr val="accent1"/>
+          </a:lnRef>
+          <a:fillRef idx="0">
+            <a:schemeClr val="accent1"/>
+          </a:fillRef>
+          <a:effectRef idx="0">
+            <a:schemeClr val="accent1"/>
+          </a:effectRef>
+          <a:fontRef idx="minor">
+            <a:schemeClr val="tx1"/>
+          </a:fontRef>
+        </p:style>
+      </p:cxnSp>
+      <p:cxnSp>
+        <p:nvCxnSpPr>
+          <p:cNvPr id="155" name="Straight Arrow Connector 154"/>
+          <p:cNvCxnSpPr>
+            <a:stCxn id="44" idx="2"/>
+          </p:cNvCxnSpPr>
+          <p:nvPr/>
+        </p:nvCxnSpPr>
+        <p:spPr>
+          <a:xfrm>
+            <a:off x="6698641" y="2329303"/>
+            <a:ext cx="3782093" cy="529188"/>
+          </a:xfrm>
+          <a:prstGeom prst="straightConnector1">
+            <a:avLst/>
+          </a:prstGeom>
+          <a:ln>
+            <a:tailEnd type="triangle"/>
+          </a:ln>
+        </p:spPr>
+        <p:style>
+          <a:lnRef idx="1">
+            <a:schemeClr val="accent1"/>
+          </a:lnRef>
+          <a:fillRef idx="0">
+            <a:schemeClr val="accent1"/>
+          </a:fillRef>
+          <a:effectRef idx="0">
+            <a:schemeClr val="accent1"/>
+          </a:effectRef>
+          <a:fontRef idx="minor">
+            <a:schemeClr val="tx1"/>
+          </a:fontRef>
+        </p:style>
+      </p:cxnSp>
+      <p:sp>
+        <p:nvSpPr>
+          <p:cNvPr id="165" name="Rectangular Callout 164"/>
+          <p:cNvSpPr/>
+          <p:nvPr/>
+        </p:nvSpPr>
+        <p:spPr>
+          <a:xfrm>
+            <a:off x="8471852" y="226182"/>
+            <a:ext cx="3102309" cy="404738"/>
+          </a:xfrm>
+          <a:prstGeom prst="wedgeRectCallout">
+            <a:avLst>
+              <a:gd name="adj1" fmla="val -59771"/>
+              <a:gd name="adj2" fmla="val 89165"/>
+            </a:avLst>
+          </a:prstGeom>
+          <a:solidFill>
+            <a:schemeClr val="accent6">
+              <a:lumMod val="20000"/>
+              <a:lumOff val="80000"/>
+            </a:schemeClr>
+          </a:solidFill>
+          <a:ln>
+            <a:solidFill>
+              <a:schemeClr val="tx1"/>
+            </a:solidFill>
+          </a:ln>
+        </p:spPr>
+        <p:style>
+          <a:lnRef idx="2">
+            <a:schemeClr val="accent1">
+              <a:shade val="50000"/>
+            </a:schemeClr>
+          </a:lnRef>
+          <a:fillRef idx="1">
+            <a:schemeClr val="accent1"/>
+          </a:fillRef>
+          <a:effectRef idx="0">
+            <a:schemeClr val="accent1"/>
+          </a:effectRef>
+          <a:fontRef idx="minor">
+            <a:schemeClr val="lt1"/>
+          </a:fontRef>
+        </p:style>
+        <p:txBody>
+          <a:bodyPr rtlCol="0" anchor="t" anchorCtr="0"/>
+          <a:lstStyle/>
+          <a:p>
+            <a:r>
+              <a:rPr lang="en-US" sz="1600" dirty="0" smtClean="0">
+                <a:solidFill>
+                  <a:schemeClr val="tx1"/>
+                </a:solidFill>
+              </a:rPr>
+              <a:t>Register application tasks to run</a:t>
+            </a:r>
+            <a:endParaRPr lang="en-CA" sz="1600" dirty="0">
+              <a:solidFill>
+                <a:schemeClr val="tx1"/>
+              </a:solidFill>
+            </a:endParaRPr>
+          </a:p>
+        </p:txBody>
+      </p:sp>
+      <p:sp>
+        <p:nvSpPr>
+          <p:cNvPr id="167" name="Rectangular Callout 166"/>
+          <p:cNvSpPr/>
+          <p:nvPr/>
+        </p:nvSpPr>
+        <p:spPr>
+          <a:xfrm>
+            <a:off x="10480734" y="4982846"/>
+            <a:ext cx="1684240" cy="645975"/>
+          </a:xfrm>
+          <a:prstGeom prst="wedgeRectCallout">
+            <a:avLst>
+              <a:gd name="adj1" fmla="val -67489"/>
+              <a:gd name="adj2" fmla="val -23948"/>
+            </a:avLst>
+          </a:prstGeom>
+          <a:solidFill>
+            <a:schemeClr val="accent6">
+              <a:lumMod val="20000"/>
+              <a:lumOff val="80000"/>
+            </a:schemeClr>
+          </a:solidFill>
+          <a:ln>
+            <a:solidFill>
+              <a:schemeClr val="tx1"/>
+            </a:solidFill>
+          </a:ln>
+        </p:spPr>
+        <p:style>
+          <a:lnRef idx="2">
+            <a:schemeClr val="accent1">
+              <a:shade val="50000"/>
+            </a:schemeClr>
+          </a:lnRef>
+          <a:fillRef idx="1">
+            <a:schemeClr val="accent1"/>
+          </a:fillRef>
+          <a:effectRef idx="0">
+            <a:schemeClr val="accent1"/>
+          </a:effectRef>
+          <a:fontRef idx="minor">
+            <a:schemeClr val="lt1"/>
+          </a:fontRef>
+        </p:style>
+        <p:txBody>
+          <a:bodyPr rtlCol="0" anchor="t" anchorCtr="0"/>
+          <a:lstStyle/>
+          <a:p>
+            <a:r>
+              <a:rPr lang="en-US" sz="1200" dirty="0" smtClean="0">
+                <a:solidFill>
+                  <a:schemeClr val="tx1"/>
+                </a:solidFill>
+              </a:rPr>
+              <a:t>Each resource module has </a:t>
+            </a:r>
+            <a:r>
+              <a:rPr lang="en-US" sz="1200" dirty="0" err="1" smtClean="0">
+                <a:solidFill>
+                  <a:schemeClr val="tx1"/>
+                </a:solidFill>
+              </a:rPr>
+              <a:t>XXXconfig.h</a:t>
+            </a:r>
+            <a:r>
+              <a:rPr lang="en-US" sz="1200" dirty="0" smtClean="0">
+                <a:solidFill>
+                  <a:schemeClr val="tx1"/>
+                </a:solidFill>
+              </a:rPr>
+              <a:t> for porting</a:t>
+            </a:r>
+            <a:endParaRPr lang="en-CA" sz="1200" dirty="0">
+              <a:solidFill>
+                <a:schemeClr val="tx1"/>
+              </a:solidFill>
+            </a:endParaRPr>
+          </a:p>
+        </p:txBody>
+      </p:sp>
+      <p:sp>
+        <p:nvSpPr>
+          <p:cNvPr id="168" name="Rectangular Callout 167"/>
+          <p:cNvSpPr/>
+          <p:nvPr/>
+        </p:nvSpPr>
+        <p:spPr>
+          <a:xfrm>
+            <a:off x="234893" y="3511184"/>
+            <a:ext cx="1354258" cy="751126"/>
+          </a:xfrm>
+          <a:prstGeom prst="wedgeRectCallout">
+            <a:avLst>
+              <a:gd name="adj1" fmla="val 76467"/>
+              <a:gd name="adj2" fmla="val 44417"/>
+            </a:avLst>
+          </a:prstGeom>
+          <a:solidFill>
+            <a:schemeClr val="accent6">
+              <a:lumMod val="20000"/>
+              <a:lumOff val="80000"/>
+            </a:schemeClr>
+          </a:solidFill>
+          <a:ln>
+            <a:solidFill>
+              <a:schemeClr val="tx1"/>
+            </a:solidFill>
+          </a:ln>
+        </p:spPr>
+        <p:style>
+          <a:lnRef idx="2">
+            <a:schemeClr val="accent1">
+              <a:shade val="50000"/>
+            </a:schemeClr>
+          </a:lnRef>
+          <a:fillRef idx="1">
+            <a:schemeClr val="accent1"/>
+          </a:fillRef>
+          <a:effectRef idx="0">
+            <a:schemeClr val="accent1"/>
+          </a:effectRef>
+          <a:fontRef idx="minor">
+            <a:schemeClr val="lt1"/>
+          </a:fontRef>
+        </p:style>
+        <p:txBody>
+          <a:bodyPr rtlCol="0" anchor="t" anchorCtr="0"/>
+          <a:lstStyle/>
+          <a:p>
+            <a:r>
+              <a:rPr lang="en-US" sz="1400" dirty="0" err="1" smtClean="0">
+                <a:solidFill>
+                  <a:schemeClr val="tx1"/>
+                </a:solidFill>
+              </a:rPr>
+              <a:t>myRetarget.h</a:t>
+            </a:r>
+            <a:endParaRPr lang="en-US" sz="1400" dirty="0" smtClean="0">
+              <a:solidFill>
+                <a:schemeClr val="tx1"/>
+              </a:solidFill>
+            </a:endParaRPr>
+          </a:p>
+          <a:p>
+            <a:r>
+              <a:rPr lang="en-US" sz="1400" dirty="0" smtClean="0">
+                <a:solidFill>
+                  <a:schemeClr val="tx1"/>
+                </a:solidFill>
+              </a:rPr>
+              <a:t>switches which resource to use</a:t>
+            </a:r>
+            <a:endParaRPr lang="en-CA" sz="1400" dirty="0">
+              <a:solidFill>
+                <a:schemeClr val="tx1"/>
+              </a:solidFill>
+            </a:endParaRPr>
+          </a:p>
+        </p:txBody>
+      </p:sp>
+      <p:sp>
+        <p:nvSpPr>
+          <p:cNvPr id="61" name="Rectangle 60"/>
+          <p:cNvSpPr/>
+          <p:nvPr/>
+        </p:nvSpPr>
+        <p:spPr>
+          <a:xfrm>
+            <a:off x="4957240" y="1380456"/>
+            <a:ext cx="1368644" cy="400110"/>
+          </a:xfrm>
+          <a:prstGeom prst="rect">
+            <a:avLst/>
+          </a:prstGeom>
+        </p:spPr>
+        <p:txBody>
+          <a:bodyPr wrap="none">
+            <a:spAutoFit/>
+          </a:bodyPr>
+          <a:lstStyle/>
+          <a:p>
+            <a:r>
+              <a:rPr lang="en-US" sz="2000" b="1" dirty="0" smtClean="0">
+                <a:solidFill>
+                  <a:schemeClr val="accent1">
+                    <a:lumMod val="50000"/>
+                  </a:schemeClr>
+                </a:solidFill>
+              </a:rPr>
+              <a:t>application</a:t>
+            </a:r>
+            <a:endParaRPr lang="en-CA" sz="2000" b="1" dirty="0">
+              <a:solidFill>
+                <a:schemeClr val="accent1">
+                  <a:lumMod val="50000"/>
+                </a:schemeClr>
+              </a:solidFill>
+            </a:endParaRPr>
+          </a:p>
+        </p:txBody>
+      </p:sp>
+      <p:sp>
+        <p:nvSpPr>
+          <p:cNvPr id="62" name="Rectangular Callout 61"/>
+          <p:cNvSpPr/>
+          <p:nvPr/>
+        </p:nvSpPr>
+        <p:spPr>
+          <a:xfrm>
+            <a:off x="2896875" y="1408669"/>
+            <a:ext cx="1817411" cy="668141"/>
+          </a:xfrm>
+          <a:prstGeom prst="wedgeRectCallout">
+            <a:avLst>
+              <a:gd name="adj1" fmla="val 63737"/>
+              <a:gd name="adj2" fmla="val 22834"/>
+            </a:avLst>
+          </a:prstGeom>
+          <a:solidFill>
+            <a:schemeClr val="accent6">
+              <a:lumMod val="20000"/>
+              <a:lumOff val="80000"/>
+            </a:schemeClr>
+          </a:solidFill>
+          <a:ln>
+            <a:solidFill>
+              <a:schemeClr val="tx1"/>
+            </a:solidFill>
+          </a:ln>
+        </p:spPr>
+        <p:style>
+          <a:lnRef idx="2">
+            <a:schemeClr val="accent1">
+              <a:shade val="50000"/>
+            </a:schemeClr>
+          </a:lnRef>
+          <a:fillRef idx="1">
+            <a:schemeClr val="accent1"/>
+          </a:fillRef>
+          <a:effectRef idx="0">
+            <a:schemeClr val="accent1"/>
+          </a:effectRef>
+          <a:fontRef idx="minor">
+            <a:schemeClr val="lt1"/>
+          </a:fontRef>
+        </p:style>
+        <p:txBody>
+          <a:bodyPr rtlCol="0" anchor="t" anchorCtr="0"/>
+          <a:lstStyle/>
+          <a:p>
             <a:r>
               <a:rPr lang="en-US" sz="1600" dirty="0" smtClean="0">
                 <a:solidFill>
@@ -8396,7 +10472,7 @@
     </p:spTree>
     <p:extLst>
       <p:ext uri="{BB962C8B-B14F-4D97-AF65-F5344CB8AC3E}">
-        <p14:creationId xmlns:p14="http://schemas.microsoft.com/office/powerpoint/2010/main" val="3871403284"/>
+        <p14:creationId xmlns:p14="http://schemas.microsoft.com/office/powerpoint/2010/main" val="1265206647"/>
       </p:ext>
     </p:extLst>
   </p:cSld>
